--- a/presentation-night-3.pptx
+++ b/presentation-night-3.pptx
@@ -8,17 +8,18 @@
     <p:sldId id="256" r:id="rId2"/>
     <p:sldId id="272" r:id="rId3"/>
     <p:sldId id="267" r:id="rId4"/>
-    <p:sldId id="266" r:id="rId5"/>
-    <p:sldId id="260" r:id="rId6"/>
-    <p:sldId id="259" r:id="rId7"/>
-    <p:sldId id="261" r:id="rId8"/>
-    <p:sldId id="268" r:id="rId9"/>
-    <p:sldId id="270" r:id="rId10"/>
-    <p:sldId id="269" r:id="rId11"/>
-    <p:sldId id="273" r:id="rId12"/>
-    <p:sldId id="274" r:id="rId13"/>
-    <p:sldId id="277" r:id="rId14"/>
+    <p:sldId id="278" r:id="rId5"/>
+    <p:sldId id="266" r:id="rId6"/>
+    <p:sldId id="260" r:id="rId7"/>
+    <p:sldId id="259" r:id="rId8"/>
+    <p:sldId id="261" r:id="rId9"/>
+    <p:sldId id="268" r:id="rId10"/>
+    <p:sldId id="270" r:id="rId11"/>
+    <p:sldId id="269" r:id="rId12"/>
+    <p:sldId id="273" r:id="rId13"/>
+    <p:sldId id="274" r:id="rId14"/>
     <p:sldId id="275" r:id="rId15"/>
+    <p:sldId id="277" r:id="rId16"/>
   </p:sldIdLst>
   <p:sldSz cx="12192000" cy="6858000"/>
   <p:notesSz cx="6858000" cy="9144000"/>
@@ -3135,23 +3136,8 @@
                 </a:solidFill>
                 <a:latin typeface="Cambria" panose="02040503050406030204" pitchFamily="18" charset="0"/>
               </a:rPr>
-              <a:t>night </a:t>
-            </a:r>
-            <a:r>
-              <a:rPr lang="en-US" sz="5000" b="1" dirty="0" smtClean="0">
-                <a:solidFill>
-                  <a:schemeClr val="bg1"/>
-                </a:solidFill>
-                <a:latin typeface="Cambria" panose="02040503050406030204" pitchFamily="18" charset="0"/>
-              </a:rPr>
-              <a:t>#3</a:t>
-            </a:r>
-            <a:endParaRPr lang="en-US" sz="5000" b="1" dirty="0" smtClean="0">
-              <a:solidFill>
-                <a:schemeClr val="bg1"/>
-              </a:solidFill>
-              <a:latin typeface="Cambria" panose="02040503050406030204" pitchFamily="18" charset="0"/>
-            </a:endParaRPr>
+              <a:t>night #3</a:t>
+            </a:r>
           </a:p>
         </p:txBody>
       </p:sp>
@@ -3312,15 +3298,6 @@
               </a:rPr>
               <a:t>profit$</a:t>
             </a:r>
-            <a:endParaRPr lang="en-US" sz="7000" b="1" dirty="0" smtClean="0">
-              <a:solidFill>
-                <a:schemeClr val="accent4">
-                  <a:lumMod val="60000"/>
-                  <a:lumOff val="40000"/>
-                </a:schemeClr>
-              </a:solidFill>
-              <a:latin typeface="Cambria" panose="02040503050406030204" pitchFamily="18" charset="0"/>
-            </a:endParaRPr>
           </a:p>
           <a:p>
             <a:endParaRPr lang="en-US" sz="7000" dirty="0" smtClean="0">
@@ -3377,7 +3354,7 @@
             <a:avLst/>
           </a:prstGeom>
           <a:solidFill>
-            <a:srgbClr val="004376"/>
+            <a:srgbClr val="322D5D"/>
           </a:solidFill>
         </p:spPr>
         <p:txBody>
@@ -3392,76 +3369,47 @@
           </a:p>
         </p:txBody>
       </p:sp>
-      <p:sp>
-        <p:nvSpPr>
-          <p:cNvPr id="8" name="TextBox 7"/>
-          <p:cNvSpPr txBox="1"/>
+      <p:pic>
+        <p:nvPicPr>
+          <p:cNvPr id="6148" name="Picture 4" descr="Drop that Red Pill, Weâre Going Back Into THE MATRIX!"/>
+          <p:cNvPicPr>
+            <a:picLocks noChangeAspect="1" noChangeArrowheads="1"/>
+          </p:cNvPicPr>
           <p:nvPr/>
-        </p:nvSpPr>
-        <p:spPr>
-          <a:xfrm>
-            <a:off x="643887" y="107576"/>
-            <a:ext cx="5649337" cy="1837765"/>
+        </p:nvPicPr>
+        <p:blipFill>
+          <a:blip r:embed="rId2">
+            <a:extLst>
+              <a:ext uri="{28A0092B-C50C-407E-A947-70E740481C1C}">
+                <a14:useLocalDpi xmlns:a14="http://schemas.microsoft.com/office/drawing/2010/main" val="0"/>
+              </a:ext>
+            </a:extLst>
+          </a:blip>
+          <a:srcRect/>
+          <a:stretch>
+            <a:fillRect/>
+          </a:stretch>
+        </p:blipFill>
+        <p:spPr bwMode="auto">
+          <a:xfrm>
+            <a:off x="62753" y="-1"/>
+            <a:ext cx="12005950" cy="6632477"/>
           </a:xfrm>
           <a:prstGeom prst="rect">
             <a:avLst/>
           </a:prstGeom>
           <a:noFill/>
-        </p:spPr>
-        <p:txBody>
-          <a:bodyPr wrap="square" rtlCol="0">
-            <a:noAutofit/>
-          </a:bodyPr>
-          <a:lstStyle/>
-          <a:p>
-            <a:r>
-              <a:rPr lang="en-US" sz="7000" b="1" dirty="0" smtClean="0">
-                <a:solidFill>
-                  <a:schemeClr val="bg1"/>
-                </a:solidFill>
-                <a:latin typeface="Cambria" panose="02040503050406030204" pitchFamily="18" charset="0"/>
-              </a:rPr>
-              <a:t>Exercise #3 </a:t>
-            </a:r>
-            <a:endParaRPr lang="en-US" sz="7000" b="1" dirty="0" smtClean="0">
-              <a:solidFill>
-                <a:schemeClr val="bg1"/>
-              </a:solidFill>
-              <a:latin typeface="Cambria" panose="02040503050406030204" pitchFamily="18" charset="0"/>
-            </a:endParaRPr>
-          </a:p>
-        </p:txBody>
-      </p:sp>
-      <p:sp>
-        <p:nvSpPr>
-          <p:cNvPr id="5" name="TextBox 4"/>
-          <p:cNvSpPr txBox="1"/>
-          <p:nvPr/>
-        </p:nvSpPr>
-        <p:spPr>
-          <a:xfrm>
-            <a:off x="0" y="2286001"/>
-            <a:ext cx="12192000" cy="4572000"/>
-          </a:xfrm>
-          <a:prstGeom prst="rect">
-            <a:avLst/>
-          </a:prstGeom>
-          <a:solidFill>
-            <a:srgbClr val="322D5D"/>
-          </a:solidFill>
-        </p:spPr>
-        <p:txBody>
-          <a:bodyPr wrap="square" rtlCol="0">
-            <a:noAutofit/>
-          </a:bodyPr>
-          <a:lstStyle/>
-          <a:p>
-            <a:endParaRPr lang="en-US" sz="10000" b="1" dirty="0" smtClean="0">
-              <a:latin typeface="Cambria" panose="02040503050406030204" pitchFamily="18" charset="0"/>
-            </a:endParaRPr>
-          </a:p>
-        </p:txBody>
-      </p:sp>
+          <a:extLst>
+            <a:ext uri="{909E8E84-426E-40DD-AFC4-6F175D3DCCD1}">
+              <a14:hiddenFill xmlns:a14="http://schemas.microsoft.com/office/drawing/2010/main">
+                <a:solidFill>
+                  <a:srgbClr val="FFFFFF"/>
+                </a:solidFill>
+              </a14:hiddenFill>
+            </a:ext>
+          </a:extLst>
+        </p:spPr>
+      </p:pic>
       <p:sp>
         <p:nvSpPr>
           <p:cNvPr id="6" name="TextBox 5"/>
@@ -3470,8 +3418,8 @@
         </p:nvSpPr>
         <p:spPr>
           <a:xfrm>
-            <a:off x="403411" y="1344706"/>
-            <a:ext cx="11385177" cy="779929"/>
+            <a:off x="1068507" y="1317811"/>
+            <a:ext cx="3847801" cy="779929"/>
           </a:xfrm>
           <a:prstGeom prst="rect">
             <a:avLst/>
@@ -3485,147 +3433,18 @@
           <a:lstStyle/>
           <a:p>
             <a:r>
-              <a:rPr lang="it-IT" sz="4000" b="1" dirty="0" smtClean="0">
-                <a:solidFill>
-                  <a:schemeClr val="accent4">
-                    <a:lumMod val="60000"/>
-                    <a:lumOff val="40000"/>
-                  </a:schemeClr>
-                </a:solidFill>
-                <a:effectLst>
-                  <a:outerShdw blurRad="38100" dist="38100" dir="2700000" algn="tl">
-                    <a:srgbClr val="000000">
-                      <a:alpha val="43137"/>
-                    </a:srgbClr>
-                  </a:outerShdw>
-                </a:effectLst>
+              <a:rPr lang="en-US" sz="4700" b="1" dirty="0" smtClean="0">
+                <a:solidFill>
+                  <a:schemeClr val="bg1"/>
+                </a:solidFill>
                 <a:latin typeface="Times New Roman" panose="02020603050405020304" pitchFamily="18" charset="0"/>
                 <a:cs typeface="Times New Roman" panose="02020603050405020304" pitchFamily="18" charset="0"/>
               </a:rPr>
-              <a:t>TODO</a:t>
-            </a:r>
-            <a:r>
-              <a:rPr lang="it-IT" sz="4000" dirty="0" smtClean="0">
-                <a:solidFill>
-                  <a:schemeClr val="accent4">
-                    <a:lumMod val="60000"/>
-                    <a:lumOff val="40000"/>
-                  </a:schemeClr>
-                </a:solidFill>
-                <a:effectLst>
-                  <a:outerShdw blurRad="38100" dist="38100" dir="2700000" algn="tl">
-                    <a:srgbClr val="000000">
-                      <a:alpha val="43137"/>
-                    </a:srgbClr>
-                  </a:outerShdw>
-                </a:effectLst>
-                <a:latin typeface="Times New Roman" panose="02020603050405020304" pitchFamily="18" charset="0"/>
-                <a:cs typeface="Times New Roman" panose="02020603050405020304" pitchFamily="18" charset="0"/>
-              </a:rPr>
-              <a:t>:</a:t>
-            </a:r>
-            <a:r>
-              <a:rPr lang="it-IT" sz="4000" dirty="0" smtClean="0">
-                <a:solidFill>
-                  <a:schemeClr val="bg1"/>
-                </a:solidFill>
-                <a:effectLst>
-                  <a:outerShdw blurRad="38100" dist="38100" dir="2700000" algn="tl">
-                    <a:srgbClr val="000000">
-                      <a:alpha val="43137"/>
-                    </a:srgbClr>
-                  </a:outerShdw>
-                </a:effectLst>
-                <a:latin typeface="Times New Roman" panose="02020603050405020304" pitchFamily="18" charset="0"/>
-                <a:cs typeface="Times New Roman" panose="02020603050405020304" pitchFamily="18" charset="0"/>
-              </a:rPr>
-              <a:t> create </a:t>
-            </a:r>
-            <a:r>
-              <a:rPr lang="it-IT" sz="4000" dirty="0">
-                <a:solidFill>
-                  <a:schemeClr val="bg1"/>
-                </a:solidFill>
-                <a:effectLst>
-                  <a:outerShdw blurRad="38100" dist="38100" dir="2700000" algn="tl">
-                    <a:srgbClr val="000000">
-                      <a:alpha val="43137"/>
-                    </a:srgbClr>
-                  </a:outerShdw>
-                </a:effectLst>
-                <a:latin typeface="Times New Roman" panose="02020603050405020304" pitchFamily="18" charset="0"/>
-                <a:cs typeface="Times New Roman" panose="02020603050405020304" pitchFamily="18" charset="0"/>
-              </a:rPr>
-              <a:t>a movie </a:t>
-            </a:r>
-            <a:r>
-              <a:rPr lang="en-US" sz="4000" b="1" i="1" dirty="0" smtClean="0">
-                <a:solidFill>
-                  <a:srgbClr val="FFC000"/>
-                </a:solidFill>
-                <a:effectLst>
-                  <a:outerShdw blurRad="38100" dist="38100" dir="2700000" algn="tl">
-                    <a:srgbClr val="000000">
-                      <a:alpha val="43137"/>
-                    </a:srgbClr>
-                  </a:outerShdw>
-                </a:effectLst>
-                <a:latin typeface="Times New Roman" panose="02020603050405020304" pitchFamily="18" charset="0"/>
-                <a:cs typeface="Times New Roman" panose="02020603050405020304" pitchFamily="18" charset="0"/>
-              </a:rPr>
-              <a:t>search</a:t>
-            </a:r>
-            <a:r>
-              <a:rPr lang="en-US" sz="4000" dirty="0" smtClean="0">
-                <a:solidFill>
-                  <a:srgbClr val="FFC000"/>
-                </a:solidFill>
-                <a:effectLst>
-                  <a:outerShdw blurRad="38100" dist="38100" dir="2700000" algn="tl">
-                    <a:srgbClr val="000000">
-                      <a:alpha val="43137"/>
-                    </a:srgbClr>
-                  </a:outerShdw>
-                </a:effectLst>
-                <a:latin typeface="Times New Roman" panose="02020603050405020304" pitchFamily="18" charset="0"/>
-                <a:cs typeface="Times New Roman" panose="02020603050405020304" pitchFamily="18" charset="0"/>
-              </a:rPr>
-              <a:t> </a:t>
-            </a:r>
-            <a:r>
-              <a:rPr lang="en-US" sz="4000" dirty="0" smtClean="0">
-                <a:solidFill>
-                  <a:schemeClr val="bg1"/>
-                </a:solidFill>
-                <a:effectLst>
-                  <a:outerShdw blurRad="38100" dist="38100" dir="2700000" algn="tl">
-                    <a:srgbClr val="000000">
-                      <a:alpha val="43137"/>
-                    </a:srgbClr>
-                  </a:outerShdw>
-                </a:effectLst>
-                <a:latin typeface="Times New Roman" panose="02020603050405020304" pitchFamily="18" charset="0"/>
-                <a:cs typeface="Times New Roman" panose="02020603050405020304" pitchFamily="18" charset="0"/>
-              </a:rPr>
-              <a:t>page</a:t>
-            </a:r>
-            <a:endParaRPr lang="en-US" sz="4000" dirty="0" smtClean="0">
-              <a:solidFill>
-                <a:schemeClr val="bg1"/>
-              </a:solidFill>
-              <a:effectLst>
-                <a:outerShdw blurRad="38100" dist="38100" dir="2700000" algn="tl">
-                  <a:srgbClr val="000000">
-                    <a:alpha val="43137"/>
-                  </a:srgbClr>
-                </a:outerShdw>
-              </a:effectLst>
-              <a:latin typeface="Times New Roman" panose="02020603050405020304" pitchFamily="18" charset="0"/>
-              <a:cs typeface="Times New Roman" panose="02020603050405020304" pitchFamily="18" charset="0"/>
-            </a:endParaRPr>
-          </a:p>
-          <a:p>
-            <a:endParaRPr lang="en-US" sz="4000" dirty="0" smtClean="0">
+              <a:t>Into the repo!</a:t>
+            </a:r>
+          </a:p>
+          <a:p>
+            <a:endParaRPr lang="en-US" sz="4700" b="1" dirty="0" smtClean="0">
               <a:solidFill>
                 <a:schemeClr val="bg1"/>
               </a:solidFill>
@@ -3637,19 +3456,23 @@
       </p:sp>
       <p:sp>
         <p:nvSpPr>
-          <p:cNvPr id="7" name="TextBox 6"/>
+          <p:cNvPr id="9" name="TextBox 8"/>
           <p:cNvSpPr txBox="1"/>
           <p:nvPr/>
         </p:nvSpPr>
         <p:spPr>
           <a:xfrm>
-            <a:off x="313764" y="2649070"/>
-            <a:ext cx="11385177" cy="3294530"/>
+            <a:off x="0" y="4195482"/>
+            <a:ext cx="12192000" cy="2289235"/>
           </a:xfrm>
           <a:prstGeom prst="rect">
             <a:avLst/>
           </a:prstGeom>
-          <a:noFill/>
+          <a:solidFill>
+            <a:srgbClr val="000000">
+              <a:alpha val="69804"/>
+            </a:srgbClr>
+          </a:solidFill>
         </p:spPr>
         <p:txBody>
           <a:bodyPr wrap="square" rtlCol="0">
@@ -3657,136 +3480,90 @@
           </a:bodyPr>
           <a:lstStyle/>
           <a:p>
-            <a:pPr marL="685800" indent="-685800">
+            <a:pPr algn="ctr">
               <a:spcBef>
+                <a:spcPts val="1200"/>
+              </a:spcBef>
+              <a:spcAft>
                 <a:spcPts val="600"/>
+              </a:spcAft>
+            </a:pPr>
+            <a:r>
+              <a:rPr lang="en-US" sz="4000" b="1" dirty="0" smtClean="0">
+                <a:solidFill>
+                  <a:schemeClr val="accent2">
+                    <a:lumMod val="20000"/>
+                    <a:lumOff val="80000"/>
+                  </a:schemeClr>
+                </a:solidFill>
+                <a:latin typeface="Consolas" panose="020B0609020204030204" pitchFamily="49" charset="0"/>
+                <a:cs typeface="Consolas" panose="020B0609020204030204" pitchFamily="49" charset="0"/>
+              </a:rPr>
+              <a:t>github.com</a:t>
+            </a:r>
+            <a:r>
+              <a:rPr lang="en-US" sz="4000" b="1" dirty="0" smtClean="0">
+                <a:solidFill>
+                  <a:schemeClr val="accent2">
+                    <a:lumMod val="60000"/>
+                    <a:lumOff val="40000"/>
+                  </a:schemeClr>
+                </a:solidFill>
+                <a:latin typeface="Consolas" panose="020B0609020204030204" pitchFamily="49" charset="0"/>
+                <a:cs typeface="Consolas" panose="020B0609020204030204" pitchFamily="49" charset="0"/>
+              </a:rPr>
+              <a:t>/</a:t>
+            </a:r>
+            <a:r>
+              <a:rPr lang="en-US" sz="4000" b="1" dirty="0" err="1" smtClean="0">
+                <a:solidFill>
+                  <a:schemeClr val="accent2">
+                    <a:lumMod val="60000"/>
+                    <a:lumOff val="40000"/>
+                  </a:schemeClr>
+                </a:solidFill>
+                <a:latin typeface="Consolas" panose="020B0609020204030204" pitchFamily="49" charset="0"/>
+                <a:cs typeface="Consolas" panose="020B0609020204030204" pitchFamily="49" charset="0"/>
+              </a:rPr>
+              <a:t>joeldevlearning</a:t>
+            </a:r>
+            <a:endParaRPr lang="en-US" sz="4000" b="1" dirty="0" smtClean="0">
+              <a:solidFill>
+                <a:schemeClr val="accent2">
+                  <a:lumMod val="60000"/>
+                  <a:lumOff val="40000"/>
+                </a:schemeClr>
+              </a:solidFill>
+              <a:latin typeface="Consolas" panose="020B0609020204030204" pitchFamily="49" charset="0"/>
+              <a:cs typeface="Consolas" panose="020B0609020204030204" pitchFamily="49" charset="0"/>
+            </a:endParaRPr>
+          </a:p>
+          <a:p>
+            <a:pPr algn="ctr">
+              <a:spcBef>
+                <a:spcPts val="1200"/>
               </a:spcBef>
-              <a:buFont typeface="Arial" panose="020B0604020202020204" pitchFamily="34" charset="0"/>
-              <a:buChar char="•"/>
+              <a:spcAft>
+                <a:spcPts val="600"/>
+              </a:spcAft>
             </a:pPr>
             <a:r>
-              <a:rPr lang="en-US" sz="5000" dirty="0" smtClean="0">
-                <a:solidFill>
-                  <a:schemeClr val="bg1"/>
-                </a:solidFill>
-                <a:latin typeface="Times New Roman" panose="02020603050405020304" pitchFamily="18" charset="0"/>
-                <a:cs typeface="Times New Roman" panose="02020603050405020304" pitchFamily="18" charset="0"/>
-              </a:rPr>
-              <a:t>remember how to </a:t>
-            </a:r>
-            <a:r>
-              <a:rPr lang="en-US" sz="5000" dirty="0" smtClean="0">
-                <a:solidFill>
-                  <a:srgbClr val="FFC000"/>
-                </a:solidFill>
-                <a:latin typeface="Times New Roman" panose="02020603050405020304" pitchFamily="18" charset="0"/>
-                <a:cs typeface="Times New Roman" panose="02020603050405020304" pitchFamily="18" charset="0"/>
-              </a:rPr>
-              <a:t>loop over results from a promise</a:t>
-            </a:r>
-            <a:r>
-              <a:rPr lang="en-US" sz="5000" dirty="0" smtClean="0">
-                <a:solidFill>
-                  <a:schemeClr val="bg1"/>
-                </a:solidFill>
-                <a:latin typeface="Times New Roman" panose="02020603050405020304" pitchFamily="18" charset="0"/>
-                <a:cs typeface="Times New Roman" panose="02020603050405020304" pitchFamily="18" charset="0"/>
-              </a:rPr>
-              <a:t> we’ll review that quickly…</a:t>
-            </a:r>
-          </a:p>
-          <a:p>
-            <a:pPr marL="685800" indent="-685800">
-              <a:spcBef>
-                <a:spcPts val="600"/>
-              </a:spcBef>
-              <a:buFont typeface="Arial" panose="020B0604020202020204" pitchFamily="34" charset="0"/>
-              <a:buChar char="•"/>
-            </a:pPr>
-            <a:r>
-              <a:rPr lang="en-US" sz="5000" dirty="0" smtClean="0">
-                <a:solidFill>
-                  <a:schemeClr val="bg1"/>
-                </a:solidFill>
-                <a:latin typeface="Times New Roman" panose="02020603050405020304" pitchFamily="18" charset="0"/>
-                <a:cs typeface="Times New Roman" panose="02020603050405020304" pitchFamily="18" charset="0"/>
-              </a:rPr>
-              <a:t>then we get to work on </a:t>
-            </a:r>
-            <a:r>
-              <a:rPr lang="en-US" sz="5000" dirty="0" smtClean="0">
+              <a:rPr lang="en-US" sz="4000" b="1" dirty="0" smtClean="0">
                 <a:solidFill>
                   <a:schemeClr val="accent4">
                     <a:lumMod val="60000"/>
                     <a:lumOff val="40000"/>
                   </a:schemeClr>
                 </a:solidFill>
-                <a:effectLst>
-                  <a:outerShdw blurRad="38100" dist="38100" dir="2700000" algn="tl">
-                    <a:srgbClr val="000000">
-                      <a:alpha val="43137"/>
-                    </a:srgbClr>
-                  </a:outerShdw>
-                </a:effectLst>
-                <a:latin typeface="Times New Roman" panose="02020603050405020304" pitchFamily="18" charset="0"/>
-                <a:cs typeface="Times New Roman" panose="02020603050405020304" pitchFamily="18" charset="0"/>
-              </a:rPr>
-              <a:t>creating a search box </a:t>
-            </a:r>
-            <a:r>
-              <a:rPr lang="en-US" sz="5000" dirty="0" smtClean="0">
-                <a:solidFill>
-                  <a:schemeClr val="bg1"/>
-                </a:solidFill>
-                <a:latin typeface="Times New Roman" panose="02020603050405020304" pitchFamily="18" charset="0"/>
-                <a:cs typeface="Times New Roman" panose="02020603050405020304" pitchFamily="18" charset="0"/>
-              </a:rPr>
-              <a:t>and </a:t>
-            </a:r>
-            <a:r>
-              <a:rPr lang="en-US" sz="5000" dirty="0" smtClean="0">
-                <a:solidFill>
-                  <a:schemeClr val="accent4">
-                    <a:lumMod val="60000"/>
-                    <a:lumOff val="40000"/>
-                  </a:schemeClr>
-                </a:solidFill>
-                <a:effectLst>
-                  <a:outerShdw blurRad="38100" dist="38100" dir="2700000" algn="tl">
-                    <a:srgbClr val="000000">
-                      <a:alpha val="43137"/>
-                    </a:srgbClr>
-                  </a:outerShdw>
-                </a:effectLst>
-                <a:latin typeface="Times New Roman" panose="02020603050405020304" pitchFamily="18" charset="0"/>
-                <a:cs typeface="Times New Roman" panose="02020603050405020304" pitchFamily="18" charset="0"/>
-              </a:rPr>
-              <a:t>using its input to call the API</a:t>
-            </a:r>
-            <a:endParaRPr lang="en-US" sz="5000" dirty="0" smtClean="0">
-              <a:solidFill>
-                <a:schemeClr val="bg1"/>
-              </a:solidFill>
-              <a:effectLst>
-                <a:outerShdw blurRad="38100" dist="38100" dir="2700000" algn="tl">
-                  <a:srgbClr val="000000">
-                    <a:alpha val="43137"/>
-                  </a:srgbClr>
-                </a:outerShdw>
-              </a:effectLst>
-              <a:latin typeface="Times New Roman" panose="02020603050405020304" pitchFamily="18" charset="0"/>
-              <a:cs typeface="Times New Roman" panose="02020603050405020304" pitchFamily="18" charset="0"/>
-            </a:endParaRPr>
-          </a:p>
-          <a:p>
-            <a:pPr marL="571500" indent="-571500">
-              <a:spcBef>
-                <a:spcPts val="600"/>
-              </a:spcBef>
-              <a:buFont typeface="Arial" panose="020B0604020202020204" pitchFamily="34" charset="0"/>
-              <a:buChar char="•"/>
-            </a:pPr>
-            <a:endParaRPr lang="en-US" sz="4000" dirty="0" smtClean="0">
+                <a:latin typeface="Consolas" panose="020B0609020204030204" pitchFamily="49" charset="0"/>
+                <a:cs typeface="Consolas" panose="020B0609020204030204" pitchFamily="49" charset="0"/>
+              </a:rPr>
+              <a:t>/javascript-3/exercise-2</a:t>
+            </a:r>
+          </a:p>
+          <a:p>
+            <a:pPr algn="ctr"/>
+            <a:endParaRPr lang="en-US" sz="4700" b="1" dirty="0" smtClean="0">
               <a:solidFill>
                 <a:schemeClr val="bg1"/>
               </a:solidFill>
@@ -3794,28 +3571,12 @@
               <a:cs typeface="Times New Roman" panose="02020603050405020304" pitchFamily="18" charset="0"/>
             </a:endParaRPr>
           </a:p>
-          <a:p>
-            <a:pPr marL="571500" indent="-571500">
-              <a:spcBef>
-                <a:spcPts val="600"/>
-              </a:spcBef>
-              <a:buFont typeface="Arial" panose="020B0604020202020204" pitchFamily="34" charset="0"/>
-              <a:buChar char="•"/>
-            </a:pPr>
-            <a:endParaRPr lang="en-US" sz="4000" dirty="0" smtClean="0">
-              <a:solidFill>
-                <a:schemeClr val="bg1"/>
-              </a:solidFill>
-              <a:latin typeface="Times New Roman" panose="02020603050405020304" pitchFamily="18" charset="0"/>
-              <a:cs typeface="Times New Roman" panose="02020603050405020304" pitchFamily="18" charset="0"/>
-            </a:endParaRPr>
-          </a:p>
         </p:txBody>
       </p:sp>
     </p:spTree>
     <p:extLst>
       <p:ext uri="{BB962C8B-B14F-4D97-AF65-F5344CB8AC3E}">
-        <p14:creationId xmlns:p14="http://schemas.microsoft.com/office/powerpoint/2010/main" val="2172151062"/>
+        <p14:creationId xmlns:p14="http://schemas.microsoft.com/office/powerpoint/2010/main" val="2178011311"/>
       </p:ext>
     </p:extLst>
   </p:cSld>
@@ -3857,7 +3618,7 @@
             <a:avLst/>
           </a:prstGeom>
           <a:solidFill>
-            <a:srgbClr val="322D5D"/>
+            <a:srgbClr val="004376"/>
           </a:solidFill>
         </p:spPr>
         <p:txBody>
@@ -3874,14 +3635,14 @@
       </p:sp>
       <p:sp>
         <p:nvSpPr>
-          <p:cNvPr id="6" name="TextBox 5"/>
+          <p:cNvPr id="8" name="TextBox 7"/>
           <p:cNvSpPr txBox="1"/>
           <p:nvPr/>
         </p:nvSpPr>
         <p:spPr>
           <a:xfrm>
-            <a:off x="1068507" y="1317811"/>
-            <a:ext cx="4830269" cy="779929"/>
+            <a:off x="643887" y="107576"/>
+            <a:ext cx="5649337" cy="1837765"/>
           </a:xfrm>
           <a:prstGeom prst="rect">
             <a:avLst/>
@@ -3895,16 +3656,197 @@
           <a:lstStyle/>
           <a:p>
             <a:r>
-              <a:rPr lang="en-US" sz="4700" b="1" dirty="0" smtClean="0">
+              <a:rPr lang="en-US" sz="7000" b="1" dirty="0" smtClean="0">
                 <a:solidFill>
                   <a:schemeClr val="bg1"/>
                 </a:solidFill>
+                <a:latin typeface="Cambria" panose="02040503050406030204" pitchFamily="18" charset="0"/>
+              </a:rPr>
+              <a:t>Exercise #3 </a:t>
+            </a:r>
+          </a:p>
+        </p:txBody>
+      </p:sp>
+      <p:sp>
+        <p:nvSpPr>
+          <p:cNvPr id="5" name="TextBox 4"/>
+          <p:cNvSpPr txBox="1"/>
+          <p:nvPr/>
+        </p:nvSpPr>
+        <p:spPr>
+          <a:xfrm>
+            <a:off x="0" y="2286001"/>
+            <a:ext cx="12192000" cy="4572000"/>
+          </a:xfrm>
+          <a:prstGeom prst="rect">
+            <a:avLst/>
+          </a:prstGeom>
+          <a:solidFill>
+            <a:srgbClr val="322D5D"/>
+          </a:solidFill>
+        </p:spPr>
+        <p:txBody>
+          <a:bodyPr wrap="square" rtlCol="0">
+            <a:noAutofit/>
+          </a:bodyPr>
+          <a:lstStyle/>
+          <a:p>
+            <a:endParaRPr lang="en-US" sz="10000" b="1" dirty="0" smtClean="0">
+              <a:latin typeface="Cambria" panose="02040503050406030204" pitchFamily="18" charset="0"/>
+            </a:endParaRPr>
+          </a:p>
+        </p:txBody>
+      </p:sp>
+      <p:sp>
+        <p:nvSpPr>
+          <p:cNvPr id="6" name="TextBox 5"/>
+          <p:cNvSpPr txBox="1"/>
+          <p:nvPr/>
+        </p:nvSpPr>
+        <p:spPr>
+          <a:xfrm>
+            <a:off x="403411" y="1344706"/>
+            <a:ext cx="11385177" cy="779929"/>
+          </a:xfrm>
+          <a:prstGeom prst="rect">
+            <a:avLst/>
+          </a:prstGeom>
+          <a:noFill/>
+        </p:spPr>
+        <p:txBody>
+          <a:bodyPr wrap="square" rtlCol="0">
+            <a:noAutofit/>
+          </a:bodyPr>
+          <a:lstStyle/>
+          <a:p>
+            <a:r>
+              <a:rPr lang="it-IT" sz="4000" b="1" dirty="0" smtClean="0">
+                <a:solidFill>
+                  <a:schemeClr val="accent4">
+                    <a:lumMod val="60000"/>
+                    <a:lumOff val="40000"/>
+                  </a:schemeClr>
+                </a:solidFill>
+                <a:effectLst>
+                  <a:outerShdw blurRad="38100" dist="38100" dir="2700000" algn="tl">
+                    <a:srgbClr val="000000">
+                      <a:alpha val="43137"/>
+                    </a:srgbClr>
+                  </a:outerShdw>
+                </a:effectLst>
                 <a:latin typeface="Times New Roman" panose="02020603050405020304" pitchFamily="18" charset="0"/>
                 <a:cs typeface="Times New Roman" panose="02020603050405020304" pitchFamily="18" charset="0"/>
               </a:rPr>
-              <a:t>Down the repo!</a:t>
-            </a:r>
-            <a:endParaRPr lang="en-US" sz="4700" b="1" dirty="0" smtClean="0">
+              <a:t>TODO</a:t>
+            </a:r>
+            <a:r>
+              <a:rPr lang="it-IT" sz="4000" dirty="0" smtClean="0">
+                <a:solidFill>
+                  <a:schemeClr val="accent4">
+                    <a:lumMod val="60000"/>
+                    <a:lumOff val="40000"/>
+                  </a:schemeClr>
+                </a:solidFill>
+                <a:effectLst>
+                  <a:outerShdw blurRad="38100" dist="38100" dir="2700000" algn="tl">
+                    <a:srgbClr val="000000">
+                      <a:alpha val="43137"/>
+                    </a:srgbClr>
+                  </a:outerShdw>
+                </a:effectLst>
+                <a:latin typeface="Times New Roman" panose="02020603050405020304" pitchFamily="18" charset="0"/>
+                <a:cs typeface="Times New Roman" panose="02020603050405020304" pitchFamily="18" charset="0"/>
+              </a:rPr>
+              <a:t>:</a:t>
+            </a:r>
+            <a:r>
+              <a:rPr lang="it-IT" sz="4000" dirty="0" smtClean="0">
+                <a:solidFill>
+                  <a:schemeClr val="bg1"/>
+                </a:solidFill>
+                <a:effectLst>
+                  <a:outerShdw blurRad="38100" dist="38100" dir="2700000" algn="tl">
+                    <a:srgbClr val="000000">
+                      <a:alpha val="43137"/>
+                    </a:srgbClr>
+                  </a:outerShdw>
+                </a:effectLst>
+                <a:latin typeface="Times New Roman" panose="02020603050405020304" pitchFamily="18" charset="0"/>
+                <a:cs typeface="Times New Roman" panose="02020603050405020304" pitchFamily="18" charset="0"/>
+              </a:rPr>
+              <a:t> create </a:t>
+            </a:r>
+            <a:r>
+              <a:rPr lang="it-IT" sz="4000" dirty="0">
+                <a:solidFill>
+                  <a:schemeClr val="bg1"/>
+                </a:solidFill>
+                <a:effectLst>
+                  <a:outerShdw blurRad="38100" dist="38100" dir="2700000" algn="tl">
+                    <a:srgbClr val="000000">
+                      <a:alpha val="43137"/>
+                    </a:srgbClr>
+                  </a:outerShdw>
+                </a:effectLst>
+                <a:latin typeface="Times New Roman" panose="02020603050405020304" pitchFamily="18" charset="0"/>
+                <a:cs typeface="Times New Roman" panose="02020603050405020304" pitchFamily="18" charset="0"/>
+              </a:rPr>
+              <a:t>a movie </a:t>
+            </a:r>
+            <a:r>
+              <a:rPr lang="en-US" sz="4000" b="1" i="1" dirty="0" smtClean="0">
+                <a:solidFill>
+                  <a:srgbClr val="FFC000"/>
+                </a:solidFill>
+                <a:effectLst>
+                  <a:outerShdw blurRad="38100" dist="38100" dir="2700000" algn="tl">
+                    <a:srgbClr val="000000">
+                      <a:alpha val="43137"/>
+                    </a:srgbClr>
+                  </a:outerShdw>
+                </a:effectLst>
+                <a:latin typeface="Times New Roman" panose="02020603050405020304" pitchFamily="18" charset="0"/>
+                <a:cs typeface="Times New Roman" panose="02020603050405020304" pitchFamily="18" charset="0"/>
+              </a:rPr>
+              <a:t>search</a:t>
+            </a:r>
+            <a:r>
+              <a:rPr lang="en-US" sz="4000" dirty="0" smtClean="0">
+                <a:solidFill>
+                  <a:srgbClr val="FFC000"/>
+                </a:solidFill>
+                <a:effectLst>
+                  <a:outerShdw blurRad="38100" dist="38100" dir="2700000" algn="tl">
+                    <a:srgbClr val="000000">
+                      <a:alpha val="43137"/>
+                    </a:srgbClr>
+                  </a:outerShdw>
+                </a:effectLst>
+                <a:latin typeface="Times New Roman" panose="02020603050405020304" pitchFamily="18" charset="0"/>
+                <a:cs typeface="Times New Roman" panose="02020603050405020304" pitchFamily="18" charset="0"/>
+              </a:rPr>
+              <a:t> </a:t>
+            </a:r>
+            <a:r>
+              <a:rPr lang="en-US" sz="4000" dirty="0" smtClean="0">
+                <a:solidFill>
+                  <a:schemeClr val="bg1"/>
+                </a:solidFill>
+                <a:effectLst>
+                  <a:outerShdw blurRad="38100" dist="38100" dir="2700000" algn="tl">
+                    <a:srgbClr val="000000">
+                      <a:alpha val="43137"/>
+                    </a:srgbClr>
+                  </a:outerShdw>
+                </a:effectLst>
+                <a:latin typeface="Times New Roman" panose="02020603050405020304" pitchFamily="18" charset="0"/>
+                <a:cs typeface="Times New Roman" panose="02020603050405020304" pitchFamily="18" charset="0"/>
+              </a:rPr>
+              <a:t>page</a:t>
+            </a:r>
+          </a:p>
+          <a:p>
+            <a:endParaRPr lang="en-US" sz="4000" dirty="0" smtClean="0">
               <a:solidFill>
                 <a:schemeClr val="bg1"/>
               </a:solidFill>
@@ -3912,8 +3854,160 @@
               <a:cs typeface="Times New Roman" panose="02020603050405020304" pitchFamily="18" charset="0"/>
             </a:endParaRPr>
           </a:p>
-          <a:p>
-            <a:endParaRPr lang="en-US" sz="4700" b="1" dirty="0" smtClean="0">
+        </p:txBody>
+      </p:sp>
+      <p:sp>
+        <p:nvSpPr>
+          <p:cNvPr id="7" name="TextBox 6"/>
+          <p:cNvSpPr txBox="1"/>
+          <p:nvPr/>
+        </p:nvSpPr>
+        <p:spPr>
+          <a:xfrm>
+            <a:off x="313764" y="2649070"/>
+            <a:ext cx="11385177" cy="3294530"/>
+          </a:xfrm>
+          <a:prstGeom prst="rect">
+            <a:avLst/>
+          </a:prstGeom>
+          <a:noFill/>
+        </p:spPr>
+        <p:txBody>
+          <a:bodyPr wrap="square" rtlCol="0">
+            <a:noAutofit/>
+          </a:bodyPr>
+          <a:lstStyle/>
+          <a:p>
+            <a:pPr marL="685800" indent="-685800">
+              <a:spcBef>
+                <a:spcPts val="600"/>
+              </a:spcBef>
+              <a:buFont typeface="Arial" panose="020B0604020202020204" pitchFamily="34" charset="0"/>
+              <a:buChar char="•"/>
+            </a:pPr>
+            <a:r>
+              <a:rPr lang="en-US" sz="5000" dirty="0" smtClean="0">
+                <a:solidFill>
+                  <a:schemeClr val="bg1"/>
+                </a:solidFill>
+                <a:latin typeface="Times New Roman" panose="02020603050405020304" pitchFamily="18" charset="0"/>
+                <a:cs typeface="Times New Roman" panose="02020603050405020304" pitchFamily="18" charset="0"/>
+              </a:rPr>
+              <a:t>remember how to </a:t>
+            </a:r>
+            <a:r>
+              <a:rPr lang="en-US" sz="5000" dirty="0" smtClean="0">
+                <a:solidFill>
+                  <a:srgbClr val="FFC000"/>
+                </a:solidFill>
+                <a:latin typeface="Times New Roman" panose="02020603050405020304" pitchFamily="18" charset="0"/>
+                <a:cs typeface="Times New Roman" panose="02020603050405020304" pitchFamily="18" charset="0"/>
+              </a:rPr>
+              <a:t>loop over results from a promise</a:t>
+            </a:r>
+            <a:r>
+              <a:rPr lang="en-US" sz="5000" dirty="0" smtClean="0">
+                <a:solidFill>
+                  <a:schemeClr val="bg1"/>
+                </a:solidFill>
+                <a:latin typeface="Times New Roman" panose="02020603050405020304" pitchFamily="18" charset="0"/>
+                <a:cs typeface="Times New Roman" panose="02020603050405020304" pitchFamily="18" charset="0"/>
+              </a:rPr>
+              <a:t> we’ll review that quickly…</a:t>
+            </a:r>
+          </a:p>
+          <a:p>
+            <a:pPr marL="685800" indent="-685800">
+              <a:spcBef>
+                <a:spcPts val="600"/>
+              </a:spcBef>
+              <a:buFont typeface="Arial" panose="020B0604020202020204" pitchFamily="34" charset="0"/>
+              <a:buChar char="•"/>
+            </a:pPr>
+            <a:r>
+              <a:rPr lang="en-US" sz="5000" dirty="0" smtClean="0">
+                <a:solidFill>
+                  <a:schemeClr val="bg1"/>
+                </a:solidFill>
+                <a:latin typeface="Times New Roman" panose="02020603050405020304" pitchFamily="18" charset="0"/>
+                <a:cs typeface="Times New Roman" panose="02020603050405020304" pitchFamily="18" charset="0"/>
+              </a:rPr>
+              <a:t>then we get to work on </a:t>
+            </a:r>
+            <a:r>
+              <a:rPr lang="en-US" sz="5000" dirty="0" smtClean="0">
+                <a:solidFill>
+                  <a:schemeClr val="accent4">
+                    <a:lumMod val="60000"/>
+                    <a:lumOff val="40000"/>
+                  </a:schemeClr>
+                </a:solidFill>
+                <a:effectLst>
+                  <a:outerShdw blurRad="38100" dist="38100" dir="2700000" algn="tl">
+                    <a:srgbClr val="000000">
+                      <a:alpha val="43137"/>
+                    </a:srgbClr>
+                  </a:outerShdw>
+                </a:effectLst>
+                <a:latin typeface="Times New Roman" panose="02020603050405020304" pitchFamily="18" charset="0"/>
+                <a:cs typeface="Times New Roman" panose="02020603050405020304" pitchFamily="18" charset="0"/>
+              </a:rPr>
+              <a:t>creating a search box </a:t>
+            </a:r>
+            <a:r>
+              <a:rPr lang="en-US" sz="5000" dirty="0" smtClean="0">
+                <a:solidFill>
+                  <a:schemeClr val="bg1"/>
+                </a:solidFill>
+                <a:latin typeface="Times New Roman" panose="02020603050405020304" pitchFamily="18" charset="0"/>
+                <a:cs typeface="Times New Roman" panose="02020603050405020304" pitchFamily="18" charset="0"/>
+              </a:rPr>
+              <a:t>and </a:t>
+            </a:r>
+            <a:r>
+              <a:rPr lang="en-US" sz="5000" dirty="0" smtClean="0">
+                <a:solidFill>
+                  <a:schemeClr val="accent4">
+                    <a:lumMod val="60000"/>
+                    <a:lumOff val="40000"/>
+                  </a:schemeClr>
+                </a:solidFill>
+                <a:effectLst>
+                  <a:outerShdw blurRad="38100" dist="38100" dir="2700000" algn="tl">
+                    <a:srgbClr val="000000">
+                      <a:alpha val="43137"/>
+                    </a:srgbClr>
+                  </a:outerShdw>
+                </a:effectLst>
+                <a:latin typeface="Times New Roman" panose="02020603050405020304" pitchFamily="18" charset="0"/>
+                <a:cs typeface="Times New Roman" panose="02020603050405020304" pitchFamily="18" charset="0"/>
+              </a:rPr>
+              <a:t>using its input to call the API</a:t>
+            </a:r>
+            <a:endParaRPr lang="en-US" sz="5000" dirty="0" smtClean="0">
+              <a:solidFill>
+                <a:schemeClr val="bg1"/>
+              </a:solidFill>
+              <a:effectLst>
+                <a:outerShdw blurRad="38100" dist="38100" dir="2700000" algn="tl">
+                  <a:srgbClr val="000000">
+                    <a:alpha val="43137"/>
+                  </a:srgbClr>
+                </a:outerShdw>
+              </a:effectLst>
+              <a:latin typeface="Times New Roman" panose="02020603050405020304" pitchFamily="18" charset="0"/>
+              <a:cs typeface="Times New Roman" panose="02020603050405020304" pitchFamily="18" charset="0"/>
+            </a:endParaRPr>
+          </a:p>
+          <a:p>
+            <a:pPr marL="571500" indent="-571500">
+              <a:spcBef>
+                <a:spcPts val="600"/>
+              </a:spcBef>
+              <a:buFont typeface="Arial" panose="020B0604020202020204" pitchFamily="34" charset="0"/>
+              <a:buChar char="•"/>
+            </a:pPr>
+            <a:endParaRPr lang="en-US" sz="4000" dirty="0" smtClean="0">
               <a:solidFill>
                 <a:schemeClr val="bg1"/>
               </a:solidFill>
@@ -3921,169 +4015,15 @@
               <a:cs typeface="Times New Roman" panose="02020603050405020304" pitchFamily="18" charset="0"/>
             </a:endParaRPr>
           </a:p>
-        </p:txBody>
-      </p:sp>
-      <p:pic>
-        <p:nvPicPr>
-          <p:cNvPr id="8194" name="Picture 2" descr="Down The Rabbit Hole at Eccles Theater"/>
-          <p:cNvPicPr>
-            <a:picLocks noChangeAspect="1" noChangeArrowheads="1"/>
-          </p:cNvPicPr>
-          <p:nvPr/>
-        </p:nvPicPr>
-        <p:blipFill>
-          <a:blip r:embed="rId2">
-            <a:extLst>
-              <a:ext uri="{28A0092B-C50C-407E-A947-70E740481C1C}">
-                <a14:useLocalDpi xmlns:a14="http://schemas.microsoft.com/office/drawing/2010/main" val="0"/>
-              </a:ext>
-            </a:extLst>
-          </a:blip>
-          <a:srcRect/>
-          <a:stretch>
-            <a:fillRect/>
-          </a:stretch>
-        </p:blipFill>
-        <p:spPr bwMode="auto">
-          <a:xfrm>
-            <a:off x="5723967" y="-1766223"/>
-            <a:ext cx="6433670" cy="8624223"/>
-          </a:xfrm>
-          <a:prstGeom prst="rect">
-            <a:avLst/>
-          </a:prstGeom>
-          <a:noFill/>
-          <a:extLst>
-            <a:ext uri="{909E8E84-426E-40DD-AFC4-6F175D3DCCD1}">
-              <a14:hiddenFill xmlns:a14="http://schemas.microsoft.com/office/drawing/2010/main">
-                <a:solidFill>
-                  <a:srgbClr val="FFFFFF"/>
-                </a:solidFill>
-              </a14:hiddenFill>
-            </a:ext>
-          </a:extLst>
-        </p:spPr>
-      </p:pic>
-      <p:sp>
-        <p:nvSpPr>
-          <p:cNvPr id="9" name="TextBox 8"/>
-          <p:cNvSpPr txBox="1"/>
-          <p:nvPr/>
-        </p:nvSpPr>
-        <p:spPr>
-          <a:xfrm>
-            <a:off x="0" y="4195482"/>
-            <a:ext cx="12192000" cy="2289235"/>
-          </a:xfrm>
-          <a:prstGeom prst="rect">
-            <a:avLst/>
-          </a:prstGeom>
-          <a:solidFill>
-            <a:srgbClr val="000000">
-              <a:alpha val="69804"/>
-            </a:srgbClr>
-          </a:solidFill>
-        </p:spPr>
-        <p:txBody>
-          <a:bodyPr wrap="square" rtlCol="0">
-            <a:noAutofit/>
-          </a:bodyPr>
-          <a:lstStyle/>
-          <a:p>
-            <a:pPr algn="ctr">
+          <a:p>
+            <a:pPr marL="571500" indent="-571500">
               <a:spcBef>
-                <a:spcPts val="1200"/>
+                <a:spcPts val="600"/>
               </a:spcBef>
-              <a:spcAft>
-                <a:spcPts val="600"/>
-              </a:spcAft>
+              <a:buFont typeface="Arial" panose="020B0604020202020204" pitchFamily="34" charset="0"/>
+              <a:buChar char="•"/>
             </a:pPr>
-            <a:r>
-              <a:rPr lang="en-US" sz="4000" b="1" dirty="0" smtClean="0">
-                <a:solidFill>
-                  <a:schemeClr val="accent2">
-                    <a:lumMod val="20000"/>
-                    <a:lumOff val="80000"/>
-                  </a:schemeClr>
-                </a:solidFill>
-                <a:latin typeface="Consolas" panose="020B0609020204030204" pitchFamily="49" charset="0"/>
-                <a:cs typeface="Consolas" panose="020B0609020204030204" pitchFamily="49" charset="0"/>
-              </a:rPr>
-              <a:t>github.com</a:t>
-            </a:r>
-            <a:r>
-              <a:rPr lang="en-US" sz="4000" b="1" dirty="0" smtClean="0">
-                <a:solidFill>
-                  <a:schemeClr val="accent2">
-                    <a:lumMod val="60000"/>
-                    <a:lumOff val="40000"/>
-                  </a:schemeClr>
-                </a:solidFill>
-                <a:latin typeface="Consolas" panose="020B0609020204030204" pitchFamily="49" charset="0"/>
-                <a:cs typeface="Consolas" panose="020B0609020204030204" pitchFamily="49" charset="0"/>
-              </a:rPr>
-              <a:t>/</a:t>
-            </a:r>
-            <a:r>
-              <a:rPr lang="en-US" sz="4000" b="1" dirty="0" err="1" smtClean="0">
-                <a:solidFill>
-                  <a:schemeClr val="accent2">
-                    <a:lumMod val="60000"/>
-                    <a:lumOff val="40000"/>
-                  </a:schemeClr>
-                </a:solidFill>
-                <a:latin typeface="Consolas" panose="020B0609020204030204" pitchFamily="49" charset="0"/>
-                <a:cs typeface="Consolas" panose="020B0609020204030204" pitchFamily="49" charset="0"/>
-              </a:rPr>
-              <a:t>joeldevlearning</a:t>
-            </a:r>
-            <a:endParaRPr lang="en-US" sz="4000" b="1" dirty="0" smtClean="0">
-              <a:solidFill>
-                <a:schemeClr val="accent2">
-                  <a:lumMod val="60000"/>
-                  <a:lumOff val="40000"/>
-                </a:schemeClr>
-              </a:solidFill>
-              <a:latin typeface="Consolas" panose="020B0609020204030204" pitchFamily="49" charset="0"/>
-              <a:cs typeface="Consolas" panose="020B0609020204030204" pitchFamily="49" charset="0"/>
-            </a:endParaRPr>
-          </a:p>
-          <a:p>
-            <a:pPr algn="ctr">
-              <a:spcBef>
-                <a:spcPts val="1200"/>
-              </a:spcBef>
-              <a:spcAft>
-                <a:spcPts val="600"/>
-              </a:spcAft>
-            </a:pPr>
-            <a:r>
-              <a:rPr lang="en-US" sz="4000" b="1" dirty="0" smtClean="0">
-                <a:solidFill>
-                  <a:schemeClr val="accent4">
-                    <a:lumMod val="60000"/>
-                    <a:lumOff val="40000"/>
-                  </a:schemeClr>
-                </a:solidFill>
-                <a:latin typeface="Consolas" panose="020B0609020204030204" pitchFamily="49" charset="0"/>
-                <a:cs typeface="Consolas" panose="020B0609020204030204" pitchFamily="49" charset="0"/>
-              </a:rPr>
-              <a:t>/javascript-3/exercise-3</a:t>
-            </a:r>
-            <a:endParaRPr lang="en-US" sz="4000" b="1" dirty="0" smtClean="0">
-              <a:solidFill>
-                <a:schemeClr val="accent4">
-                  <a:lumMod val="60000"/>
-                  <a:lumOff val="40000"/>
-                </a:schemeClr>
-              </a:solidFill>
-              <a:latin typeface="Consolas" panose="020B0609020204030204" pitchFamily="49" charset="0"/>
-              <a:cs typeface="Consolas" panose="020B0609020204030204" pitchFamily="49" charset="0"/>
-            </a:endParaRPr>
-          </a:p>
-          <a:p>
-            <a:pPr algn="ctr"/>
-            <a:endParaRPr lang="en-US" sz="4700" b="1" dirty="0" smtClean="0">
+            <a:endParaRPr lang="en-US" sz="4000" dirty="0" smtClean="0">
               <a:solidFill>
                 <a:schemeClr val="bg1"/>
               </a:solidFill>
@@ -4096,7 +4036,7 @@
     </p:spTree>
     <p:extLst>
       <p:ext uri="{BB962C8B-B14F-4D97-AF65-F5344CB8AC3E}">
-        <p14:creationId xmlns:p14="http://schemas.microsoft.com/office/powerpoint/2010/main" val="3848355244"/>
+        <p14:creationId xmlns:p14="http://schemas.microsoft.com/office/powerpoint/2010/main" val="2172151062"/>
       </p:ext>
     </p:extLst>
   </p:cSld>
@@ -4138,7 +4078,7 @@
             <a:avLst/>
           </a:prstGeom>
           <a:solidFill>
-            <a:srgbClr val="004376"/>
+            <a:srgbClr val="322D5D"/>
           </a:solidFill>
         </p:spPr>
         <p:txBody>
@@ -4155,14 +4095,14 @@
       </p:sp>
       <p:sp>
         <p:nvSpPr>
-          <p:cNvPr id="8" name="TextBox 7"/>
+          <p:cNvPr id="6" name="TextBox 5"/>
           <p:cNvSpPr txBox="1"/>
           <p:nvPr/>
         </p:nvSpPr>
         <p:spPr>
           <a:xfrm>
-            <a:off x="643887" y="107576"/>
-            <a:ext cx="5649337" cy="1837765"/>
+            <a:off x="1068507" y="1317811"/>
+            <a:ext cx="4830269" cy="779929"/>
           </a:xfrm>
           <a:prstGeom prst="rect">
             <a:avLst/>
@@ -4176,39 +4116,86 @@
           <a:lstStyle/>
           <a:p>
             <a:r>
-              <a:rPr lang="en-US" sz="7000" b="1" dirty="0" smtClean="0">
+              <a:rPr lang="en-US" sz="4700" b="1" dirty="0" smtClean="0">
                 <a:solidFill>
                   <a:schemeClr val="bg1"/>
                 </a:solidFill>
-                <a:latin typeface="Cambria" panose="02040503050406030204" pitchFamily="18" charset="0"/>
-              </a:rPr>
-              <a:t>Exercise #4 </a:t>
-            </a:r>
-            <a:endParaRPr lang="en-US" sz="7000" b="1" dirty="0" smtClean="0">
+                <a:latin typeface="Times New Roman" panose="02020603050405020304" pitchFamily="18" charset="0"/>
+                <a:cs typeface="Times New Roman" panose="02020603050405020304" pitchFamily="18" charset="0"/>
+              </a:rPr>
+              <a:t>Down the repo!</a:t>
+            </a:r>
+          </a:p>
+          <a:p>
+            <a:endParaRPr lang="en-US" sz="4700" b="1" dirty="0" smtClean="0">
               <a:solidFill>
                 <a:schemeClr val="bg1"/>
               </a:solidFill>
-              <a:latin typeface="Cambria" panose="02040503050406030204" pitchFamily="18" charset="0"/>
+              <a:latin typeface="Times New Roman" panose="02020603050405020304" pitchFamily="18" charset="0"/>
+              <a:cs typeface="Times New Roman" panose="02020603050405020304" pitchFamily="18" charset="0"/>
             </a:endParaRPr>
           </a:p>
         </p:txBody>
       </p:sp>
-      <p:sp>
-        <p:nvSpPr>
-          <p:cNvPr id="5" name="TextBox 4"/>
+      <p:pic>
+        <p:nvPicPr>
+          <p:cNvPr id="8194" name="Picture 2" descr="Down The Rabbit Hole at Eccles Theater"/>
+          <p:cNvPicPr>
+            <a:picLocks noChangeAspect="1" noChangeArrowheads="1"/>
+          </p:cNvPicPr>
+          <p:nvPr/>
+        </p:nvPicPr>
+        <p:blipFill>
+          <a:blip r:embed="rId2">
+            <a:extLst>
+              <a:ext uri="{28A0092B-C50C-407E-A947-70E740481C1C}">
+                <a14:useLocalDpi xmlns:a14="http://schemas.microsoft.com/office/drawing/2010/main" val="0"/>
+              </a:ext>
+            </a:extLst>
+          </a:blip>
+          <a:srcRect/>
+          <a:stretch>
+            <a:fillRect/>
+          </a:stretch>
+        </p:blipFill>
+        <p:spPr bwMode="auto">
+          <a:xfrm>
+            <a:off x="5723967" y="-1766223"/>
+            <a:ext cx="6433670" cy="8624223"/>
+          </a:xfrm>
+          <a:prstGeom prst="rect">
+            <a:avLst/>
+          </a:prstGeom>
+          <a:noFill/>
+          <a:extLst>
+            <a:ext uri="{909E8E84-426E-40DD-AFC4-6F175D3DCCD1}">
+              <a14:hiddenFill xmlns:a14="http://schemas.microsoft.com/office/drawing/2010/main">
+                <a:solidFill>
+                  <a:srgbClr val="FFFFFF"/>
+                </a:solidFill>
+              </a14:hiddenFill>
+            </a:ext>
+          </a:extLst>
+        </p:spPr>
+      </p:pic>
+      <p:sp>
+        <p:nvSpPr>
+          <p:cNvPr id="9" name="TextBox 8"/>
           <p:cNvSpPr txBox="1"/>
           <p:nvPr/>
         </p:nvSpPr>
         <p:spPr>
           <a:xfrm>
-            <a:off x="0" y="2286001"/>
-            <a:ext cx="12192000" cy="4572000"/>
+            <a:off x="0" y="4195482"/>
+            <a:ext cx="12192000" cy="2289235"/>
           </a:xfrm>
           <a:prstGeom prst="rect">
             <a:avLst/>
           </a:prstGeom>
           <a:solidFill>
-            <a:srgbClr val="322D5D"/>
+            <a:srgbClr val="000000">
+              <a:alpha val="69804"/>
+            </a:srgbClr>
           </a:solidFill>
         </p:spPr>
         <p:txBody>
@@ -4217,124 +4204,26 @@
           </a:bodyPr>
           <a:lstStyle/>
           <a:p>
-            <a:endParaRPr lang="en-US" sz="10000" b="1" dirty="0" smtClean="0">
-              <a:latin typeface="Cambria" panose="02040503050406030204" pitchFamily="18" charset="0"/>
-            </a:endParaRPr>
-          </a:p>
-        </p:txBody>
-      </p:sp>
-      <p:sp>
-        <p:nvSpPr>
-          <p:cNvPr id="6" name="TextBox 5"/>
-          <p:cNvSpPr txBox="1"/>
-          <p:nvPr/>
-        </p:nvSpPr>
-        <p:spPr>
-          <a:xfrm>
-            <a:off x="403411" y="1344706"/>
-            <a:ext cx="11385177" cy="779929"/>
-          </a:xfrm>
-          <a:prstGeom prst="rect">
-            <a:avLst/>
-          </a:prstGeom>
-          <a:noFill/>
-        </p:spPr>
-        <p:txBody>
-          <a:bodyPr wrap="square" rtlCol="0">
-            <a:noAutofit/>
-          </a:bodyPr>
-          <a:lstStyle/>
-          <a:p>
-            <a:r>
-              <a:rPr lang="it-IT" sz="4000" b="1" dirty="0" smtClean="0">
-                <a:solidFill>
-                  <a:schemeClr val="accent4">
-                    <a:lumMod val="60000"/>
-                    <a:lumOff val="40000"/>
+            <a:pPr algn="ctr">
+              <a:spcBef>
+                <a:spcPts val="1200"/>
+              </a:spcBef>
+              <a:spcAft>
+                <a:spcPts val="600"/>
+              </a:spcAft>
+            </a:pPr>
+            <a:r>
+              <a:rPr lang="en-US" sz="4000" b="1" dirty="0" smtClean="0">
+                <a:solidFill>
+                  <a:schemeClr val="accent2">
+                    <a:lumMod val="20000"/>
+                    <a:lumOff val="80000"/>
                   </a:schemeClr>
                 </a:solidFill>
-                <a:effectLst>
-                  <a:outerShdw blurRad="38100" dist="38100" dir="2700000" algn="tl">
-                    <a:srgbClr val="000000">
-                      <a:alpha val="43137"/>
-                    </a:srgbClr>
-                  </a:outerShdw>
-                </a:effectLst>
-                <a:latin typeface="Times New Roman" panose="02020603050405020304" pitchFamily="18" charset="0"/>
-                <a:cs typeface="Times New Roman" panose="02020603050405020304" pitchFamily="18" charset="0"/>
-              </a:rPr>
-              <a:t>TODO</a:t>
-            </a:r>
-            <a:r>
-              <a:rPr lang="it-IT" sz="4000" dirty="0" smtClean="0">
-                <a:solidFill>
-                  <a:schemeClr val="accent4">
-                    <a:lumMod val="60000"/>
-                    <a:lumOff val="40000"/>
-                  </a:schemeClr>
-                </a:solidFill>
-                <a:effectLst>
-                  <a:outerShdw blurRad="38100" dist="38100" dir="2700000" algn="tl">
-                    <a:srgbClr val="000000">
-                      <a:alpha val="43137"/>
-                    </a:srgbClr>
-                  </a:outerShdw>
-                </a:effectLst>
-                <a:latin typeface="Times New Roman" panose="02020603050405020304" pitchFamily="18" charset="0"/>
-                <a:cs typeface="Times New Roman" panose="02020603050405020304" pitchFamily="18" charset="0"/>
-              </a:rPr>
-              <a:t>:</a:t>
-            </a:r>
-            <a:r>
-              <a:rPr lang="it-IT" sz="4000" dirty="0" smtClean="0">
-                <a:solidFill>
-                  <a:schemeClr val="bg1"/>
-                </a:solidFill>
-                <a:effectLst>
-                  <a:outerShdw blurRad="38100" dist="38100" dir="2700000" algn="tl">
-                    <a:srgbClr val="000000">
-                      <a:alpha val="43137"/>
-                    </a:srgbClr>
-                  </a:outerShdw>
-                </a:effectLst>
-                <a:latin typeface="Times New Roman" panose="02020603050405020304" pitchFamily="18" charset="0"/>
-                <a:cs typeface="Times New Roman" panose="02020603050405020304" pitchFamily="18" charset="0"/>
-              </a:rPr>
-              <a:t> create </a:t>
-            </a:r>
-            <a:r>
-              <a:rPr lang="it-IT" sz="4000" dirty="0">
-                <a:solidFill>
-                  <a:schemeClr val="bg1"/>
-                </a:solidFill>
-                <a:effectLst>
-                  <a:outerShdw blurRad="38100" dist="38100" dir="2700000" algn="tl">
-                    <a:srgbClr val="000000">
-                      <a:alpha val="43137"/>
-                    </a:srgbClr>
-                  </a:outerShdw>
-                </a:effectLst>
-                <a:latin typeface="Times New Roman" panose="02020603050405020304" pitchFamily="18" charset="0"/>
-                <a:cs typeface="Times New Roman" panose="02020603050405020304" pitchFamily="18" charset="0"/>
-              </a:rPr>
-              <a:t>a </a:t>
-            </a:r>
-            <a:r>
-              <a:rPr lang="it-IT" sz="4000" dirty="0" smtClean="0">
-                <a:solidFill>
-                  <a:schemeClr val="bg1"/>
-                </a:solidFill>
-                <a:effectLst>
-                  <a:outerShdw blurRad="38100" dist="38100" dir="2700000" algn="tl">
-                    <a:srgbClr val="000000">
-                      <a:alpha val="43137"/>
-                    </a:srgbClr>
-                  </a:outerShdw>
-                </a:effectLst>
-                <a:latin typeface="Times New Roman" panose="02020603050405020304" pitchFamily="18" charset="0"/>
-                <a:cs typeface="Times New Roman" panose="02020603050405020304" pitchFamily="18" charset="0"/>
-              </a:rPr>
-              <a:t>class to count </a:t>
+                <a:latin typeface="Consolas" panose="020B0609020204030204" pitchFamily="49" charset="0"/>
+                <a:cs typeface="Consolas" panose="020B0609020204030204" pitchFamily="49" charset="0"/>
+              </a:rPr>
+              <a:t>github.com</a:t>
             </a:r>
             <a:r>
               <a:rPr lang="en-US" sz="4000" b="1" dirty="0" smtClean="0">
@@ -4344,17 +4233,23 @@
                     <a:lumOff val="40000"/>
                   </a:schemeClr>
                 </a:solidFill>
-                <a:effectLst>
-                  <a:outerShdw blurRad="38100" dist="38100" dir="2700000" algn="tl">
-                    <a:srgbClr val="000000">
-                      <a:alpha val="43137"/>
-                    </a:srgbClr>
-                  </a:outerShdw>
-                </a:effectLst>
-                <a:latin typeface="Times New Roman" panose="02020603050405020304" pitchFamily="18" charset="0"/>
-                <a:cs typeface="Times New Roman" panose="02020603050405020304" pitchFamily="18" charset="0"/>
-              </a:rPr>
-              <a:t>search results</a:t>
+                <a:latin typeface="Consolas" panose="020B0609020204030204" pitchFamily="49" charset="0"/>
+                <a:cs typeface="Consolas" panose="020B0609020204030204" pitchFamily="49" charset="0"/>
+              </a:rPr>
+              <a:t>/</a:t>
+            </a:r>
+            <a:r>
+              <a:rPr lang="en-US" sz="4000" b="1" dirty="0" err="1" smtClean="0">
+                <a:solidFill>
+                  <a:schemeClr val="accent2">
+                    <a:lumMod val="60000"/>
+                    <a:lumOff val="40000"/>
+                  </a:schemeClr>
+                </a:solidFill>
+                <a:latin typeface="Consolas" panose="020B0609020204030204" pitchFamily="49" charset="0"/>
+                <a:cs typeface="Consolas" panose="020B0609020204030204" pitchFamily="49" charset="0"/>
+              </a:rPr>
+              <a:t>joeldevlearning</a:t>
             </a:r>
             <a:endParaRPr lang="en-US" sz="4000" b="1" dirty="0" smtClean="0">
               <a:solidFill>
@@ -4363,19 +4258,36 @@
                   <a:lumOff val="40000"/>
                 </a:schemeClr>
               </a:solidFill>
-              <a:effectLst>
-                <a:outerShdw blurRad="38100" dist="38100" dir="2700000" algn="tl">
-                  <a:srgbClr val="000000">
-                    <a:alpha val="43137"/>
-                  </a:srgbClr>
-                </a:outerShdw>
-              </a:effectLst>
-              <a:latin typeface="Times New Roman" panose="02020603050405020304" pitchFamily="18" charset="0"/>
-              <a:cs typeface="Times New Roman" panose="02020603050405020304" pitchFamily="18" charset="0"/>
+              <a:latin typeface="Consolas" panose="020B0609020204030204" pitchFamily="49" charset="0"/>
+              <a:cs typeface="Consolas" panose="020B0609020204030204" pitchFamily="49" charset="0"/>
             </a:endParaRPr>
           </a:p>
           <a:p>
-            <a:endParaRPr lang="en-US" sz="4000" dirty="0" smtClean="0">
+            <a:pPr algn="ctr">
+              <a:spcBef>
+                <a:spcPts val="1200"/>
+              </a:spcBef>
+              <a:spcAft>
+                <a:spcPts val="600"/>
+              </a:spcAft>
+            </a:pPr>
+            <a:r>
+              <a:rPr lang="en-US" sz="4000" b="1" dirty="0" smtClean="0">
+                <a:solidFill>
+                  <a:schemeClr val="accent4">
+                    <a:lumMod val="60000"/>
+                    <a:lumOff val="40000"/>
+                  </a:schemeClr>
+                </a:solidFill>
+                <a:latin typeface="Consolas" panose="020B0609020204030204" pitchFamily="49" charset="0"/>
+                <a:cs typeface="Consolas" panose="020B0609020204030204" pitchFamily="49" charset="0"/>
+              </a:rPr>
+              <a:t>/javascript-3/exercise-3</a:t>
+            </a:r>
+          </a:p>
+          <a:p>
+            <a:pPr algn="ctr"/>
+            <a:endParaRPr lang="en-US" sz="4700" b="1" dirty="0" smtClean="0">
               <a:solidFill>
                 <a:schemeClr val="bg1"/>
               </a:solidFill>
@@ -4385,117 +4297,10 @@
           </a:p>
         </p:txBody>
       </p:sp>
-      <p:sp>
-        <p:nvSpPr>
-          <p:cNvPr id="7" name="TextBox 6"/>
-          <p:cNvSpPr txBox="1"/>
-          <p:nvPr/>
-        </p:nvSpPr>
-        <p:spPr>
-          <a:xfrm>
-            <a:off x="313764" y="2649070"/>
-            <a:ext cx="11385177" cy="3294530"/>
-          </a:xfrm>
-          <a:prstGeom prst="rect">
-            <a:avLst/>
-          </a:prstGeom>
-          <a:noFill/>
-        </p:spPr>
-        <p:txBody>
-          <a:bodyPr wrap="square" rtlCol="0">
-            <a:noAutofit/>
-          </a:bodyPr>
-          <a:lstStyle/>
-          <a:p>
-            <a:pPr marL="685800" indent="-685800">
-              <a:spcBef>
-                <a:spcPts val="600"/>
-              </a:spcBef>
-              <a:buFont typeface="Arial" panose="020B0604020202020204" pitchFamily="34" charset="0"/>
-              <a:buChar char="•"/>
-            </a:pPr>
-            <a:r>
-              <a:rPr lang="en-US" sz="5000" dirty="0" smtClean="0">
-                <a:solidFill>
-                  <a:schemeClr val="bg1"/>
-                </a:solidFill>
-                <a:latin typeface="Times New Roman" panose="02020603050405020304" pitchFamily="18" charset="0"/>
-                <a:cs typeface="Times New Roman" panose="02020603050405020304" pitchFamily="18" charset="0"/>
-              </a:rPr>
-              <a:t>create a basic class</a:t>
-            </a:r>
-          </a:p>
-          <a:p>
-            <a:pPr marL="685800" indent="-685800">
-              <a:spcBef>
-                <a:spcPts val="600"/>
-              </a:spcBef>
-              <a:buFont typeface="Arial" panose="020B0604020202020204" pitchFamily="34" charset="0"/>
-              <a:buChar char="•"/>
-            </a:pPr>
-            <a:r>
-              <a:rPr lang="en-US" sz="5000" dirty="0" smtClean="0">
-                <a:solidFill>
-                  <a:schemeClr val="bg1"/>
-                </a:solidFill>
-                <a:latin typeface="Times New Roman" panose="02020603050405020304" pitchFamily="18" charset="0"/>
-                <a:cs typeface="Times New Roman" panose="02020603050405020304" pitchFamily="18" charset="0"/>
-              </a:rPr>
-              <a:t>place the class instance between your API and page-logic layers</a:t>
-            </a:r>
-            <a:endParaRPr lang="en-US" sz="5000" dirty="0" smtClean="0">
-              <a:solidFill>
-                <a:schemeClr val="bg1"/>
-              </a:solidFill>
-              <a:effectLst>
-                <a:outerShdw blurRad="38100" dist="38100" dir="2700000" algn="tl">
-                  <a:srgbClr val="000000">
-                    <a:alpha val="43137"/>
-                  </a:srgbClr>
-                </a:outerShdw>
-              </a:effectLst>
-              <a:latin typeface="Times New Roman" panose="02020603050405020304" pitchFamily="18" charset="0"/>
-              <a:cs typeface="Times New Roman" panose="02020603050405020304" pitchFamily="18" charset="0"/>
-            </a:endParaRPr>
-          </a:p>
-          <a:p>
-            <a:pPr marL="571500" indent="-571500">
-              <a:spcBef>
-                <a:spcPts val="600"/>
-              </a:spcBef>
-              <a:buFont typeface="Arial" panose="020B0604020202020204" pitchFamily="34" charset="0"/>
-              <a:buChar char="•"/>
-            </a:pPr>
-            <a:endParaRPr lang="en-US" sz="4000" dirty="0" smtClean="0">
-              <a:solidFill>
-                <a:schemeClr val="bg1"/>
-              </a:solidFill>
-              <a:latin typeface="Times New Roman" panose="02020603050405020304" pitchFamily="18" charset="0"/>
-              <a:cs typeface="Times New Roman" panose="02020603050405020304" pitchFamily="18" charset="0"/>
-            </a:endParaRPr>
-          </a:p>
-          <a:p>
-            <a:pPr marL="571500" indent="-571500">
-              <a:spcBef>
-                <a:spcPts val="600"/>
-              </a:spcBef>
-              <a:buFont typeface="Arial" panose="020B0604020202020204" pitchFamily="34" charset="0"/>
-              <a:buChar char="•"/>
-            </a:pPr>
-            <a:endParaRPr lang="en-US" sz="4000" dirty="0" smtClean="0">
-              <a:solidFill>
-                <a:schemeClr val="bg1"/>
-              </a:solidFill>
-              <a:latin typeface="Times New Roman" panose="02020603050405020304" pitchFamily="18" charset="0"/>
-              <a:cs typeface="Times New Roman" panose="02020603050405020304" pitchFamily="18" charset="0"/>
-            </a:endParaRPr>
-          </a:p>
-        </p:txBody>
-      </p:sp>
     </p:spTree>
     <p:extLst>
       <p:ext uri="{BB962C8B-B14F-4D97-AF65-F5344CB8AC3E}">
-        <p14:creationId xmlns:p14="http://schemas.microsoft.com/office/powerpoint/2010/main" val="513802994"/>
+        <p14:creationId xmlns:p14="http://schemas.microsoft.com/office/powerpoint/2010/main" val="3848355244"/>
       </p:ext>
     </p:extLst>
   </p:cSld>
@@ -4537,7 +4342,7 @@
             <a:avLst/>
           </a:prstGeom>
           <a:solidFill>
-            <a:srgbClr val="322D5D"/>
+            <a:srgbClr val="004376"/>
           </a:solidFill>
         </p:spPr>
         <p:txBody>
@@ -4552,63 +4357,56 @@
           </a:p>
         </p:txBody>
       </p:sp>
-      <p:pic>
-        <p:nvPicPr>
-          <p:cNvPr id="11266" name="Picture 2" descr="Image result for thor in the bifrost"/>
-          <p:cNvPicPr>
-            <a:picLocks noChangeAspect="1" noChangeArrowheads="1"/>
-          </p:cNvPicPr>
+      <p:sp>
+        <p:nvSpPr>
+          <p:cNvPr id="8" name="TextBox 7"/>
+          <p:cNvSpPr txBox="1"/>
           <p:nvPr/>
-        </p:nvPicPr>
-        <p:blipFill>
-          <a:blip r:embed="rId2">
-            <a:extLst>
-              <a:ext uri="{28A0092B-C50C-407E-A947-70E740481C1C}">
-                <a14:useLocalDpi xmlns:a14="http://schemas.microsoft.com/office/drawing/2010/main" val="0"/>
-              </a:ext>
-            </a:extLst>
-          </a:blip>
-          <a:srcRect/>
-          <a:stretch>
-            <a:fillRect/>
-          </a:stretch>
-        </p:blipFill>
-        <p:spPr bwMode="auto">
-          <a:xfrm>
-            <a:off x="161365" y="-83919"/>
-            <a:ext cx="12030635" cy="6534139"/>
+        </p:nvSpPr>
+        <p:spPr>
+          <a:xfrm>
+            <a:off x="643887" y="107576"/>
+            <a:ext cx="5649337" cy="1837765"/>
           </a:xfrm>
           <a:prstGeom prst="rect">
             <a:avLst/>
           </a:prstGeom>
           <a:noFill/>
-          <a:extLst>
-            <a:ext uri="{909E8E84-426E-40DD-AFC4-6F175D3DCCD1}">
-              <a14:hiddenFill xmlns:a14="http://schemas.microsoft.com/office/drawing/2010/main">
-                <a:solidFill>
-                  <a:srgbClr val="FFFFFF"/>
-                </a:solidFill>
-              </a14:hiddenFill>
-            </a:ext>
-          </a:extLst>
-        </p:spPr>
-      </p:pic>
-      <p:sp>
-        <p:nvSpPr>
-          <p:cNvPr id="6" name="TextBox 5"/>
+        </p:spPr>
+        <p:txBody>
+          <a:bodyPr wrap="square" rtlCol="0">
+            <a:noAutofit/>
+          </a:bodyPr>
+          <a:lstStyle/>
+          <a:p>
+            <a:r>
+              <a:rPr lang="en-US" sz="7000" b="1" dirty="0" smtClean="0">
+                <a:solidFill>
+                  <a:schemeClr val="bg1"/>
+                </a:solidFill>
+                <a:latin typeface="Cambria" panose="02040503050406030204" pitchFamily="18" charset="0"/>
+              </a:rPr>
+              <a:t>Exercise #4 </a:t>
+            </a:r>
+          </a:p>
+        </p:txBody>
+      </p:sp>
+      <p:sp>
+        <p:nvSpPr>
+          <p:cNvPr id="5" name="TextBox 4"/>
           <p:cNvSpPr txBox="1"/>
           <p:nvPr/>
         </p:nvSpPr>
         <p:spPr>
           <a:xfrm>
-            <a:off x="593378" y="493058"/>
-            <a:ext cx="4830269" cy="779929"/>
+            <a:off x="0" y="2286001"/>
+            <a:ext cx="12192000" cy="4572000"/>
           </a:xfrm>
           <a:prstGeom prst="rect">
             <a:avLst/>
           </a:prstGeom>
           <a:solidFill>
-            <a:srgbClr val="000000"/>
+            <a:srgbClr val="322D5D"/>
           </a:solidFill>
         </p:spPr>
         <p:txBody>
@@ -4617,17 +4415,148 @@
           </a:bodyPr>
           <a:lstStyle/>
           <a:p>
-            <a:r>
-              <a:rPr lang="en-US" sz="4700" b="1" dirty="0" smtClean="0">
-                <a:solidFill>
-                  <a:schemeClr val="bg1"/>
-                </a:solidFill>
+            <a:endParaRPr lang="en-US" sz="10000" b="1" dirty="0" smtClean="0">
+              <a:latin typeface="Cambria" panose="02040503050406030204" pitchFamily="18" charset="0"/>
+            </a:endParaRPr>
+          </a:p>
+        </p:txBody>
+      </p:sp>
+      <p:sp>
+        <p:nvSpPr>
+          <p:cNvPr id="6" name="TextBox 5"/>
+          <p:cNvSpPr txBox="1"/>
+          <p:nvPr/>
+        </p:nvSpPr>
+        <p:spPr>
+          <a:xfrm>
+            <a:off x="403411" y="1344706"/>
+            <a:ext cx="11385177" cy="779929"/>
+          </a:xfrm>
+          <a:prstGeom prst="rect">
+            <a:avLst/>
+          </a:prstGeom>
+          <a:noFill/>
+        </p:spPr>
+        <p:txBody>
+          <a:bodyPr wrap="square" rtlCol="0">
+            <a:noAutofit/>
+          </a:bodyPr>
+          <a:lstStyle/>
+          <a:p>
+            <a:r>
+              <a:rPr lang="it-IT" sz="4000" b="1" dirty="0" smtClean="0">
+                <a:solidFill>
+                  <a:schemeClr val="accent4">
+                    <a:lumMod val="60000"/>
+                    <a:lumOff val="40000"/>
+                  </a:schemeClr>
+                </a:solidFill>
+                <a:effectLst>
+                  <a:outerShdw blurRad="38100" dist="38100" dir="2700000" algn="tl">
+                    <a:srgbClr val="000000">
+                      <a:alpha val="43137"/>
+                    </a:srgbClr>
+                  </a:outerShdw>
+                </a:effectLst>
                 <a:latin typeface="Times New Roman" panose="02020603050405020304" pitchFamily="18" charset="0"/>
                 <a:cs typeface="Times New Roman" panose="02020603050405020304" pitchFamily="18" charset="0"/>
               </a:rPr>
-              <a:t>Back to the repo!</a:t>
-            </a:r>
-            <a:endParaRPr lang="en-US" sz="4700" b="1" dirty="0" smtClean="0">
+              <a:t>TODO</a:t>
+            </a:r>
+            <a:r>
+              <a:rPr lang="it-IT" sz="4000" dirty="0" smtClean="0">
+                <a:solidFill>
+                  <a:schemeClr val="accent4">
+                    <a:lumMod val="60000"/>
+                    <a:lumOff val="40000"/>
+                  </a:schemeClr>
+                </a:solidFill>
+                <a:effectLst>
+                  <a:outerShdw blurRad="38100" dist="38100" dir="2700000" algn="tl">
+                    <a:srgbClr val="000000">
+                      <a:alpha val="43137"/>
+                    </a:srgbClr>
+                  </a:outerShdw>
+                </a:effectLst>
+                <a:latin typeface="Times New Roman" panose="02020603050405020304" pitchFamily="18" charset="0"/>
+                <a:cs typeface="Times New Roman" panose="02020603050405020304" pitchFamily="18" charset="0"/>
+              </a:rPr>
+              <a:t>:</a:t>
+            </a:r>
+            <a:r>
+              <a:rPr lang="it-IT" sz="4000" dirty="0" smtClean="0">
+                <a:solidFill>
+                  <a:schemeClr val="bg1"/>
+                </a:solidFill>
+                <a:effectLst>
+                  <a:outerShdw blurRad="38100" dist="38100" dir="2700000" algn="tl">
+                    <a:srgbClr val="000000">
+                      <a:alpha val="43137"/>
+                    </a:srgbClr>
+                  </a:outerShdw>
+                </a:effectLst>
+                <a:latin typeface="Times New Roman" panose="02020603050405020304" pitchFamily="18" charset="0"/>
+                <a:cs typeface="Times New Roman" panose="02020603050405020304" pitchFamily="18" charset="0"/>
+              </a:rPr>
+              <a:t> create </a:t>
+            </a:r>
+            <a:r>
+              <a:rPr lang="it-IT" sz="4000" dirty="0">
+                <a:solidFill>
+                  <a:schemeClr val="bg1"/>
+                </a:solidFill>
+                <a:effectLst>
+                  <a:outerShdw blurRad="38100" dist="38100" dir="2700000" algn="tl">
+                    <a:srgbClr val="000000">
+                      <a:alpha val="43137"/>
+                    </a:srgbClr>
+                  </a:outerShdw>
+                </a:effectLst>
+                <a:latin typeface="Times New Roman" panose="02020603050405020304" pitchFamily="18" charset="0"/>
+                <a:cs typeface="Times New Roman" panose="02020603050405020304" pitchFamily="18" charset="0"/>
+              </a:rPr>
+              <a:t>a </a:t>
+            </a:r>
+            <a:r>
+              <a:rPr lang="it-IT" sz="4000" dirty="0" smtClean="0">
+                <a:solidFill>
+                  <a:schemeClr val="bg1"/>
+                </a:solidFill>
+                <a:effectLst>
+                  <a:outerShdw blurRad="38100" dist="38100" dir="2700000" algn="tl">
+                    <a:srgbClr val="000000">
+                      <a:alpha val="43137"/>
+                    </a:srgbClr>
+                  </a:outerShdw>
+                </a:effectLst>
+                <a:latin typeface="Times New Roman" panose="02020603050405020304" pitchFamily="18" charset="0"/>
+                <a:cs typeface="Times New Roman" panose="02020603050405020304" pitchFamily="18" charset="0"/>
+              </a:rPr>
+              <a:t>class to count </a:t>
+            </a:r>
+            <a:r>
+              <a:rPr lang="en-US" sz="4000" b="1" dirty="0" smtClean="0">
+                <a:solidFill>
+                  <a:schemeClr val="accent2">
+                    <a:lumMod val="60000"/>
+                    <a:lumOff val="40000"/>
+                  </a:schemeClr>
+                </a:solidFill>
+                <a:effectLst>
+                  <a:outerShdw blurRad="38100" dist="38100" dir="2700000" algn="tl">
+                    <a:srgbClr val="000000">
+                      <a:alpha val="43137"/>
+                    </a:srgbClr>
+                  </a:outerShdw>
+                </a:effectLst>
+                <a:latin typeface="Times New Roman" panose="02020603050405020304" pitchFamily="18" charset="0"/>
+                <a:cs typeface="Times New Roman" panose="02020603050405020304" pitchFamily="18" charset="0"/>
+              </a:rPr>
+              <a:t>search results</a:t>
+            </a:r>
+          </a:p>
+          <a:p>
+            <a:endParaRPr lang="en-US" sz="4000" dirty="0" smtClean="0">
               <a:solidFill>
                 <a:schemeClr val="bg1"/>
               </a:solidFill>
@@ -4635,8 +4564,160 @@
               <a:cs typeface="Times New Roman" panose="02020603050405020304" pitchFamily="18" charset="0"/>
             </a:endParaRPr>
           </a:p>
-          <a:p>
-            <a:endParaRPr lang="en-US" sz="4700" b="1" dirty="0" smtClean="0">
+        </p:txBody>
+      </p:sp>
+      <p:sp>
+        <p:nvSpPr>
+          <p:cNvPr id="7" name="TextBox 6"/>
+          <p:cNvSpPr txBox="1"/>
+          <p:nvPr/>
+        </p:nvSpPr>
+        <p:spPr>
+          <a:xfrm>
+            <a:off x="313764" y="2649070"/>
+            <a:ext cx="11385177" cy="3294530"/>
+          </a:xfrm>
+          <a:prstGeom prst="rect">
+            <a:avLst/>
+          </a:prstGeom>
+          <a:noFill/>
+        </p:spPr>
+        <p:txBody>
+          <a:bodyPr wrap="square" rtlCol="0">
+            <a:noAutofit/>
+          </a:bodyPr>
+          <a:lstStyle/>
+          <a:p>
+            <a:pPr marL="685800" indent="-685800">
+              <a:spcBef>
+                <a:spcPts val="600"/>
+              </a:spcBef>
+              <a:buFont typeface="Arial" panose="020B0604020202020204" pitchFamily="34" charset="0"/>
+              <a:buChar char="•"/>
+            </a:pPr>
+            <a:r>
+              <a:rPr lang="en-US" sz="5000" dirty="0" smtClean="0">
+                <a:solidFill>
+                  <a:schemeClr val="bg1"/>
+                </a:solidFill>
+                <a:latin typeface="Times New Roman" panose="02020603050405020304" pitchFamily="18" charset="0"/>
+                <a:cs typeface="Times New Roman" panose="02020603050405020304" pitchFamily="18" charset="0"/>
+              </a:rPr>
+              <a:t>remember how to </a:t>
+            </a:r>
+            <a:r>
+              <a:rPr lang="en-US" sz="5000" dirty="0" smtClean="0">
+                <a:solidFill>
+                  <a:srgbClr val="FFC000"/>
+                </a:solidFill>
+                <a:latin typeface="Times New Roman" panose="02020603050405020304" pitchFamily="18" charset="0"/>
+                <a:cs typeface="Times New Roman" panose="02020603050405020304" pitchFamily="18" charset="0"/>
+              </a:rPr>
+              <a:t>loop over results from a promise</a:t>
+            </a:r>
+            <a:r>
+              <a:rPr lang="en-US" sz="5000" dirty="0" smtClean="0">
+                <a:solidFill>
+                  <a:schemeClr val="bg1"/>
+                </a:solidFill>
+                <a:latin typeface="Times New Roman" panose="02020603050405020304" pitchFamily="18" charset="0"/>
+                <a:cs typeface="Times New Roman" panose="02020603050405020304" pitchFamily="18" charset="0"/>
+              </a:rPr>
+              <a:t> we’ll review that quickly…</a:t>
+            </a:r>
+          </a:p>
+          <a:p>
+            <a:pPr marL="685800" indent="-685800">
+              <a:spcBef>
+                <a:spcPts val="600"/>
+              </a:spcBef>
+              <a:buFont typeface="Arial" panose="020B0604020202020204" pitchFamily="34" charset="0"/>
+              <a:buChar char="•"/>
+            </a:pPr>
+            <a:r>
+              <a:rPr lang="en-US" sz="5000" dirty="0" smtClean="0">
+                <a:solidFill>
+                  <a:schemeClr val="bg1"/>
+                </a:solidFill>
+                <a:latin typeface="Times New Roman" panose="02020603050405020304" pitchFamily="18" charset="0"/>
+                <a:cs typeface="Times New Roman" panose="02020603050405020304" pitchFamily="18" charset="0"/>
+              </a:rPr>
+              <a:t>then we get to work on </a:t>
+            </a:r>
+            <a:r>
+              <a:rPr lang="en-US" sz="5000" dirty="0" smtClean="0">
+                <a:solidFill>
+                  <a:schemeClr val="accent4">
+                    <a:lumMod val="60000"/>
+                    <a:lumOff val="40000"/>
+                  </a:schemeClr>
+                </a:solidFill>
+                <a:effectLst>
+                  <a:outerShdw blurRad="38100" dist="38100" dir="2700000" algn="tl">
+                    <a:srgbClr val="000000">
+                      <a:alpha val="43137"/>
+                    </a:srgbClr>
+                  </a:outerShdw>
+                </a:effectLst>
+                <a:latin typeface="Times New Roman" panose="02020603050405020304" pitchFamily="18" charset="0"/>
+                <a:cs typeface="Times New Roman" panose="02020603050405020304" pitchFamily="18" charset="0"/>
+              </a:rPr>
+              <a:t>creating a search box </a:t>
+            </a:r>
+            <a:r>
+              <a:rPr lang="en-US" sz="5000" dirty="0" smtClean="0">
+                <a:solidFill>
+                  <a:schemeClr val="bg1"/>
+                </a:solidFill>
+                <a:latin typeface="Times New Roman" panose="02020603050405020304" pitchFamily="18" charset="0"/>
+                <a:cs typeface="Times New Roman" panose="02020603050405020304" pitchFamily="18" charset="0"/>
+              </a:rPr>
+              <a:t>and </a:t>
+            </a:r>
+            <a:r>
+              <a:rPr lang="en-US" sz="5000" dirty="0" smtClean="0">
+                <a:solidFill>
+                  <a:schemeClr val="accent4">
+                    <a:lumMod val="60000"/>
+                    <a:lumOff val="40000"/>
+                  </a:schemeClr>
+                </a:solidFill>
+                <a:effectLst>
+                  <a:outerShdw blurRad="38100" dist="38100" dir="2700000" algn="tl">
+                    <a:srgbClr val="000000">
+                      <a:alpha val="43137"/>
+                    </a:srgbClr>
+                  </a:outerShdw>
+                </a:effectLst>
+                <a:latin typeface="Times New Roman" panose="02020603050405020304" pitchFamily="18" charset="0"/>
+                <a:cs typeface="Times New Roman" panose="02020603050405020304" pitchFamily="18" charset="0"/>
+              </a:rPr>
+              <a:t>using its input to call the API</a:t>
+            </a:r>
+            <a:endParaRPr lang="en-US" sz="5000" dirty="0" smtClean="0">
+              <a:solidFill>
+                <a:schemeClr val="bg1"/>
+              </a:solidFill>
+              <a:effectLst>
+                <a:outerShdw blurRad="38100" dist="38100" dir="2700000" algn="tl">
+                  <a:srgbClr val="000000">
+                    <a:alpha val="43137"/>
+                  </a:srgbClr>
+                </a:outerShdw>
+              </a:effectLst>
+              <a:latin typeface="Times New Roman" panose="02020603050405020304" pitchFamily="18" charset="0"/>
+              <a:cs typeface="Times New Roman" panose="02020603050405020304" pitchFamily="18" charset="0"/>
+            </a:endParaRPr>
+          </a:p>
+          <a:p>
+            <a:pPr marL="571500" indent="-571500">
+              <a:spcBef>
+                <a:spcPts val="600"/>
+              </a:spcBef>
+              <a:buFont typeface="Arial" panose="020B0604020202020204" pitchFamily="34" charset="0"/>
+              <a:buChar char="•"/>
+            </a:pPr>
+            <a:endParaRPr lang="en-US" sz="4000" dirty="0" smtClean="0">
               <a:solidFill>
                 <a:schemeClr val="bg1"/>
               </a:solidFill>
@@ -4644,128 +4725,15 @@
               <a:cs typeface="Times New Roman" panose="02020603050405020304" pitchFamily="18" charset="0"/>
             </a:endParaRPr>
           </a:p>
-        </p:txBody>
-      </p:sp>
-      <p:sp>
-        <p:nvSpPr>
-          <p:cNvPr id="9" name="TextBox 8"/>
-          <p:cNvSpPr txBox="1"/>
-          <p:nvPr/>
-        </p:nvSpPr>
-        <p:spPr>
-          <a:xfrm>
-            <a:off x="0" y="4195482"/>
-            <a:ext cx="12192000" cy="2289235"/>
-          </a:xfrm>
-          <a:prstGeom prst="rect">
-            <a:avLst/>
-          </a:prstGeom>
-          <a:solidFill>
-            <a:srgbClr val="000000">
-              <a:alpha val="69804"/>
-            </a:srgbClr>
-          </a:solidFill>
-        </p:spPr>
-        <p:txBody>
-          <a:bodyPr wrap="square" rtlCol="0">
-            <a:noAutofit/>
-          </a:bodyPr>
-          <a:lstStyle/>
-          <a:p>
-            <a:pPr algn="ctr">
+          <a:p>
+            <a:pPr marL="571500" indent="-571500">
               <a:spcBef>
-                <a:spcPts val="1200"/>
+                <a:spcPts val="600"/>
               </a:spcBef>
-              <a:spcAft>
-                <a:spcPts val="600"/>
-              </a:spcAft>
+              <a:buFont typeface="Arial" panose="020B0604020202020204" pitchFamily="34" charset="0"/>
+              <a:buChar char="•"/>
             </a:pPr>
-            <a:r>
-              <a:rPr lang="en-US" sz="4000" b="1" dirty="0" smtClean="0">
-                <a:solidFill>
-                  <a:schemeClr val="accent2">
-                    <a:lumMod val="20000"/>
-                    <a:lumOff val="80000"/>
-                  </a:schemeClr>
-                </a:solidFill>
-                <a:latin typeface="Consolas" panose="020B0609020204030204" pitchFamily="49" charset="0"/>
-                <a:cs typeface="Consolas" panose="020B0609020204030204" pitchFamily="49" charset="0"/>
-              </a:rPr>
-              <a:t>github.com</a:t>
-            </a:r>
-            <a:r>
-              <a:rPr lang="en-US" sz="4000" b="1" dirty="0" smtClean="0">
-                <a:solidFill>
-                  <a:schemeClr val="accent2">
-                    <a:lumMod val="60000"/>
-                    <a:lumOff val="40000"/>
-                  </a:schemeClr>
-                </a:solidFill>
-                <a:latin typeface="Consolas" panose="020B0609020204030204" pitchFamily="49" charset="0"/>
-                <a:cs typeface="Consolas" panose="020B0609020204030204" pitchFamily="49" charset="0"/>
-              </a:rPr>
-              <a:t>/</a:t>
-            </a:r>
-            <a:r>
-              <a:rPr lang="en-US" sz="4000" b="1" dirty="0" err="1" smtClean="0">
-                <a:solidFill>
-                  <a:schemeClr val="accent2">
-                    <a:lumMod val="60000"/>
-                    <a:lumOff val="40000"/>
-                  </a:schemeClr>
-                </a:solidFill>
-                <a:latin typeface="Consolas" panose="020B0609020204030204" pitchFamily="49" charset="0"/>
-                <a:cs typeface="Consolas" panose="020B0609020204030204" pitchFamily="49" charset="0"/>
-              </a:rPr>
-              <a:t>joeldevlearning</a:t>
-            </a:r>
-            <a:endParaRPr lang="en-US" sz="4000" b="1" dirty="0" smtClean="0">
-              <a:solidFill>
-                <a:schemeClr val="accent2">
-                  <a:lumMod val="60000"/>
-                  <a:lumOff val="40000"/>
-                </a:schemeClr>
-              </a:solidFill>
-              <a:latin typeface="Consolas" panose="020B0609020204030204" pitchFamily="49" charset="0"/>
-              <a:cs typeface="Consolas" panose="020B0609020204030204" pitchFamily="49" charset="0"/>
-            </a:endParaRPr>
-          </a:p>
-          <a:p>
-            <a:pPr algn="ctr">
-              <a:spcBef>
-                <a:spcPts val="1200"/>
-              </a:spcBef>
-              <a:spcAft>
-                <a:spcPts val="600"/>
-              </a:spcAft>
-            </a:pPr>
-            <a:r>
-              <a:rPr lang="en-US" sz="4000" b="1" dirty="0" smtClean="0">
-                <a:solidFill>
-                  <a:schemeClr val="accent4">
-                    <a:lumMod val="60000"/>
-                    <a:lumOff val="40000"/>
-                  </a:schemeClr>
-                </a:solidFill>
-                <a:latin typeface="Consolas" panose="020B0609020204030204" pitchFamily="49" charset="0"/>
-                <a:cs typeface="Consolas" panose="020B0609020204030204" pitchFamily="49" charset="0"/>
-              </a:rPr>
-              <a:t>/javascript-3/exercise-4</a:t>
-            </a:r>
-            <a:endParaRPr lang="en-US" sz="4000" b="1" dirty="0" smtClean="0">
-              <a:solidFill>
-                <a:schemeClr val="accent4">
-                  <a:lumMod val="60000"/>
-                  <a:lumOff val="40000"/>
-                </a:schemeClr>
-              </a:solidFill>
-              <a:latin typeface="Consolas" panose="020B0609020204030204" pitchFamily="49" charset="0"/>
-              <a:cs typeface="Consolas" panose="020B0609020204030204" pitchFamily="49" charset="0"/>
-            </a:endParaRPr>
-          </a:p>
-          <a:p>
-            <a:pPr algn="ctr"/>
-            <a:endParaRPr lang="en-US" sz="4700" b="1" dirty="0" smtClean="0">
+            <a:endParaRPr lang="en-US" sz="4000" dirty="0" smtClean="0">
               <a:solidFill>
                 <a:schemeClr val="bg1"/>
               </a:solidFill>
@@ -4778,7 +4746,7 @@
     </p:spTree>
     <p:extLst>
       <p:ext uri="{BB962C8B-B14F-4D97-AF65-F5344CB8AC3E}">
-        <p14:creationId xmlns:p14="http://schemas.microsoft.com/office/powerpoint/2010/main" val="498152593"/>
+        <p14:creationId xmlns:p14="http://schemas.microsoft.com/office/powerpoint/2010/main" val="513802994"/>
       </p:ext>
     </p:extLst>
   </p:cSld>
@@ -4878,6 +4846,50 @@
       </p:pic>
       <p:sp>
         <p:nvSpPr>
+          <p:cNvPr id="6" name="TextBox 5"/>
+          <p:cNvSpPr txBox="1"/>
+          <p:nvPr/>
+        </p:nvSpPr>
+        <p:spPr>
+          <a:xfrm>
+            <a:off x="934037" y="1021975"/>
+            <a:ext cx="4830269" cy="779929"/>
+          </a:xfrm>
+          <a:prstGeom prst="rect">
+            <a:avLst/>
+          </a:prstGeom>
+          <a:noFill/>
+        </p:spPr>
+        <p:txBody>
+          <a:bodyPr wrap="square" rtlCol="0">
+            <a:noAutofit/>
+          </a:bodyPr>
+          <a:lstStyle/>
+          <a:p>
+            <a:r>
+              <a:rPr lang="en-US" sz="4700" b="1" dirty="0" smtClean="0">
+                <a:solidFill>
+                  <a:schemeClr val="bg1"/>
+                </a:solidFill>
+                <a:latin typeface="Times New Roman" panose="02020603050405020304" pitchFamily="18" charset="0"/>
+                <a:cs typeface="Times New Roman" panose="02020603050405020304" pitchFamily="18" charset="0"/>
+              </a:rPr>
+              <a:t>Enter the repo!</a:t>
+            </a:r>
+          </a:p>
+          <a:p>
+            <a:endParaRPr lang="en-US" sz="4700" b="1" dirty="0" smtClean="0">
+              <a:solidFill>
+                <a:schemeClr val="bg1"/>
+              </a:solidFill>
+              <a:latin typeface="Times New Roman" panose="02020603050405020304" pitchFamily="18" charset="0"/>
+              <a:cs typeface="Times New Roman" panose="02020603050405020304" pitchFamily="18" charset="0"/>
+            </a:endParaRPr>
+          </a:p>
+        </p:txBody>
+      </p:sp>
+      <p:sp>
+        <p:nvSpPr>
           <p:cNvPr id="9" name="TextBox 8"/>
           <p:cNvSpPr txBox="1"/>
           <p:nvPr/>
@@ -4980,8 +4992,11 @@
                 <a:latin typeface="Consolas" panose="020B0609020204030204" pitchFamily="49" charset="0"/>
                 <a:cs typeface="Consolas" panose="020B0609020204030204" pitchFamily="49" charset="0"/>
               </a:rPr>
-              <a:t>/cwm-js-series-2018</a:t>
-            </a:r>
+              <a:t>/javascript-3/exercise-4</a:t>
+            </a:r>
+          </a:p>
+          <a:p>
+            <a:pPr algn="ctr"/>
             <a:endParaRPr lang="en-US" sz="4700" b="1" dirty="0" smtClean="0">
               <a:solidFill>
                 <a:schemeClr val="bg1"/>
@@ -4992,21 +5007,124 @@
           </a:p>
         </p:txBody>
       </p:sp>
-      <p:sp>
-        <p:nvSpPr>
-          <p:cNvPr id="7" name="TextBox 6"/>
+    </p:spTree>
+    <p:extLst>
+      <p:ext uri="{BB962C8B-B14F-4D97-AF65-F5344CB8AC3E}">
+        <p14:creationId xmlns:p14="http://schemas.microsoft.com/office/powerpoint/2010/main" val="1469855901"/>
+      </p:ext>
+    </p:extLst>
+  </p:cSld>
+  <p:clrMapOvr>
+    <a:masterClrMapping/>
+  </p:clrMapOvr>
+</p:sld>
+</file>
+
+<file path=ppt/slides/slide15.xml><?xml version="1.0" encoding="utf-8"?>
+<p:sld xmlns:a="http://schemas.openxmlformats.org/drawingml/2006/main" xmlns:r="http://schemas.openxmlformats.org/officeDocument/2006/relationships" xmlns:p="http://schemas.openxmlformats.org/presentationml/2006/main">
+  <p:cSld>
+    <p:spTree>
+      <p:nvGrpSpPr>
+        <p:cNvPr id="1" name=""/>
+        <p:cNvGrpSpPr/>
+        <p:nvPr/>
+      </p:nvGrpSpPr>
+      <p:grpSpPr>
+        <a:xfrm>
+          <a:off x="0" y="0"/>
+          <a:ext cx="0" cy="0"/>
+          <a:chOff x="0" y="0"/>
+          <a:chExt cx="0" cy="0"/>
+        </a:xfrm>
+      </p:grpSpPr>
+      <p:sp>
+        <p:nvSpPr>
+          <p:cNvPr id="4" name="TextBox 3"/>
           <p:cNvSpPr txBox="1"/>
           <p:nvPr/>
         </p:nvSpPr>
         <p:spPr>
           <a:xfrm>
-            <a:off x="1086437" y="1174375"/>
-            <a:ext cx="6004645" cy="779929"/>
+            <a:off x="0" y="-1"/>
+            <a:ext cx="12192000" cy="6858000"/>
+          </a:xfrm>
+          <a:prstGeom prst="rect">
+            <a:avLst/>
+          </a:prstGeom>
+          <a:solidFill>
+            <a:srgbClr val="322D5D"/>
+          </a:solidFill>
+        </p:spPr>
+        <p:txBody>
+          <a:bodyPr wrap="square" rtlCol="0">
+            <a:noAutofit/>
+          </a:bodyPr>
+          <a:lstStyle/>
+          <a:p>
+            <a:endParaRPr lang="en-US" sz="10000" b="1" dirty="0" smtClean="0">
+              <a:latin typeface="Cambria" panose="02040503050406030204" pitchFamily="18" charset="0"/>
+            </a:endParaRPr>
+          </a:p>
+        </p:txBody>
+      </p:sp>
+      <p:pic>
+        <p:nvPicPr>
+          <p:cNvPr id="11266" name="Picture 2" descr="Image result for thor in the bifrost"/>
+          <p:cNvPicPr>
+            <a:picLocks noChangeAspect="1" noChangeArrowheads="1"/>
+          </p:cNvPicPr>
+          <p:nvPr/>
+        </p:nvPicPr>
+        <p:blipFill>
+          <a:blip r:embed="rId2">
+            <a:extLst>
+              <a:ext uri="{28A0092B-C50C-407E-A947-70E740481C1C}">
+                <a14:useLocalDpi xmlns:a14="http://schemas.microsoft.com/office/drawing/2010/main" val="0"/>
+              </a:ext>
+            </a:extLst>
+          </a:blip>
+          <a:srcRect/>
+          <a:stretch>
+            <a:fillRect/>
+          </a:stretch>
+        </p:blipFill>
+        <p:spPr bwMode="auto">
+          <a:xfrm>
+            <a:off x="161365" y="-83919"/>
+            <a:ext cx="12030635" cy="6534139"/>
           </a:xfrm>
           <a:prstGeom prst="rect">
             <a:avLst/>
           </a:prstGeom>
           <a:noFill/>
+          <a:extLst>
+            <a:ext uri="{909E8E84-426E-40DD-AFC4-6F175D3DCCD1}">
+              <a14:hiddenFill xmlns:a14="http://schemas.microsoft.com/office/drawing/2010/main">
+                <a:solidFill>
+                  <a:srgbClr val="FFFFFF"/>
+                </a:solidFill>
+              </a14:hiddenFill>
+            </a:ext>
+          </a:extLst>
+        </p:spPr>
+      </p:pic>
+      <p:sp>
+        <p:nvSpPr>
+          <p:cNvPr id="6" name="TextBox 5"/>
+          <p:cNvSpPr txBox="1"/>
+          <p:nvPr/>
+        </p:nvSpPr>
+        <p:spPr>
+          <a:xfrm>
+            <a:off x="593378" y="493058"/>
+            <a:ext cx="4830269" cy="779929"/>
+          </a:xfrm>
+          <a:prstGeom prst="rect">
+            <a:avLst/>
+          </a:prstGeom>
+          <a:solidFill>
+            <a:srgbClr val="000000"/>
+          </a:solidFill>
         </p:spPr>
         <p:txBody>
           <a:bodyPr wrap="square" rtlCol="0">
@@ -5022,8 +5140,10 @@
                 <a:latin typeface="Times New Roman" panose="02020603050405020304" pitchFamily="18" charset="0"/>
                 <a:cs typeface="Times New Roman" panose="02020603050405020304" pitchFamily="18" charset="0"/>
               </a:rPr>
-              <a:t>Looking for more?</a:t>
-            </a:r>
+              <a:t>Back to the repo!</a:t>
+            </a:r>
+          </a:p>
+          <a:p>
             <a:endParaRPr lang="en-US" sz="4700" b="1" dirty="0" smtClean="0">
               <a:solidFill>
                 <a:schemeClr val="bg1"/>
@@ -5032,7 +5152,127 @@
               <a:cs typeface="Times New Roman" panose="02020603050405020304" pitchFamily="18" charset="0"/>
             </a:endParaRPr>
           </a:p>
-          <a:p>
+        </p:txBody>
+      </p:sp>
+      <p:sp>
+        <p:nvSpPr>
+          <p:cNvPr id="9" name="TextBox 8"/>
+          <p:cNvSpPr txBox="1"/>
+          <p:nvPr/>
+        </p:nvSpPr>
+        <p:spPr>
+          <a:xfrm>
+            <a:off x="0" y="4195482"/>
+            <a:ext cx="12192000" cy="2289235"/>
+          </a:xfrm>
+          <a:prstGeom prst="rect">
+            <a:avLst/>
+          </a:prstGeom>
+          <a:solidFill>
+            <a:srgbClr val="000000">
+              <a:alpha val="69804"/>
+            </a:srgbClr>
+          </a:solidFill>
+        </p:spPr>
+        <p:txBody>
+          <a:bodyPr wrap="square" rtlCol="0">
+            <a:noAutofit/>
+          </a:bodyPr>
+          <a:lstStyle/>
+          <a:p>
+            <a:pPr algn="ctr">
+              <a:spcBef>
+                <a:spcPts val="1200"/>
+              </a:spcBef>
+              <a:spcAft>
+                <a:spcPts val="600"/>
+              </a:spcAft>
+            </a:pPr>
+            <a:r>
+              <a:rPr lang="en-US" sz="4000" b="1" dirty="0" smtClean="0">
+                <a:solidFill>
+                  <a:schemeClr val="accent2">
+                    <a:lumMod val="20000"/>
+                    <a:lumOff val="80000"/>
+                  </a:schemeClr>
+                </a:solidFill>
+                <a:latin typeface="Consolas" panose="020B0609020204030204" pitchFamily="49" charset="0"/>
+                <a:cs typeface="Consolas" panose="020B0609020204030204" pitchFamily="49" charset="0"/>
+              </a:rPr>
+              <a:t>github.com</a:t>
+            </a:r>
+            <a:r>
+              <a:rPr lang="en-US" sz="4000" b="1" dirty="0" smtClean="0">
+                <a:solidFill>
+                  <a:schemeClr val="accent2">
+                    <a:lumMod val="60000"/>
+                    <a:lumOff val="40000"/>
+                  </a:schemeClr>
+                </a:solidFill>
+                <a:latin typeface="Consolas" panose="020B0609020204030204" pitchFamily="49" charset="0"/>
+                <a:cs typeface="Consolas" panose="020B0609020204030204" pitchFamily="49" charset="0"/>
+              </a:rPr>
+              <a:t>/</a:t>
+            </a:r>
+            <a:r>
+              <a:rPr lang="en-US" sz="4000" b="1" dirty="0" err="1" smtClean="0">
+                <a:solidFill>
+                  <a:schemeClr val="accent2">
+                    <a:lumMod val="60000"/>
+                    <a:lumOff val="40000"/>
+                  </a:schemeClr>
+                </a:solidFill>
+                <a:latin typeface="Consolas" panose="020B0609020204030204" pitchFamily="49" charset="0"/>
+                <a:cs typeface="Consolas" panose="020B0609020204030204" pitchFamily="49" charset="0"/>
+              </a:rPr>
+              <a:t>joeldevlearning</a:t>
+            </a:r>
+            <a:endParaRPr lang="en-US" sz="4000" b="1" dirty="0" smtClean="0">
+              <a:solidFill>
+                <a:schemeClr val="accent2">
+                  <a:lumMod val="60000"/>
+                  <a:lumOff val="40000"/>
+                </a:schemeClr>
+              </a:solidFill>
+              <a:latin typeface="Consolas" panose="020B0609020204030204" pitchFamily="49" charset="0"/>
+              <a:cs typeface="Consolas" panose="020B0609020204030204" pitchFamily="49" charset="0"/>
+            </a:endParaRPr>
+          </a:p>
+          <a:p>
+            <a:pPr algn="ctr">
+              <a:spcBef>
+                <a:spcPts val="1200"/>
+              </a:spcBef>
+              <a:spcAft>
+                <a:spcPts val="600"/>
+              </a:spcAft>
+            </a:pPr>
+            <a:r>
+              <a:rPr lang="en-US" sz="4000" b="1" smtClean="0">
+                <a:solidFill>
+                  <a:schemeClr val="accent4">
+                    <a:lumMod val="60000"/>
+                    <a:lumOff val="40000"/>
+                  </a:schemeClr>
+                </a:solidFill>
+                <a:latin typeface="Consolas" panose="020B0609020204030204" pitchFamily="49" charset="0"/>
+                <a:cs typeface="Consolas" panose="020B0609020204030204" pitchFamily="49" charset="0"/>
+              </a:rPr>
+              <a:t>/javascript-3/exercise-5</a:t>
+            </a:r>
+            <a:endParaRPr lang="en-US" sz="4000" b="1" dirty="0" smtClean="0">
+              <a:solidFill>
+                <a:schemeClr val="accent4">
+                  <a:lumMod val="60000"/>
+                  <a:lumOff val="40000"/>
+                </a:schemeClr>
+              </a:solidFill>
+              <a:latin typeface="Consolas" panose="020B0609020204030204" pitchFamily="49" charset="0"/>
+              <a:cs typeface="Consolas" panose="020B0609020204030204" pitchFamily="49" charset="0"/>
+            </a:endParaRPr>
+          </a:p>
+          <a:p>
+            <a:pPr algn="ctr"/>
             <a:endParaRPr lang="en-US" sz="4700" b="1" dirty="0" smtClean="0">
               <a:solidFill>
                 <a:schemeClr val="bg1"/>
@@ -5046,7 +5286,7 @@
     </p:spTree>
     <p:extLst>
       <p:ext uri="{BB962C8B-B14F-4D97-AF65-F5344CB8AC3E}">
-        <p14:creationId xmlns:p14="http://schemas.microsoft.com/office/powerpoint/2010/main" val="1469855901"/>
+        <p14:creationId xmlns:p14="http://schemas.microsoft.com/office/powerpoint/2010/main" val="498152593"/>
       </p:ext>
     </p:extLst>
   </p:cSld>
@@ -5134,12 +5374,6 @@
               </a:rPr>
               <a:t>Introductions:</a:t>
             </a:r>
-            <a:endParaRPr lang="en-US" sz="7000" b="1" dirty="0" smtClean="0">
-              <a:solidFill>
-                <a:schemeClr val="bg1"/>
-              </a:solidFill>
-              <a:latin typeface="Cambria" panose="02040503050406030204" pitchFamily="18" charset="0"/>
-            </a:endParaRPr>
           </a:p>
         </p:txBody>
       </p:sp>
@@ -5226,37 +5460,7 @@
                 <a:latin typeface="Times New Roman" panose="02020603050405020304" pitchFamily="18" charset="0"/>
                 <a:cs typeface="Times New Roman" panose="02020603050405020304" pitchFamily="18" charset="0"/>
               </a:rPr>
-              <a:t>dash– </a:t>
-            </a:r>
-            <a:r>
-              <a:rPr lang="en-US" sz="3500" dirty="0" smtClean="0">
-                <a:solidFill>
-                  <a:schemeClr val="bg1"/>
-                </a:solidFill>
-                <a:latin typeface="Times New Roman" panose="02020603050405020304" pitchFamily="18" charset="0"/>
-                <a:cs typeface="Times New Roman" panose="02020603050405020304" pitchFamily="18" charset="0"/>
-              </a:rPr>
-              <a:t>is </a:t>
-            </a:r>
-            <a:r>
-              <a:rPr lang="en-US" sz="3500" dirty="0" smtClean="0">
-                <a:solidFill>
-                  <a:schemeClr val="bg1"/>
-                </a:solidFill>
-                <a:latin typeface="Times New Roman" panose="02020603050405020304" pitchFamily="18" charset="0"/>
-                <a:cs typeface="Times New Roman" panose="02020603050405020304" pitchFamily="18" charset="0"/>
-              </a:rPr>
-              <a:t>absolutely </a:t>
-            </a:r>
-            <a:r>
-              <a:rPr lang="en-US" sz="3500" dirty="0" smtClean="0">
-                <a:solidFill>
-                  <a:schemeClr val="bg1"/>
-                </a:solidFill>
-                <a:latin typeface="Times New Roman" panose="02020603050405020304" pitchFamily="18" charset="0"/>
-                <a:cs typeface="Times New Roman" panose="02020603050405020304" pitchFamily="18" charset="0"/>
-              </a:rPr>
-              <a:t>required)</a:t>
+              <a:t>dash– is absolutely required)</a:t>
             </a:r>
           </a:p>
           <a:p>
@@ -5397,8 +5601,8 @@
         </p:nvSpPr>
         <p:spPr>
           <a:xfrm>
-            <a:off x="327996" y="1354900"/>
-            <a:ext cx="11385177" cy="3989295"/>
+            <a:off x="327996" y="2116901"/>
+            <a:ext cx="11385177" cy="3342606"/>
           </a:xfrm>
           <a:prstGeom prst="rect">
             <a:avLst/>
@@ -5418,16 +5622,6 @@
             <a:r>
               <a:rPr lang="en-US" sz="4500" dirty="0" smtClean="0">
                 <a:solidFill>
-                  <a:schemeClr val="bg1"/>
-                </a:solidFill>
-                <a:latin typeface="Times New Roman" panose="02020603050405020304" pitchFamily="18" charset="0"/>
-                <a:cs typeface="Times New Roman" panose="02020603050405020304" pitchFamily="18" charset="0"/>
-              </a:rPr>
-              <a:t>After each exercise, </a:t>
-            </a:r>
-            <a:r>
-              <a:rPr lang="en-US" sz="4500" dirty="0" smtClean="0">
-                <a:solidFill>
                   <a:schemeClr val="accent4">
                     <a:lumMod val="60000"/>
                     <a:lumOff val="40000"/>
@@ -5436,7 +5630,7 @@
                 <a:latin typeface="Times New Roman" panose="02020603050405020304" pitchFamily="18" charset="0"/>
                 <a:cs typeface="Times New Roman" panose="02020603050405020304" pitchFamily="18" charset="0"/>
               </a:rPr>
-              <a:t>we’ll review a solution together</a:t>
+              <a:t>Four exercises</a:t>
             </a:r>
             <a:r>
               <a:rPr lang="en-US" sz="4500" dirty="0" smtClean="0">
@@ -5446,7 +5640,17 @@
                 <a:latin typeface="Times New Roman" panose="02020603050405020304" pitchFamily="18" charset="0"/>
                 <a:cs typeface="Times New Roman" panose="02020603050405020304" pitchFamily="18" charset="0"/>
               </a:rPr>
-              <a:t> (I’ll push the code to the repo when the clock strikes…)</a:t>
+              <a:t> to build a frontend to an API</a:t>
+            </a:r>
+            <a:r>
+              <a:rPr lang="en-US" sz="4500" dirty="0" smtClean="0">
+                <a:solidFill>
+                  <a:schemeClr val="bg1"/>
+                </a:solidFill>
+                <a:latin typeface="Times New Roman" panose="02020603050405020304" pitchFamily="18" charset="0"/>
+                <a:cs typeface="Times New Roman" panose="02020603050405020304" pitchFamily="18" charset="0"/>
+              </a:rPr>
+              <a:t>.</a:t>
             </a:r>
           </a:p>
           <a:p>
@@ -5475,7 +5679,7 @@
                 <a:latin typeface="Times New Roman" panose="02020603050405020304" pitchFamily="18" charset="0"/>
                 <a:cs typeface="Times New Roman" panose="02020603050405020304" pitchFamily="18" charset="0"/>
               </a:rPr>
-              <a:t>But DO NOT wait to get help. </a:t>
+              <a:t>Get </a:t>
             </a:r>
             <a:r>
               <a:rPr lang="en-US" sz="4500" dirty="0" smtClean="0">
@@ -5488,7 +5692,7 @@
                 <a:latin typeface="Times New Roman" panose="02020603050405020304" pitchFamily="18" charset="0"/>
                 <a:cs typeface="Times New Roman" panose="02020603050405020304" pitchFamily="18" charset="0"/>
               </a:rPr>
-              <a:t>Work in pairs</a:t>
+              <a:t>world class support </a:t>
             </a:r>
             <a:r>
               <a:rPr lang="en-US" sz="4500" dirty="0" smtClean="0">
@@ -5498,31 +5702,15 @@
                 <a:latin typeface="Times New Roman" panose="02020603050405020304" pitchFamily="18" charset="0"/>
                 <a:cs typeface="Times New Roman" panose="02020603050405020304" pitchFamily="18" charset="0"/>
               </a:rPr>
-              <a:t>, work alone, </a:t>
-            </a:r>
-            <a:r>
-              <a:rPr lang="en-US" sz="4500" dirty="0" smtClean="0">
-                <a:solidFill>
-                  <a:schemeClr val="accent4">
-                    <a:lumMod val="60000"/>
-                    <a:lumOff val="40000"/>
-                  </a:schemeClr>
-                </a:solidFill>
-                <a:latin typeface="Times New Roman" panose="02020603050405020304" pitchFamily="18" charset="0"/>
-                <a:cs typeface="Times New Roman" panose="02020603050405020304" pitchFamily="18" charset="0"/>
-              </a:rPr>
-              <a:t>work out loud</a:t>
-            </a:r>
-            <a:r>
-              <a:rPr lang="en-US" sz="4500" dirty="0" smtClean="0">
-                <a:solidFill>
-                  <a:schemeClr val="bg1"/>
-                </a:solidFill>
-                <a:latin typeface="Times New Roman" panose="02020603050405020304" pitchFamily="18" charset="0"/>
-                <a:cs typeface="Times New Roman" panose="02020603050405020304" pitchFamily="18" charset="0"/>
-              </a:rPr>
-              <a:t>.</a:t>
-            </a:r>
+              <a:t>from the people around you!</a:t>
+            </a:r>
+            <a:endParaRPr lang="en-US" sz="4500" dirty="0" smtClean="0">
+              <a:solidFill>
+                <a:schemeClr val="bg1"/>
+              </a:solidFill>
+              <a:latin typeface="Times New Roman" panose="02020603050405020304" pitchFamily="18" charset="0"/>
+              <a:cs typeface="Times New Roman" panose="02020603050405020304" pitchFamily="18" charset="0"/>
+            </a:endParaRPr>
           </a:p>
           <a:p>
             <a:pPr marL="685800" indent="-685800">
@@ -5544,6 +5732,46 @@
               </a:solidFill>
               <a:latin typeface="Times New Roman" panose="02020603050405020304" pitchFamily="18" charset="0"/>
               <a:cs typeface="Times New Roman" panose="02020603050405020304" pitchFamily="18" charset="0"/>
+            </a:endParaRPr>
+          </a:p>
+        </p:txBody>
+      </p:sp>
+      <p:sp>
+        <p:nvSpPr>
+          <p:cNvPr id="5" name="TextBox 4"/>
+          <p:cNvSpPr txBox="1"/>
+          <p:nvPr/>
+        </p:nvSpPr>
+        <p:spPr>
+          <a:xfrm>
+            <a:off x="634923" y="268941"/>
+            <a:ext cx="6689242" cy="1506071"/>
+          </a:xfrm>
+          <a:prstGeom prst="rect">
+            <a:avLst/>
+          </a:prstGeom>
+          <a:noFill/>
+        </p:spPr>
+        <p:txBody>
+          <a:bodyPr wrap="square" rtlCol="0">
+            <a:noAutofit/>
+          </a:bodyPr>
+          <a:lstStyle/>
+          <a:p>
+            <a:r>
+              <a:rPr lang="en-US" sz="7000" b="1" dirty="0" smtClean="0">
+                <a:solidFill>
+                  <a:schemeClr val="bg1"/>
+                </a:solidFill>
+                <a:latin typeface="Cambria" panose="02040503050406030204" pitchFamily="18" charset="0"/>
+              </a:rPr>
+              <a:t>Tonight:</a:t>
+            </a:r>
+            <a:endParaRPr lang="en-US" sz="7000" b="1" dirty="0" smtClean="0">
+              <a:solidFill>
+                <a:schemeClr val="bg1"/>
+              </a:solidFill>
+              <a:latin typeface="Cambria" panose="02040503050406030204" pitchFamily="18" charset="0"/>
             </a:endParaRPr>
           </a:p>
         </p:txBody>
@@ -5610,14 +5838,14 @@
       </p:sp>
       <p:sp>
         <p:nvSpPr>
-          <p:cNvPr id="10" name="TextBox 9"/>
+          <p:cNvPr id="9" name="TextBox 8"/>
           <p:cNvSpPr txBox="1"/>
           <p:nvPr/>
         </p:nvSpPr>
         <p:spPr>
           <a:xfrm>
-            <a:off x="403411" y="1456764"/>
-            <a:ext cx="11385177" cy="1940860"/>
+            <a:off x="327996" y="1354900"/>
+            <a:ext cx="11385177" cy="3989295"/>
           </a:xfrm>
           <a:prstGeom prst="rect">
             <a:avLst/>
@@ -5630,23 +5858,235 @@
           </a:bodyPr>
           <a:lstStyle/>
           <a:p>
-            <a:r>
-              <a:rPr lang="en-US" sz="5000" dirty="0" smtClean="0">
+            <a:pPr marL="685800" indent="-685800">
+              <a:buFont typeface="Arial" panose="020B0604020202020204" pitchFamily="34" charset="0"/>
+              <a:buChar char="•"/>
+            </a:pPr>
+            <a:r>
+              <a:rPr lang="en-US" sz="4500" dirty="0" smtClean="0">
                 <a:solidFill>
                   <a:schemeClr val="bg1"/>
                 </a:solidFill>
                 <a:latin typeface="Times New Roman" panose="02020603050405020304" pitchFamily="18" charset="0"/>
                 <a:cs typeface="Times New Roman" panose="02020603050405020304" pitchFamily="18" charset="0"/>
               </a:rPr>
-              <a:t>Find everything in the repo:</a:t>
-            </a:r>
-            <a:endParaRPr lang="en-US" sz="5000" dirty="0" smtClean="0">
+              <a:t>After each exercise, </a:t>
+            </a:r>
+            <a:r>
+              <a:rPr lang="en-US" sz="4500" dirty="0" smtClean="0">
+                <a:solidFill>
+                  <a:schemeClr val="accent4">
+                    <a:lumMod val="60000"/>
+                    <a:lumOff val="40000"/>
+                  </a:schemeClr>
+                </a:solidFill>
+                <a:latin typeface="Times New Roman" panose="02020603050405020304" pitchFamily="18" charset="0"/>
+                <a:cs typeface="Times New Roman" panose="02020603050405020304" pitchFamily="18" charset="0"/>
+              </a:rPr>
+              <a:t>we’ll review a solution together</a:t>
+            </a:r>
+            <a:r>
+              <a:rPr lang="en-US" sz="4500" dirty="0" smtClean="0">
+                <a:solidFill>
+                  <a:schemeClr val="bg1"/>
+                </a:solidFill>
+                <a:latin typeface="Times New Roman" panose="02020603050405020304" pitchFamily="18" charset="0"/>
+                <a:cs typeface="Times New Roman" panose="02020603050405020304" pitchFamily="18" charset="0"/>
+              </a:rPr>
+              <a:t> (I’ll push the code to the repo when the clock strikes…)</a:t>
+            </a:r>
+          </a:p>
+          <a:p>
+            <a:pPr marL="685800" indent="-685800">
+              <a:buFont typeface="Arial" panose="020B0604020202020204" pitchFamily="34" charset="0"/>
+              <a:buChar char="•"/>
+            </a:pPr>
+            <a:endParaRPr lang="en-US" sz="4500" dirty="0">
               <a:solidFill>
                 <a:schemeClr val="bg1"/>
               </a:solidFill>
               <a:latin typeface="Times New Roman" panose="02020603050405020304" pitchFamily="18" charset="0"/>
               <a:cs typeface="Times New Roman" panose="02020603050405020304" pitchFamily="18" charset="0"/>
             </a:endParaRPr>
+          </a:p>
+          <a:p>
+            <a:pPr marL="685800" indent="-685800">
+              <a:buFont typeface="Arial" panose="020B0604020202020204" pitchFamily="34" charset="0"/>
+              <a:buChar char="•"/>
+            </a:pPr>
+            <a:r>
+              <a:rPr lang="en-US" sz="4500" dirty="0" smtClean="0">
+                <a:solidFill>
+                  <a:schemeClr val="bg1"/>
+                </a:solidFill>
+                <a:latin typeface="Times New Roman" panose="02020603050405020304" pitchFamily="18" charset="0"/>
+                <a:cs typeface="Times New Roman" panose="02020603050405020304" pitchFamily="18" charset="0"/>
+              </a:rPr>
+              <a:t>But DO NOT wait to get help. </a:t>
+            </a:r>
+            <a:r>
+              <a:rPr lang="en-US" sz="4500" dirty="0" smtClean="0">
+                <a:solidFill>
+                  <a:schemeClr val="accent4">
+                    <a:lumMod val="60000"/>
+                    <a:lumOff val="40000"/>
+                  </a:schemeClr>
+                </a:solidFill>
+                <a:latin typeface="Times New Roman" panose="02020603050405020304" pitchFamily="18" charset="0"/>
+                <a:cs typeface="Times New Roman" panose="02020603050405020304" pitchFamily="18" charset="0"/>
+              </a:rPr>
+              <a:t>Work in pairs</a:t>
+            </a:r>
+            <a:r>
+              <a:rPr lang="en-US" sz="4500" dirty="0" smtClean="0">
+                <a:solidFill>
+                  <a:schemeClr val="bg1"/>
+                </a:solidFill>
+                <a:latin typeface="Times New Roman" panose="02020603050405020304" pitchFamily="18" charset="0"/>
+                <a:cs typeface="Times New Roman" panose="02020603050405020304" pitchFamily="18" charset="0"/>
+              </a:rPr>
+              <a:t>, work alone, </a:t>
+            </a:r>
+            <a:r>
+              <a:rPr lang="en-US" sz="4500" dirty="0" smtClean="0">
+                <a:solidFill>
+                  <a:schemeClr val="accent4">
+                    <a:lumMod val="60000"/>
+                    <a:lumOff val="40000"/>
+                  </a:schemeClr>
+                </a:solidFill>
+                <a:latin typeface="Times New Roman" panose="02020603050405020304" pitchFamily="18" charset="0"/>
+                <a:cs typeface="Times New Roman" panose="02020603050405020304" pitchFamily="18" charset="0"/>
+              </a:rPr>
+              <a:t>work out loud</a:t>
+            </a:r>
+            <a:r>
+              <a:rPr lang="en-US" sz="4500" dirty="0" smtClean="0">
+                <a:solidFill>
+                  <a:schemeClr val="bg1"/>
+                </a:solidFill>
+                <a:latin typeface="Times New Roman" panose="02020603050405020304" pitchFamily="18" charset="0"/>
+                <a:cs typeface="Times New Roman" panose="02020603050405020304" pitchFamily="18" charset="0"/>
+              </a:rPr>
+              <a:t>.</a:t>
+            </a:r>
+          </a:p>
+          <a:p>
+            <a:pPr marL="685800" indent="-685800">
+              <a:buFont typeface="Arial" panose="020B0604020202020204" pitchFamily="34" charset="0"/>
+              <a:buChar char="•"/>
+            </a:pPr>
+            <a:endParaRPr lang="en-US" sz="4500" dirty="0" smtClean="0">
+              <a:solidFill>
+                <a:schemeClr val="bg1"/>
+              </a:solidFill>
+              <a:latin typeface="Times New Roman" panose="02020603050405020304" pitchFamily="18" charset="0"/>
+              <a:cs typeface="Times New Roman" panose="02020603050405020304" pitchFamily="18" charset="0"/>
+            </a:endParaRPr>
+          </a:p>
+          <a:p>
+            <a:endParaRPr lang="en-US" sz="4500" dirty="0" smtClean="0">
+              <a:solidFill>
+                <a:schemeClr val="bg1"/>
+              </a:solidFill>
+              <a:latin typeface="Times New Roman" panose="02020603050405020304" pitchFamily="18" charset="0"/>
+              <a:cs typeface="Times New Roman" panose="02020603050405020304" pitchFamily="18" charset="0"/>
+            </a:endParaRPr>
+          </a:p>
+        </p:txBody>
+      </p:sp>
+    </p:spTree>
+    <p:extLst>
+      <p:ext uri="{BB962C8B-B14F-4D97-AF65-F5344CB8AC3E}">
+        <p14:creationId xmlns:p14="http://schemas.microsoft.com/office/powerpoint/2010/main" val="417047317"/>
+      </p:ext>
+    </p:extLst>
+  </p:cSld>
+  <p:clrMapOvr>
+    <a:masterClrMapping/>
+  </p:clrMapOvr>
+</p:sld>
+</file>
+
+<file path=ppt/slides/slide5.xml><?xml version="1.0" encoding="utf-8"?>
+<p:sld xmlns:a="http://schemas.openxmlformats.org/drawingml/2006/main" xmlns:r="http://schemas.openxmlformats.org/officeDocument/2006/relationships" xmlns:p="http://schemas.openxmlformats.org/presentationml/2006/main">
+  <p:cSld>
+    <p:spTree>
+      <p:nvGrpSpPr>
+        <p:cNvPr id="1" name=""/>
+        <p:cNvGrpSpPr/>
+        <p:nvPr/>
+      </p:nvGrpSpPr>
+      <p:grpSpPr>
+        <a:xfrm>
+          <a:off x="0" y="0"/>
+          <a:ext cx="0" cy="0"/>
+          <a:chOff x="0" y="0"/>
+          <a:chExt cx="0" cy="0"/>
+        </a:xfrm>
+      </p:grpSpPr>
+      <p:sp>
+        <p:nvSpPr>
+          <p:cNvPr id="4" name="TextBox 3"/>
+          <p:cNvSpPr txBox="1"/>
+          <p:nvPr/>
+        </p:nvSpPr>
+        <p:spPr>
+          <a:xfrm>
+            <a:off x="0" y="-1"/>
+            <a:ext cx="12192000" cy="6858000"/>
+          </a:xfrm>
+          <a:prstGeom prst="rect">
+            <a:avLst/>
+          </a:prstGeom>
+          <a:solidFill>
+            <a:srgbClr val="004376"/>
+          </a:solidFill>
+        </p:spPr>
+        <p:txBody>
+          <a:bodyPr wrap="square" rtlCol="0">
+            <a:noAutofit/>
+          </a:bodyPr>
+          <a:lstStyle/>
+          <a:p>
+            <a:endParaRPr lang="en-US" sz="10000" b="1" dirty="0" smtClean="0">
+              <a:latin typeface="Cambria" panose="02040503050406030204" pitchFamily="18" charset="0"/>
+            </a:endParaRPr>
+          </a:p>
+        </p:txBody>
+      </p:sp>
+      <p:sp>
+        <p:nvSpPr>
+          <p:cNvPr id="10" name="TextBox 9"/>
+          <p:cNvSpPr txBox="1"/>
+          <p:nvPr/>
+        </p:nvSpPr>
+        <p:spPr>
+          <a:xfrm>
+            <a:off x="403411" y="1456764"/>
+            <a:ext cx="11385177" cy="1940860"/>
+          </a:xfrm>
+          <a:prstGeom prst="rect">
+            <a:avLst/>
+          </a:prstGeom>
+          <a:noFill/>
+        </p:spPr>
+        <p:txBody>
+          <a:bodyPr wrap="square" rtlCol="0">
+            <a:noAutofit/>
+          </a:bodyPr>
+          <a:lstStyle/>
+          <a:p>
+            <a:r>
+              <a:rPr lang="en-US" sz="5000" dirty="0" smtClean="0">
+                <a:solidFill>
+                  <a:schemeClr val="bg1"/>
+                </a:solidFill>
+                <a:latin typeface="Times New Roman" panose="02020603050405020304" pitchFamily="18" charset="0"/>
+                <a:cs typeface="Times New Roman" panose="02020603050405020304" pitchFamily="18" charset="0"/>
+              </a:rPr>
+              <a:t>Find everything in the repo:</a:t>
+            </a:r>
           </a:p>
           <a:p>
             <a:r>
@@ -5709,23 +6149,6 @@
               </a:rPr>
               <a:t>/javascript-3</a:t>
             </a:r>
-            <a:endParaRPr lang="en-US" sz="4000" dirty="0" smtClean="0">
-              <a:solidFill>
-                <a:schemeClr val="accent4">
-                  <a:lumMod val="60000"/>
-                  <a:lumOff val="40000"/>
-                </a:schemeClr>
-              </a:solidFill>
-              <a:effectLst>
-                <a:outerShdw blurRad="38100" dist="38100" dir="2700000" algn="tl">
-                  <a:srgbClr val="000000">
-                    <a:alpha val="43137"/>
-                  </a:srgbClr>
-                </a:outerShdw>
-              </a:effectLst>
-              <a:latin typeface="Consolas" panose="020B0609020204030204" pitchFamily="49" charset="0"/>
-              <a:cs typeface="Consolas" panose="020B0609020204030204" pitchFamily="49" charset="0"/>
-            </a:endParaRPr>
           </a:p>
           <a:p>
             <a:pPr marL="571500" indent="-571500">
@@ -5807,23 +6230,6 @@
               </a:rPr>
               <a:t>exercise-1, exercise-2, exercise-3, exercise-4</a:t>
             </a:r>
-            <a:endParaRPr lang="en-US" sz="4000" dirty="0" smtClean="0">
-              <a:solidFill>
-                <a:schemeClr val="accent4">
-                  <a:lumMod val="60000"/>
-                  <a:lumOff val="40000"/>
-                </a:schemeClr>
-              </a:solidFill>
-              <a:effectLst>
-                <a:outerShdw blurRad="38100" dist="38100" dir="2700000" algn="tl">
-                  <a:srgbClr val="000000">
-                    <a:alpha val="43137"/>
-                  </a:srgbClr>
-                </a:outerShdw>
-              </a:effectLst>
-              <a:latin typeface="Consolas" panose="020B0609020204030204" pitchFamily="49" charset="0"/>
-              <a:cs typeface="Consolas" panose="020B0609020204030204" pitchFamily="49" charset="0"/>
-            </a:endParaRPr>
           </a:p>
           <a:p>
             <a:pPr marL="571500" indent="-571500">
@@ -5914,16 +6320,6 @@
               </a:rPr>
               <a:t>!</a:t>
             </a:r>
-            <a:endParaRPr lang="en-US" sz="3500" dirty="0" smtClean="0">
-              <a:solidFill>
-                <a:schemeClr val="accent2">
-                  <a:lumMod val="60000"/>
-                  <a:lumOff val="40000"/>
-                </a:schemeClr>
-              </a:solidFill>
-              <a:latin typeface="Arial" panose="020B0604020202020204" pitchFamily="34" charset="0"/>
-              <a:cs typeface="Arial" panose="020B0604020202020204" pitchFamily="34" charset="0"/>
-            </a:endParaRPr>
           </a:p>
         </p:txBody>
       </p:sp>
@@ -6001,16 +6397,6 @@
               </a:rPr>
               <a:t>it’s a pattern!</a:t>
             </a:r>
-            <a:endParaRPr lang="en-US" sz="3500" dirty="0" smtClean="0">
-              <a:solidFill>
-                <a:schemeClr val="accent2">
-                  <a:lumMod val="60000"/>
-                  <a:lumOff val="40000"/>
-                </a:schemeClr>
-              </a:solidFill>
-              <a:latin typeface="Arial" panose="020B0604020202020204" pitchFamily="34" charset="0"/>
-              <a:cs typeface="Arial" panose="020B0604020202020204" pitchFamily="34" charset="0"/>
-            </a:endParaRPr>
           </a:p>
         </p:txBody>
       </p:sp>
@@ -6066,7 +6452,7 @@
 </p:sld>
 </file>
 
-<file path=ppt/slides/slide5.xml><?xml version="1.0" encoding="utf-8"?>
+<file path=ppt/slides/slide6.xml><?xml version="1.0" encoding="utf-8"?>
 <p:sld xmlns:a="http://schemas.openxmlformats.org/drawingml/2006/main" xmlns:r="http://schemas.openxmlformats.org/officeDocument/2006/relationships" xmlns:p="http://schemas.openxmlformats.org/presentationml/2006/main">
   <p:cSld>
     <p:spTree>
@@ -6186,13 +6572,6 @@
               </a:rPr>
               <a:t>Missing a step?</a:t>
             </a:r>
-            <a:endParaRPr lang="en-US" sz="5000" dirty="0" smtClean="0">
-              <a:solidFill>
-                <a:schemeClr val="bg1"/>
-              </a:solidFill>
-              <a:latin typeface="Times New Roman" panose="02020603050405020304" pitchFamily="18" charset="0"/>
-              <a:cs typeface="Times New Roman" panose="02020603050405020304" pitchFamily="18" charset="0"/>
-            </a:endParaRPr>
           </a:p>
           <a:p>
             <a:endParaRPr lang="en-US" sz="4000" dirty="0" smtClean="0">
@@ -6238,13 +6617,6 @@
               </a:rPr>
               <a:t>!</a:t>
             </a:r>
-            <a:endParaRPr lang="en-US" sz="4000" dirty="0" smtClean="0">
-              <a:solidFill>
-                <a:schemeClr val="bg1"/>
-              </a:solidFill>
-              <a:latin typeface="Times New Roman" panose="02020603050405020304" pitchFamily="18" charset="0"/>
-              <a:cs typeface="Times New Roman" panose="02020603050405020304" pitchFamily="18" charset="0"/>
-            </a:endParaRPr>
           </a:p>
           <a:p>
             <a:pPr marL="571500" indent="-571500">
@@ -6265,485 +6637,6 @@
     <p:extLst>
       <p:ext uri="{BB962C8B-B14F-4D97-AF65-F5344CB8AC3E}">
         <p14:creationId xmlns:p14="http://schemas.microsoft.com/office/powerpoint/2010/main" val="3587951375"/>
-      </p:ext>
-    </p:extLst>
-  </p:cSld>
-  <p:clrMapOvr>
-    <a:masterClrMapping/>
-  </p:clrMapOvr>
-</p:sld>
-</file>
-
-<file path=ppt/slides/slide6.xml><?xml version="1.0" encoding="utf-8"?>
-<p:sld xmlns:a="http://schemas.openxmlformats.org/drawingml/2006/main" xmlns:r="http://schemas.openxmlformats.org/officeDocument/2006/relationships" xmlns:p="http://schemas.openxmlformats.org/presentationml/2006/main">
-  <p:cSld>
-    <p:spTree>
-      <p:nvGrpSpPr>
-        <p:cNvPr id="1" name=""/>
-        <p:cNvGrpSpPr/>
-        <p:nvPr/>
-      </p:nvGrpSpPr>
-      <p:grpSpPr>
-        <a:xfrm>
-          <a:off x="0" y="0"/>
-          <a:ext cx="0" cy="0"/>
-          <a:chOff x="0" y="0"/>
-          <a:chExt cx="0" cy="0"/>
-        </a:xfrm>
-      </p:grpSpPr>
-      <p:sp>
-        <p:nvSpPr>
-          <p:cNvPr id="4" name="TextBox 3"/>
-          <p:cNvSpPr txBox="1"/>
-          <p:nvPr/>
-        </p:nvSpPr>
-        <p:spPr>
-          <a:xfrm>
-            <a:off x="0" y="-1"/>
-            <a:ext cx="12192000" cy="6858000"/>
-          </a:xfrm>
-          <a:prstGeom prst="rect">
-            <a:avLst/>
-          </a:prstGeom>
-          <a:solidFill>
-            <a:srgbClr val="004376"/>
-          </a:solidFill>
-        </p:spPr>
-        <p:txBody>
-          <a:bodyPr wrap="square" rtlCol="0">
-            <a:noAutofit/>
-          </a:bodyPr>
-          <a:lstStyle/>
-          <a:p>
-            <a:endParaRPr lang="en-US" sz="10000" b="1" dirty="0" smtClean="0">
-              <a:latin typeface="Cambria" panose="02040503050406030204" pitchFamily="18" charset="0"/>
-            </a:endParaRPr>
-          </a:p>
-        </p:txBody>
-      </p:sp>
-      <p:sp>
-        <p:nvSpPr>
-          <p:cNvPr id="8" name="TextBox 7"/>
-          <p:cNvSpPr txBox="1"/>
-          <p:nvPr/>
-        </p:nvSpPr>
-        <p:spPr>
-          <a:xfrm>
-            <a:off x="643887" y="107576"/>
-            <a:ext cx="5649337" cy="1837765"/>
-          </a:xfrm>
-          <a:prstGeom prst="rect">
-            <a:avLst/>
-          </a:prstGeom>
-          <a:noFill/>
-        </p:spPr>
-        <p:txBody>
-          <a:bodyPr wrap="square" rtlCol="0">
-            <a:noAutofit/>
-          </a:bodyPr>
-          <a:lstStyle/>
-          <a:p>
-            <a:r>
-              <a:rPr lang="en-US" sz="7000" b="1" dirty="0" smtClean="0">
-                <a:solidFill>
-                  <a:schemeClr val="bg1"/>
-                </a:solidFill>
-                <a:latin typeface="Cambria" panose="02040503050406030204" pitchFamily="18" charset="0"/>
-              </a:rPr>
-              <a:t>Exercise #1 </a:t>
-            </a:r>
-            <a:endParaRPr lang="en-US" sz="7000" b="1" dirty="0" smtClean="0">
-              <a:solidFill>
-                <a:schemeClr val="bg1"/>
-              </a:solidFill>
-              <a:latin typeface="Cambria" panose="02040503050406030204" pitchFamily="18" charset="0"/>
-            </a:endParaRPr>
-          </a:p>
-        </p:txBody>
-      </p:sp>
-      <p:sp>
-        <p:nvSpPr>
-          <p:cNvPr id="5" name="TextBox 4"/>
-          <p:cNvSpPr txBox="1"/>
-          <p:nvPr/>
-        </p:nvSpPr>
-        <p:spPr>
-          <a:xfrm>
-            <a:off x="0" y="2286001"/>
-            <a:ext cx="12192000" cy="4572000"/>
-          </a:xfrm>
-          <a:prstGeom prst="rect">
-            <a:avLst/>
-          </a:prstGeom>
-          <a:solidFill>
-            <a:srgbClr val="322D5D"/>
-          </a:solidFill>
-        </p:spPr>
-        <p:txBody>
-          <a:bodyPr wrap="square" rtlCol="0">
-            <a:noAutofit/>
-          </a:bodyPr>
-          <a:lstStyle/>
-          <a:p>
-            <a:endParaRPr lang="en-US" sz="10000" b="1" dirty="0" smtClean="0">
-              <a:latin typeface="Cambria" panose="02040503050406030204" pitchFamily="18" charset="0"/>
-            </a:endParaRPr>
-          </a:p>
-        </p:txBody>
-      </p:sp>
-      <p:sp>
-        <p:nvSpPr>
-          <p:cNvPr id="6" name="TextBox 5"/>
-          <p:cNvSpPr txBox="1"/>
-          <p:nvPr/>
-        </p:nvSpPr>
-        <p:spPr>
-          <a:xfrm>
-            <a:off x="403411" y="1344706"/>
-            <a:ext cx="11385177" cy="779929"/>
-          </a:xfrm>
-          <a:prstGeom prst="rect">
-            <a:avLst/>
-          </a:prstGeom>
-          <a:noFill/>
-        </p:spPr>
-        <p:txBody>
-          <a:bodyPr wrap="square" rtlCol="0">
-            <a:noAutofit/>
-          </a:bodyPr>
-          <a:lstStyle/>
-          <a:p>
-            <a:r>
-              <a:rPr lang="it-IT" sz="4000" b="1" dirty="0" smtClean="0">
-                <a:solidFill>
-                  <a:schemeClr val="accent4">
-                    <a:lumMod val="60000"/>
-                    <a:lumOff val="40000"/>
-                  </a:schemeClr>
-                </a:solidFill>
-                <a:effectLst>
-                  <a:outerShdw blurRad="38100" dist="38100" dir="2700000" algn="tl">
-                    <a:srgbClr val="000000">
-                      <a:alpha val="43137"/>
-                    </a:srgbClr>
-                  </a:outerShdw>
-                </a:effectLst>
-                <a:latin typeface="Times New Roman" panose="02020603050405020304" pitchFamily="18" charset="0"/>
-                <a:cs typeface="Times New Roman" panose="02020603050405020304" pitchFamily="18" charset="0"/>
-              </a:rPr>
-              <a:t>TODO</a:t>
-            </a:r>
-            <a:r>
-              <a:rPr lang="it-IT" sz="4000" dirty="0" smtClean="0">
-                <a:solidFill>
-                  <a:schemeClr val="accent4">
-                    <a:lumMod val="60000"/>
-                    <a:lumOff val="40000"/>
-                  </a:schemeClr>
-                </a:solidFill>
-                <a:effectLst>
-                  <a:outerShdw blurRad="38100" dist="38100" dir="2700000" algn="tl">
-                    <a:srgbClr val="000000">
-                      <a:alpha val="43137"/>
-                    </a:srgbClr>
-                  </a:outerShdw>
-                </a:effectLst>
-                <a:latin typeface="Times New Roman" panose="02020603050405020304" pitchFamily="18" charset="0"/>
-                <a:cs typeface="Times New Roman" panose="02020603050405020304" pitchFamily="18" charset="0"/>
-              </a:rPr>
-              <a:t>:</a:t>
-            </a:r>
-            <a:r>
-              <a:rPr lang="it-IT" sz="4000" dirty="0" smtClean="0">
-                <a:solidFill>
-                  <a:schemeClr val="bg1"/>
-                </a:solidFill>
-                <a:effectLst>
-                  <a:outerShdw blurRad="38100" dist="38100" dir="2700000" algn="tl">
-                    <a:srgbClr val="000000">
-                      <a:alpha val="43137"/>
-                    </a:srgbClr>
-                  </a:outerShdw>
-                </a:effectLst>
-                <a:latin typeface="Times New Roman" panose="02020603050405020304" pitchFamily="18" charset="0"/>
-                <a:cs typeface="Times New Roman" panose="02020603050405020304" pitchFamily="18" charset="0"/>
-              </a:rPr>
-              <a:t> create </a:t>
-            </a:r>
-            <a:r>
-              <a:rPr lang="it-IT" sz="4000" dirty="0">
-                <a:solidFill>
-                  <a:schemeClr val="bg1"/>
-                </a:solidFill>
-                <a:effectLst>
-                  <a:outerShdw blurRad="38100" dist="38100" dir="2700000" algn="tl">
-                    <a:srgbClr val="000000">
-                      <a:alpha val="43137"/>
-                    </a:srgbClr>
-                  </a:outerShdw>
-                </a:effectLst>
-                <a:latin typeface="Times New Roman" panose="02020603050405020304" pitchFamily="18" charset="0"/>
-                <a:cs typeface="Times New Roman" panose="02020603050405020304" pitchFamily="18" charset="0"/>
-              </a:rPr>
-              <a:t>a movie profile page</a:t>
-            </a:r>
-            <a:endParaRPr lang="en-US" sz="4000" dirty="0" smtClean="0">
-              <a:solidFill>
-                <a:schemeClr val="bg1"/>
-              </a:solidFill>
-              <a:effectLst>
-                <a:outerShdw blurRad="38100" dist="38100" dir="2700000" algn="tl">
-                  <a:srgbClr val="000000">
-                    <a:alpha val="43137"/>
-                  </a:srgbClr>
-                </a:outerShdw>
-              </a:effectLst>
-              <a:latin typeface="Times New Roman" panose="02020603050405020304" pitchFamily="18" charset="0"/>
-              <a:cs typeface="Times New Roman" panose="02020603050405020304" pitchFamily="18" charset="0"/>
-            </a:endParaRPr>
-          </a:p>
-          <a:p>
-            <a:endParaRPr lang="en-US" sz="4000" dirty="0" smtClean="0">
-              <a:solidFill>
-                <a:schemeClr val="bg1"/>
-              </a:solidFill>
-              <a:latin typeface="Times New Roman" panose="02020603050405020304" pitchFamily="18" charset="0"/>
-              <a:cs typeface="Times New Roman" panose="02020603050405020304" pitchFamily="18" charset="0"/>
-            </a:endParaRPr>
-          </a:p>
-        </p:txBody>
-      </p:sp>
-      <p:sp>
-        <p:nvSpPr>
-          <p:cNvPr id="7" name="TextBox 6"/>
-          <p:cNvSpPr txBox="1"/>
-          <p:nvPr/>
-        </p:nvSpPr>
-        <p:spPr>
-          <a:xfrm>
-            <a:off x="313764" y="2649070"/>
-            <a:ext cx="11385177" cy="3294530"/>
-          </a:xfrm>
-          <a:prstGeom prst="rect">
-            <a:avLst/>
-          </a:prstGeom>
-          <a:noFill/>
-        </p:spPr>
-        <p:txBody>
-          <a:bodyPr wrap="square" rtlCol="0">
-            <a:noAutofit/>
-          </a:bodyPr>
-          <a:lstStyle/>
-          <a:p>
-            <a:pPr marL="685800" indent="-685800">
-              <a:spcBef>
-                <a:spcPts val="600"/>
-              </a:spcBef>
-              <a:buFont typeface="Arial" panose="020B0604020202020204" pitchFamily="34" charset="0"/>
-              <a:buChar char="•"/>
-            </a:pPr>
-            <a:r>
-              <a:rPr lang="en-US" sz="5000" dirty="0" smtClean="0">
-                <a:solidFill>
-                  <a:schemeClr val="bg1"/>
-                </a:solidFill>
-                <a:latin typeface="Times New Roman" panose="02020603050405020304" pitchFamily="18" charset="0"/>
-                <a:cs typeface="Times New Roman" panose="02020603050405020304" pitchFamily="18" charset="0"/>
-              </a:rPr>
-              <a:t>remember how to </a:t>
-            </a:r>
-            <a:r>
-              <a:rPr lang="en-US" sz="5000" dirty="0" smtClean="0">
-                <a:solidFill>
-                  <a:schemeClr val="accent4">
-                    <a:lumMod val="60000"/>
-                    <a:lumOff val="40000"/>
-                  </a:schemeClr>
-                </a:solidFill>
-                <a:effectLst>
-                  <a:outerShdw blurRad="38100" dist="38100" dir="2700000" algn="tl">
-                    <a:srgbClr val="000000">
-                      <a:alpha val="43137"/>
-                    </a:srgbClr>
-                  </a:outerShdw>
-                </a:effectLst>
-                <a:latin typeface="Times New Roman" panose="02020603050405020304" pitchFamily="18" charset="0"/>
-                <a:cs typeface="Times New Roman" panose="02020603050405020304" pitchFamily="18" charset="0"/>
-              </a:rPr>
-              <a:t>unwrap a promise</a:t>
-            </a:r>
-            <a:r>
-              <a:rPr lang="en-US" sz="5000" dirty="0" smtClean="0">
-                <a:solidFill>
-                  <a:schemeClr val="bg1"/>
-                </a:solidFill>
-                <a:latin typeface="Times New Roman" panose="02020603050405020304" pitchFamily="18" charset="0"/>
-                <a:cs typeface="Times New Roman" panose="02020603050405020304" pitchFamily="18" charset="0"/>
-              </a:rPr>
-              <a:t>? we’ll review that quickly…</a:t>
-            </a:r>
-          </a:p>
-          <a:p>
-            <a:pPr marL="685800" indent="-685800">
-              <a:spcBef>
-                <a:spcPts val="600"/>
-              </a:spcBef>
-              <a:buFont typeface="Arial" panose="020B0604020202020204" pitchFamily="34" charset="0"/>
-              <a:buChar char="•"/>
-            </a:pPr>
-            <a:r>
-              <a:rPr lang="en-US" sz="5000" dirty="0" smtClean="0">
-                <a:solidFill>
-                  <a:schemeClr val="bg1"/>
-                </a:solidFill>
-                <a:latin typeface="Times New Roman" panose="02020603050405020304" pitchFamily="18" charset="0"/>
-                <a:cs typeface="Times New Roman" panose="02020603050405020304" pitchFamily="18" charset="0"/>
-              </a:rPr>
-              <a:t>then we get to work on </a:t>
-            </a:r>
-            <a:r>
-              <a:rPr lang="en-US" sz="5000" dirty="0" smtClean="0">
-                <a:solidFill>
-                  <a:schemeClr val="accent4">
-                    <a:lumMod val="60000"/>
-                    <a:lumOff val="40000"/>
-                  </a:schemeClr>
-                </a:solidFill>
-                <a:effectLst>
-                  <a:outerShdw blurRad="38100" dist="38100" dir="2700000" algn="tl">
-                    <a:srgbClr val="000000">
-                      <a:alpha val="43137"/>
-                    </a:srgbClr>
-                  </a:outerShdw>
-                </a:effectLst>
-                <a:latin typeface="Times New Roman" panose="02020603050405020304" pitchFamily="18" charset="0"/>
-                <a:cs typeface="Times New Roman" panose="02020603050405020304" pitchFamily="18" charset="0"/>
-              </a:rPr>
-              <a:t>calling the </a:t>
-            </a:r>
-            <a:r>
-              <a:rPr lang="en-US" sz="5000" dirty="0" err="1" smtClean="0">
-                <a:solidFill>
-                  <a:schemeClr val="accent4">
-                    <a:lumMod val="60000"/>
-                    <a:lumOff val="40000"/>
-                  </a:schemeClr>
-                </a:solidFill>
-                <a:effectLst>
-                  <a:outerShdw blurRad="38100" dist="38100" dir="2700000" algn="tl">
-                    <a:srgbClr val="000000">
-                      <a:alpha val="43137"/>
-                    </a:srgbClr>
-                  </a:outerShdw>
-                </a:effectLst>
-                <a:latin typeface="Times New Roman" panose="02020603050405020304" pitchFamily="18" charset="0"/>
-                <a:cs typeface="Times New Roman" panose="02020603050405020304" pitchFamily="18" charset="0"/>
-              </a:rPr>
-              <a:t>omdb</a:t>
-            </a:r>
-            <a:r>
-              <a:rPr lang="en-US" sz="5000" dirty="0" smtClean="0">
-                <a:solidFill>
-                  <a:schemeClr val="accent4">
-                    <a:lumMod val="60000"/>
-                    <a:lumOff val="40000"/>
-                  </a:schemeClr>
-                </a:solidFill>
-                <a:effectLst>
-                  <a:outerShdw blurRad="38100" dist="38100" dir="2700000" algn="tl">
-                    <a:srgbClr val="000000">
-                      <a:alpha val="43137"/>
-                    </a:srgbClr>
-                  </a:outerShdw>
-                </a:effectLst>
-                <a:latin typeface="Times New Roman" panose="02020603050405020304" pitchFamily="18" charset="0"/>
-                <a:cs typeface="Times New Roman" panose="02020603050405020304" pitchFamily="18" charset="0"/>
-              </a:rPr>
-              <a:t> API </a:t>
-            </a:r>
-            <a:r>
-              <a:rPr lang="en-US" sz="5000" dirty="0" smtClean="0">
-                <a:solidFill>
-                  <a:schemeClr val="bg1"/>
-                </a:solidFill>
-                <a:latin typeface="Times New Roman" panose="02020603050405020304" pitchFamily="18" charset="0"/>
-                <a:cs typeface="Times New Roman" panose="02020603050405020304" pitchFamily="18" charset="0"/>
-              </a:rPr>
-              <a:t>and </a:t>
-            </a:r>
-            <a:r>
-              <a:rPr lang="en-US" sz="5000" dirty="0" smtClean="0">
-                <a:solidFill>
-                  <a:schemeClr val="accent4">
-                    <a:lumMod val="60000"/>
-                    <a:lumOff val="40000"/>
-                  </a:schemeClr>
-                </a:solidFill>
-                <a:effectLst>
-                  <a:outerShdw blurRad="38100" dist="38100" dir="2700000" algn="tl">
-                    <a:srgbClr val="000000">
-                      <a:alpha val="43137"/>
-                    </a:srgbClr>
-                  </a:outerShdw>
-                </a:effectLst>
-                <a:latin typeface="Times New Roman" panose="02020603050405020304" pitchFamily="18" charset="0"/>
-                <a:cs typeface="Times New Roman" panose="02020603050405020304" pitchFamily="18" charset="0"/>
-              </a:rPr>
-              <a:t>displaying the results</a:t>
-            </a:r>
-            <a:endParaRPr lang="en-US" sz="5000" dirty="0" smtClean="0">
-              <a:solidFill>
-                <a:schemeClr val="bg1"/>
-              </a:solidFill>
-              <a:effectLst>
-                <a:outerShdw blurRad="38100" dist="38100" dir="2700000" algn="tl">
-                  <a:srgbClr val="000000">
-                    <a:alpha val="43137"/>
-                  </a:srgbClr>
-                </a:outerShdw>
-              </a:effectLst>
-              <a:latin typeface="Times New Roman" panose="02020603050405020304" pitchFamily="18" charset="0"/>
-              <a:cs typeface="Times New Roman" panose="02020603050405020304" pitchFamily="18" charset="0"/>
-            </a:endParaRPr>
-          </a:p>
-          <a:p>
-            <a:pPr marL="571500" indent="-571500">
-              <a:spcBef>
-                <a:spcPts val="600"/>
-              </a:spcBef>
-              <a:buFont typeface="Arial" panose="020B0604020202020204" pitchFamily="34" charset="0"/>
-              <a:buChar char="•"/>
-            </a:pPr>
-            <a:endParaRPr lang="en-US" sz="4000" dirty="0" smtClean="0">
-              <a:solidFill>
-                <a:schemeClr val="bg1"/>
-              </a:solidFill>
-              <a:latin typeface="Times New Roman" panose="02020603050405020304" pitchFamily="18" charset="0"/>
-              <a:cs typeface="Times New Roman" panose="02020603050405020304" pitchFamily="18" charset="0"/>
-            </a:endParaRPr>
-          </a:p>
-          <a:p>
-            <a:pPr marL="571500" indent="-571500">
-              <a:spcBef>
-                <a:spcPts val="600"/>
-              </a:spcBef>
-              <a:buFont typeface="Arial" panose="020B0604020202020204" pitchFamily="34" charset="0"/>
-              <a:buChar char="•"/>
-            </a:pPr>
-            <a:endParaRPr lang="en-US" sz="4000" dirty="0" smtClean="0">
-              <a:solidFill>
-                <a:schemeClr val="bg1"/>
-              </a:solidFill>
-              <a:latin typeface="Times New Roman" panose="02020603050405020304" pitchFamily="18" charset="0"/>
-              <a:cs typeface="Times New Roman" panose="02020603050405020304" pitchFamily="18" charset="0"/>
-            </a:endParaRPr>
-          </a:p>
-        </p:txBody>
-      </p:sp>
-    </p:spTree>
-    <p:extLst>
-      <p:ext uri="{BB962C8B-B14F-4D97-AF65-F5344CB8AC3E}">
-        <p14:creationId xmlns:p14="http://schemas.microsoft.com/office/powerpoint/2010/main" val="1968153279"/>
       </p:ext>
     </p:extLst>
   </p:cSld>
@@ -6785,7 +6678,7 @@
             <a:avLst/>
           </a:prstGeom>
           <a:solidFill>
-            <a:srgbClr val="322D5D"/>
+            <a:srgbClr val="004376"/>
           </a:solidFill>
         </p:spPr>
         <p:txBody>
@@ -6800,47 +6693,70 @@
           </a:p>
         </p:txBody>
       </p:sp>
-      <p:pic>
-        <p:nvPicPr>
-          <p:cNvPr id="5122" name="Picture 2" descr="Image result for batman robin running"/>
-          <p:cNvPicPr>
-            <a:picLocks noChangeAspect="1" noChangeArrowheads="1"/>
-          </p:cNvPicPr>
+      <p:sp>
+        <p:nvSpPr>
+          <p:cNvPr id="8" name="TextBox 7"/>
+          <p:cNvSpPr txBox="1"/>
           <p:nvPr/>
-        </p:nvPicPr>
-        <p:blipFill>
-          <a:blip r:embed="rId2">
-            <a:extLst>
-              <a:ext uri="{28A0092B-C50C-407E-A947-70E740481C1C}">
-                <a14:useLocalDpi xmlns:a14="http://schemas.microsoft.com/office/drawing/2010/main" val="0"/>
-              </a:ext>
-            </a:extLst>
-          </a:blip>
-          <a:srcRect/>
-          <a:stretch>
-            <a:fillRect/>
-          </a:stretch>
-        </p:blipFill>
-        <p:spPr bwMode="auto">
-          <a:xfrm>
-            <a:off x="923827" y="-3"/>
-            <a:ext cx="10064453" cy="6822739"/>
+        </p:nvSpPr>
+        <p:spPr>
+          <a:xfrm>
+            <a:off x="643887" y="107576"/>
+            <a:ext cx="5649337" cy="1837765"/>
           </a:xfrm>
           <a:prstGeom prst="rect">
             <a:avLst/>
           </a:prstGeom>
           <a:noFill/>
-          <a:extLst>
-            <a:ext uri="{909E8E84-426E-40DD-AFC4-6F175D3DCCD1}">
-              <a14:hiddenFill xmlns:a14="http://schemas.microsoft.com/office/drawing/2010/main">
-                <a:solidFill>
-                  <a:srgbClr val="FFFFFF"/>
-                </a:solidFill>
-              </a14:hiddenFill>
-            </a:ext>
-          </a:extLst>
-        </p:spPr>
-      </p:pic>
+        </p:spPr>
+        <p:txBody>
+          <a:bodyPr wrap="square" rtlCol="0">
+            <a:noAutofit/>
+          </a:bodyPr>
+          <a:lstStyle/>
+          <a:p>
+            <a:r>
+              <a:rPr lang="en-US" sz="7000" b="1" dirty="0" smtClean="0">
+                <a:solidFill>
+                  <a:schemeClr val="bg1"/>
+                </a:solidFill>
+                <a:latin typeface="Cambria" panose="02040503050406030204" pitchFamily="18" charset="0"/>
+              </a:rPr>
+              <a:t>Exercise #1 </a:t>
+            </a:r>
+          </a:p>
+        </p:txBody>
+      </p:sp>
+      <p:sp>
+        <p:nvSpPr>
+          <p:cNvPr id="5" name="TextBox 4"/>
+          <p:cNvSpPr txBox="1"/>
+          <p:nvPr/>
+        </p:nvSpPr>
+        <p:spPr>
+          <a:xfrm>
+            <a:off x="0" y="2286001"/>
+            <a:ext cx="12192000" cy="4572000"/>
+          </a:xfrm>
+          <a:prstGeom prst="rect">
+            <a:avLst/>
+          </a:prstGeom>
+          <a:solidFill>
+            <a:srgbClr val="322D5D"/>
+          </a:solidFill>
+        </p:spPr>
+        <p:txBody>
+          <a:bodyPr wrap="square" rtlCol="0">
+            <a:noAutofit/>
+          </a:bodyPr>
+          <a:lstStyle/>
+          <a:p>
+            <a:endParaRPr lang="en-US" sz="10000" b="1" dirty="0" smtClean="0">
+              <a:latin typeface="Cambria" panose="02040503050406030204" pitchFamily="18" charset="0"/>
+            </a:endParaRPr>
+          </a:p>
+        </p:txBody>
+      </p:sp>
       <p:sp>
         <p:nvSpPr>
           <p:cNvPr id="6" name="TextBox 5"/>
@@ -6849,8 +6765,8 @@
         </p:nvSpPr>
         <p:spPr>
           <a:xfrm>
-            <a:off x="3919284" y="742988"/>
-            <a:ext cx="3847801" cy="779929"/>
+            <a:off x="403411" y="1344706"/>
+            <a:ext cx="11385177" cy="779929"/>
           </a:xfrm>
           <a:prstGeom prst="rect">
             <a:avLst/>
@@ -6864,158 +6780,96 @@
           <a:lstStyle/>
           <a:p>
             <a:r>
-              <a:rPr lang="en-US" sz="4700" b="1" dirty="0" smtClean="0">
-                <a:latin typeface="Times New Roman" panose="02020603050405020304" pitchFamily="18" charset="0"/>
-                <a:cs typeface="Times New Roman" panose="02020603050405020304" pitchFamily="18" charset="0"/>
-              </a:rPr>
-              <a:t>To the repo!</a:t>
-            </a:r>
-            <a:endParaRPr lang="en-US" sz="4700" b="1" dirty="0" smtClean="0">
-              <a:latin typeface="Times New Roman" panose="02020603050405020304" pitchFamily="18" charset="0"/>
-              <a:cs typeface="Times New Roman" panose="02020603050405020304" pitchFamily="18" charset="0"/>
-            </a:endParaRPr>
-          </a:p>
-          <a:p>
-            <a:endParaRPr lang="en-US" sz="4700" b="1" dirty="0" smtClean="0">
-              <a:latin typeface="Times New Roman" panose="02020603050405020304" pitchFamily="18" charset="0"/>
-              <a:cs typeface="Times New Roman" panose="02020603050405020304" pitchFamily="18" charset="0"/>
-            </a:endParaRPr>
-          </a:p>
-        </p:txBody>
-      </p:sp>
-      <p:sp>
-        <p:nvSpPr>
-          <p:cNvPr id="9" name="TextBox 8"/>
-          <p:cNvSpPr txBox="1"/>
-          <p:nvPr/>
-        </p:nvSpPr>
-        <p:spPr>
-          <a:xfrm>
-            <a:off x="0" y="4195482"/>
-            <a:ext cx="12192000" cy="2289235"/>
-          </a:xfrm>
-          <a:prstGeom prst="rect">
-            <a:avLst/>
-          </a:prstGeom>
-          <a:solidFill>
-            <a:srgbClr val="000000">
-              <a:alpha val="69804"/>
-            </a:srgbClr>
-          </a:solidFill>
-        </p:spPr>
-        <p:txBody>
-          <a:bodyPr wrap="square" rtlCol="0">
-            <a:noAutofit/>
-          </a:bodyPr>
-          <a:lstStyle/>
-          <a:p>
-            <a:pPr algn="ctr">
-              <a:spcBef>
-                <a:spcPts val="1200"/>
-              </a:spcBef>
-              <a:spcAft>
-                <a:spcPts val="600"/>
-              </a:spcAft>
-            </a:pPr>
-            <a:r>
-              <a:rPr lang="en-US" sz="4000" b="1" dirty="0" smtClean="0">
-                <a:solidFill>
-                  <a:schemeClr val="accent2">
-                    <a:lumMod val="20000"/>
-                    <a:lumOff val="80000"/>
-                  </a:schemeClr>
-                </a:solidFill>
-                <a:latin typeface="Consolas" panose="020B0609020204030204" pitchFamily="49" charset="0"/>
-                <a:cs typeface="Consolas" panose="020B0609020204030204" pitchFamily="49" charset="0"/>
-              </a:rPr>
-              <a:t>github.com</a:t>
-            </a:r>
-            <a:r>
-              <a:rPr lang="en-US" sz="4000" b="1" dirty="0" smtClean="0">
-                <a:solidFill>
-                  <a:schemeClr val="accent2">
-                    <a:lumMod val="60000"/>
-                    <a:lumOff val="40000"/>
-                  </a:schemeClr>
-                </a:solidFill>
-                <a:latin typeface="Consolas" panose="020B0609020204030204" pitchFamily="49" charset="0"/>
-                <a:cs typeface="Consolas" panose="020B0609020204030204" pitchFamily="49" charset="0"/>
-              </a:rPr>
-              <a:t>/</a:t>
-            </a:r>
-            <a:r>
-              <a:rPr lang="en-US" sz="4000" b="1" dirty="0" err="1" smtClean="0">
-                <a:solidFill>
-                  <a:schemeClr val="accent2">
-                    <a:lumMod val="60000"/>
-                    <a:lumOff val="40000"/>
-                  </a:schemeClr>
-                </a:solidFill>
-                <a:latin typeface="Consolas" panose="020B0609020204030204" pitchFamily="49" charset="0"/>
-                <a:cs typeface="Consolas" panose="020B0609020204030204" pitchFamily="49" charset="0"/>
-              </a:rPr>
-              <a:t>joeldevlearning</a:t>
-            </a:r>
-            <a:endParaRPr lang="en-US" sz="4000" b="1" dirty="0">
-              <a:solidFill>
-                <a:schemeClr val="accent2">
-                  <a:lumMod val="60000"/>
-                  <a:lumOff val="40000"/>
-                </a:schemeClr>
-              </a:solidFill>
-              <a:latin typeface="Consolas" panose="020B0609020204030204" pitchFamily="49" charset="0"/>
-              <a:cs typeface="Consolas" panose="020B0609020204030204" pitchFamily="49" charset="0"/>
-            </a:endParaRPr>
-          </a:p>
-          <a:p>
-            <a:pPr algn="ctr">
-              <a:spcBef>
-                <a:spcPts val="1200"/>
-              </a:spcBef>
-              <a:spcAft>
-                <a:spcPts val="600"/>
-              </a:spcAft>
-            </a:pPr>
-            <a:r>
-              <a:rPr lang="en-US" sz="4000" b="1" dirty="0">
+              <a:rPr lang="it-IT" sz="4000" b="1" dirty="0" smtClean="0">
                 <a:solidFill>
                   <a:schemeClr val="accent4">
                     <a:lumMod val="60000"/>
                     <a:lumOff val="40000"/>
                   </a:schemeClr>
                 </a:solidFill>
-                <a:latin typeface="Consolas" panose="020B0609020204030204" pitchFamily="49" charset="0"/>
-                <a:cs typeface="Consolas" panose="020B0609020204030204" pitchFamily="49" charset="0"/>
-              </a:rPr>
-              <a:t>/</a:t>
-            </a:r>
-            <a:r>
-              <a:rPr lang="en-US" sz="4000" b="1" dirty="0" smtClean="0">
+                <a:effectLst>
+                  <a:outerShdw blurRad="38100" dist="38100" dir="2700000" algn="tl">
+                    <a:srgbClr val="000000">
+                      <a:alpha val="43137"/>
+                    </a:srgbClr>
+                  </a:outerShdw>
+                </a:effectLst>
+                <a:latin typeface="Times New Roman" panose="02020603050405020304" pitchFamily="18" charset="0"/>
+                <a:cs typeface="Times New Roman" panose="02020603050405020304" pitchFamily="18" charset="0"/>
+              </a:rPr>
+              <a:t>TODO</a:t>
+            </a:r>
+            <a:r>
+              <a:rPr lang="it-IT" sz="4000" dirty="0" smtClean="0">
                 <a:solidFill>
                   <a:schemeClr val="accent4">
                     <a:lumMod val="60000"/>
                     <a:lumOff val="40000"/>
                   </a:schemeClr>
                 </a:solidFill>
-                <a:latin typeface="Consolas" panose="020B0609020204030204" pitchFamily="49" charset="0"/>
-                <a:cs typeface="Consolas" panose="020B0609020204030204" pitchFamily="49" charset="0"/>
-              </a:rPr>
-              <a:t>javascript-3/exercise-1</a:t>
-            </a:r>
-            <a:endParaRPr lang="en-US" sz="4000" b="1" dirty="0">
+                <a:effectLst>
+                  <a:outerShdw blurRad="38100" dist="38100" dir="2700000" algn="tl">
+                    <a:srgbClr val="000000">
+                      <a:alpha val="43137"/>
+                    </a:srgbClr>
+                  </a:outerShdw>
+                </a:effectLst>
+                <a:latin typeface="Times New Roman" panose="02020603050405020304" pitchFamily="18" charset="0"/>
+                <a:cs typeface="Times New Roman" panose="02020603050405020304" pitchFamily="18" charset="0"/>
+              </a:rPr>
+              <a:t>:</a:t>
+            </a:r>
+            <a:r>
+              <a:rPr lang="it-IT" sz="4000" dirty="0" smtClean="0">
+                <a:solidFill>
+                  <a:schemeClr val="bg1"/>
+                </a:solidFill>
+                <a:effectLst>
+                  <a:outerShdw blurRad="38100" dist="38100" dir="2700000" algn="tl">
+                    <a:srgbClr val="000000">
+                      <a:alpha val="43137"/>
+                    </a:srgbClr>
+                  </a:outerShdw>
+                </a:effectLst>
+                <a:latin typeface="Times New Roman" panose="02020603050405020304" pitchFamily="18" charset="0"/>
+                <a:cs typeface="Times New Roman" panose="02020603050405020304" pitchFamily="18" charset="0"/>
+              </a:rPr>
+              <a:t> create </a:t>
+            </a:r>
+            <a:r>
+              <a:rPr lang="it-IT" sz="4000" dirty="0">
+                <a:solidFill>
+                  <a:schemeClr val="bg1"/>
+                </a:solidFill>
+                <a:effectLst>
+                  <a:outerShdw blurRad="38100" dist="38100" dir="2700000" algn="tl">
+                    <a:srgbClr val="000000">
+                      <a:alpha val="43137"/>
+                    </a:srgbClr>
+                  </a:outerShdw>
+                </a:effectLst>
+                <a:latin typeface="Times New Roman" panose="02020603050405020304" pitchFamily="18" charset="0"/>
+                <a:cs typeface="Times New Roman" panose="02020603050405020304" pitchFamily="18" charset="0"/>
+              </a:rPr>
+              <a:t>a movie profile page</a:t>
+            </a:r>
+            <a:endParaRPr lang="en-US" sz="4000" dirty="0" smtClean="0">
               <a:solidFill>
-                <a:schemeClr val="accent4">
-                  <a:lumMod val="60000"/>
-                  <a:lumOff val="40000"/>
-                </a:schemeClr>
+                <a:schemeClr val="bg1"/>
               </a:solidFill>
-              <a:latin typeface="Consolas" panose="020B0609020204030204" pitchFamily="49" charset="0"/>
-              <a:cs typeface="Consolas" panose="020B0609020204030204" pitchFamily="49" charset="0"/>
+              <a:effectLst>
+                <a:outerShdw blurRad="38100" dist="38100" dir="2700000" algn="tl">
+                  <a:srgbClr val="000000">
+                    <a:alpha val="43137"/>
+                  </a:srgbClr>
+                </a:outerShdw>
+              </a:effectLst>
+              <a:latin typeface="Times New Roman" panose="02020603050405020304" pitchFamily="18" charset="0"/>
+              <a:cs typeface="Times New Roman" panose="02020603050405020304" pitchFamily="18" charset="0"/>
             </a:endParaRPr>
           </a:p>
           <a:p>
-            <a:pPr algn="ctr"/>
-            <a:endParaRPr lang="en-US" sz="4700" b="1" dirty="0" smtClean="0">
+            <a:endParaRPr lang="en-US" sz="4000" dirty="0" smtClean="0">
               <a:solidFill>
                 <a:schemeClr val="bg1"/>
               </a:solidFill>
@@ -7025,10 +6879,237 @@
           </a:p>
         </p:txBody>
       </p:sp>
+      <p:sp>
+        <p:nvSpPr>
+          <p:cNvPr id="7" name="TextBox 6"/>
+          <p:cNvSpPr txBox="1"/>
+          <p:nvPr/>
+        </p:nvSpPr>
+        <p:spPr>
+          <a:xfrm>
+            <a:off x="313764" y="2649070"/>
+            <a:ext cx="11385177" cy="3294530"/>
+          </a:xfrm>
+          <a:prstGeom prst="rect">
+            <a:avLst/>
+          </a:prstGeom>
+          <a:noFill/>
+        </p:spPr>
+        <p:txBody>
+          <a:bodyPr wrap="square" rtlCol="0">
+            <a:noAutofit/>
+          </a:bodyPr>
+          <a:lstStyle/>
+          <a:p>
+            <a:pPr marL="685800" indent="-685800">
+              <a:spcBef>
+                <a:spcPts val="600"/>
+              </a:spcBef>
+              <a:buFont typeface="Arial" panose="020B0604020202020204" pitchFamily="34" charset="0"/>
+              <a:buChar char="•"/>
+            </a:pPr>
+            <a:r>
+              <a:rPr lang="en-US" sz="5000" dirty="0" smtClean="0">
+                <a:solidFill>
+                  <a:schemeClr val="bg1"/>
+                </a:solidFill>
+                <a:latin typeface="Times New Roman" panose="02020603050405020304" pitchFamily="18" charset="0"/>
+                <a:cs typeface="Times New Roman" panose="02020603050405020304" pitchFamily="18" charset="0"/>
+              </a:rPr>
+              <a:t>remember how to </a:t>
+            </a:r>
+            <a:r>
+              <a:rPr lang="en-US" sz="5000" dirty="0" smtClean="0">
+                <a:solidFill>
+                  <a:schemeClr val="accent4">
+                    <a:lumMod val="60000"/>
+                    <a:lumOff val="40000"/>
+                  </a:schemeClr>
+                </a:solidFill>
+                <a:effectLst>
+                  <a:outerShdw blurRad="38100" dist="38100" dir="2700000" algn="tl">
+                    <a:srgbClr val="000000">
+                      <a:alpha val="43137"/>
+                    </a:srgbClr>
+                  </a:outerShdw>
+                </a:effectLst>
+                <a:latin typeface="Times New Roman" panose="02020603050405020304" pitchFamily="18" charset="0"/>
+                <a:cs typeface="Times New Roman" panose="02020603050405020304" pitchFamily="18" charset="0"/>
+              </a:rPr>
+              <a:t>unwrap a promise</a:t>
+            </a:r>
+            <a:r>
+              <a:rPr lang="en-US" sz="5000" dirty="0" smtClean="0">
+                <a:solidFill>
+                  <a:schemeClr val="bg1"/>
+                </a:solidFill>
+                <a:latin typeface="Times New Roman" panose="02020603050405020304" pitchFamily="18" charset="0"/>
+                <a:cs typeface="Times New Roman" panose="02020603050405020304" pitchFamily="18" charset="0"/>
+              </a:rPr>
+              <a:t>? we’ll review that quickly…</a:t>
+            </a:r>
+          </a:p>
+          <a:p>
+            <a:pPr marL="685800" indent="-685800">
+              <a:spcBef>
+                <a:spcPts val="600"/>
+              </a:spcBef>
+              <a:buFont typeface="Arial" panose="020B0604020202020204" pitchFamily="34" charset="0"/>
+              <a:buChar char="•"/>
+            </a:pPr>
+            <a:r>
+              <a:rPr lang="en-US" sz="5000" dirty="0" smtClean="0">
+                <a:solidFill>
+                  <a:schemeClr val="bg1"/>
+                </a:solidFill>
+                <a:latin typeface="Times New Roman" panose="02020603050405020304" pitchFamily="18" charset="0"/>
+                <a:cs typeface="Times New Roman" panose="02020603050405020304" pitchFamily="18" charset="0"/>
+              </a:rPr>
+              <a:t>then we get to work on </a:t>
+            </a:r>
+            <a:r>
+              <a:rPr lang="en-US" sz="5000" dirty="0" smtClean="0">
+                <a:solidFill>
+                  <a:schemeClr val="accent4">
+                    <a:lumMod val="60000"/>
+                    <a:lumOff val="40000"/>
+                  </a:schemeClr>
+                </a:solidFill>
+                <a:effectLst>
+                  <a:outerShdw blurRad="38100" dist="38100" dir="2700000" algn="tl">
+                    <a:srgbClr val="000000">
+                      <a:alpha val="43137"/>
+                    </a:srgbClr>
+                  </a:outerShdw>
+                </a:effectLst>
+                <a:latin typeface="Times New Roman" panose="02020603050405020304" pitchFamily="18" charset="0"/>
+                <a:cs typeface="Times New Roman" panose="02020603050405020304" pitchFamily="18" charset="0"/>
+              </a:rPr>
+              <a:t>calling the </a:t>
+            </a:r>
+            <a:r>
+              <a:rPr lang="en-US" sz="5000" dirty="0" err="1" smtClean="0">
+                <a:solidFill>
+                  <a:schemeClr val="accent4">
+                    <a:lumMod val="60000"/>
+                    <a:lumOff val="40000"/>
+                  </a:schemeClr>
+                </a:solidFill>
+                <a:effectLst>
+                  <a:outerShdw blurRad="38100" dist="38100" dir="2700000" algn="tl">
+                    <a:srgbClr val="000000">
+                      <a:alpha val="43137"/>
+                    </a:srgbClr>
+                  </a:outerShdw>
+                </a:effectLst>
+                <a:latin typeface="Times New Roman" panose="02020603050405020304" pitchFamily="18" charset="0"/>
+                <a:cs typeface="Times New Roman" panose="02020603050405020304" pitchFamily="18" charset="0"/>
+              </a:rPr>
+              <a:t>omdb</a:t>
+            </a:r>
+            <a:r>
+              <a:rPr lang="en-US" sz="5000" dirty="0" smtClean="0">
+                <a:solidFill>
+                  <a:schemeClr val="accent4">
+                    <a:lumMod val="60000"/>
+                    <a:lumOff val="40000"/>
+                  </a:schemeClr>
+                </a:solidFill>
+                <a:effectLst>
+                  <a:outerShdw blurRad="38100" dist="38100" dir="2700000" algn="tl">
+                    <a:srgbClr val="000000">
+                      <a:alpha val="43137"/>
+                    </a:srgbClr>
+                  </a:outerShdw>
+                </a:effectLst>
+                <a:latin typeface="Times New Roman" panose="02020603050405020304" pitchFamily="18" charset="0"/>
+                <a:cs typeface="Times New Roman" panose="02020603050405020304" pitchFamily="18" charset="0"/>
+              </a:rPr>
+              <a:t> API </a:t>
+            </a:r>
+            <a:r>
+              <a:rPr lang="en-US" sz="5000" dirty="0" smtClean="0">
+                <a:solidFill>
+                  <a:schemeClr val="bg1"/>
+                </a:solidFill>
+                <a:latin typeface="Times New Roman" panose="02020603050405020304" pitchFamily="18" charset="0"/>
+                <a:cs typeface="Times New Roman" panose="02020603050405020304" pitchFamily="18" charset="0"/>
+              </a:rPr>
+              <a:t>and </a:t>
+            </a:r>
+            <a:r>
+              <a:rPr lang="en-US" sz="5000" dirty="0" smtClean="0">
+                <a:solidFill>
+                  <a:schemeClr val="accent4">
+                    <a:lumMod val="60000"/>
+                    <a:lumOff val="40000"/>
+                  </a:schemeClr>
+                </a:solidFill>
+                <a:effectLst>
+                  <a:outerShdw blurRad="38100" dist="38100" dir="2700000" algn="tl">
+                    <a:srgbClr val="000000">
+                      <a:alpha val="43137"/>
+                    </a:srgbClr>
+                  </a:outerShdw>
+                </a:effectLst>
+                <a:latin typeface="Times New Roman" panose="02020603050405020304" pitchFamily="18" charset="0"/>
+                <a:cs typeface="Times New Roman" panose="02020603050405020304" pitchFamily="18" charset="0"/>
+              </a:rPr>
+              <a:t>displaying the results</a:t>
+            </a:r>
+            <a:endParaRPr lang="en-US" sz="5000" dirty="0" smtClean="0">
+              <a:solidFill>
+                <a:schemeClr val="bg1"/>
+              </a:solidFill>
+              <a:effectLst>
+                <a:outerShdw blurRad="38100" dist="38100" dir="2700000" algn="tl">
+                  <a:srgbClr val="000000">
+                    <a:alpha val="43137"/>
+                  </a:srgbClr>
+                </a:outerShdw>
+              </a:effectLst>
+              <a:latin typeface="Times New Roman" panose="02020603050405020304" pitchFamily="18" charset="0"/>
+              <a:cs typeface="Times New Roman" panose="02020603050405020304" pitchFamily="18" charset="0"/>
+            </a:endParaRPr>
+          </a:p>
+          <a:p>
+            <a:pPr marL="571500" indent="-571500">
+              <a:spcBef>
+                <a:spcPts val="600"/>
+              </a:spcBef>
+              <a:buFont typeface="Arial" panose="020B0604020202020204" pitchFamily="34" charset="0"/>
+              <a:buChar char="•"/>
+            </a:pPr>
+            <a:endParaRPr lang="en-US" sz="4000" dirty="0" smtClean="0">
+              <a:solidFill>
+                <a:schemeClr val="bg1"/>
+              </a:solidFill>
+              <a:latin typeface="Times New Roman" panose="02020603050405020304" pitchFamily="18" charset="0"/>
+              <a:cs typeface="Times New Roman" panose="02020603050405020304" pitchFamily="18" charset="0"/>
+            </a:endParaRPr>
+          </a:p>
+          <a:p>
+            <a:pPr marL="571500" indent="-571500">
+              <a:spcBef>
+                <a:spcPts val="600"/>
+              </a:spcBef>
+              <a:buFont typeface="Arial" panose="020B0604020202020204" pitchFamily="34" charset="0"/>
+              <a:buChar char="•"/>
+            </a:pPr>
+            <a:endParaRPr lang="en-US" sz="4000" dirty="0" smtClean="0">
+              <a:solidFill>
+                <a:schemeClr val="bg1"/>
+              </a:solidFill>
+              <a:latin typeface="Times New Roman" panose="02020603050405020304" pitchFamily="18" charset="0"/>
+              <a:cs typeface="Times New Roman" panose="02020603050405020304" pitchFamily="18" charset="0"/>
+            </a:endParaRPr>
+          </a:p>
+        </p:txBody>
+      </p:sp>
     </p:spTree>
     <p:extLst>
       <p:ext uri="{BB962C8B-B14F-4D97-AF65-F5344CB8AC3E}">
-        <p14:creationId xmlns:p14="http://schemas.microsoft.com/office/powerpoint/2010/main" val="1316204068"/>
+        <p14:creationId xmlns:p14="http://schemas.microsoft.com/office/powerpoint/2010/main" val="1968153279"/>
       </p:ext>
     </p:extLst>
   </p:cSld>
@@ -7070,7 +7151,7 @@
             <a:avLst/>
           </a:prstGeom>
           <a:solidFill>
-            <a:srgbClr val="004376"/>
+            <a:srgbClr val="322D5D"/>
           </a:solidFill>
         </p:spPr>
         <p:txBody>
@@ -7085,21 +7166,62 @@
           </a:p>
         </p:txBody>
       </p:sp>
-      <p:sp>
-        <p:nvSpPr>
-          <p:cNvPr id="8" name="TextBox 7"/>
-          <p:cNvSpPr txBox="1"/>
+      <p:pic>
+        <p:nvPicPr>
+          <p:cNvPr id="5122" name="Picture 2" descr="Image result for batman robin running"/>
+          <p:cNvPicPr>
+            <a:picLocks noChangeAspect="1" noChangeArrowheads="1"/>
+          </p:cNvPicPr>
           <p:nvPr/>
-        </p:nvSpPr>
-        <p:spPr>
-          <a:xfrm>
-            <a:off x="643887" y="107576"/>
-            <a:ext cx="5649337" cy="1837765"/>
+        </p:nvPicPr>
+        <p:blipFill>
+          <a:blip r:embed="rId2">
+            <a:extLst>
+              <a:ext uri="{28A0092B-C50C-407E-A947-70E740481C1C}">
+                <a14:useLocalDpi xmlns:a14="http://schemas.microsoft.com/office/drawing/2010/main" val="0"/>
+              </a:ext>
+            </a:extLst>
+          </a:blip>
+          <a:srcRect/>
+          <a:stretch>
+            <a:fillRect/>
+          </a:stretch>
+        </p:blipFill>
+        <p:spPr bwMode="auto">
+          <a:xfrm>
+            <a:off x="923827" y="-3"/>
+            <a:ext cx="10064453" cy="6822739"/>
           </a:xfrm>
           <a:prstGeom prst="rect">
             <a:avLst/>
           </a:prstGeom>
           <a:noFill/>
+          <a:extLst>
+            <a:ext uri="{909E8E84-426E-40DD-AFC4-6F175D3DCCD1}">
+              <a14:hiddenFill xmlns:a14="http://schemas.microsoft.com/office/drawing/2010/main">
+                <a:solidFill>
+                  <a:srgbClr val="FFFFFF"/>
+                </a:solidFill>
+              </a14:hiddenFill>
+            </a:ext>
+          </a:extLst>
+        </p:spPr>
+      </p:pic>
+      <p:sp>
+        <p:nvSpPr>
+          <p:cNvPr id="6" name="TextBox 5"/>
+          <p:cNvSpPr txBox="1"/>
+          <p:nvPr/>
+        </p:nvSpPr>
+        <p:spPr>
+          <a:xfrm>
+            <a:off x="3919284" y="742988"/>
+            <a:ext cx="3847801" cy="779929"/>
+          </a:xfrm>
+          <a:prstGeom prst="rect">
+            <a:avLst/>
+          </a:prstGeom>
+          <a:noFill/>
         </p:spPr>
         <p:txBody>
           <a:bodyPr wrap="square" rtlCol="0">
@@ -7108,39 +7230,39 @@
           <a:lstStyle/>
           <a:p>
             <a:r>
-              <a:rPr lang="en-US" sz="7000" b="1" dirty="0" smtClean="0">
-                <a:solidFill>
-                  <a:schemeClr val="bg1"/>
-                </a:solidFill>
-                <a:latin typeface="Cambria" panose="02040503050406030204" pitchFamily="18" charset="0"/>
-              </a:rPr>
-              <a:t>Exercise #2 </a:t>
-            </a:r>
-            <a:endParaRPr lang="en-US" sz="7000" b="1" dirty="0" smtClean="0">
-              <a:solidFill>
-                <a:schemeClr val="bg1"/>
-              </a:solidFill>
-              <a:latin typeface="Cambria" panose="02040503050406030204" pitchFamily="18" charset="0"/>
+              <a:rPr lang="en-US" sz="4700" b="1" dirty="0" smtClean="0">
+                <a:latin typeface="Times New Roman" panose="02020603050405020304" pitchFamily="18" charset="0"/>
+                <a:cs typeface="Times New Roman" panose="02020603050405020304" pitchFamily="18" charset="0"/>
+              </a:rPr>
+              <a:t>To the repo!</a:t>
+            </a:r>
+          </a:p>
+          <a:p>
+            <a:endParaRPr lang="en-US" sz="4700" b="1" dirty="0" smtClean="0">
+              <a:latin typeface="Times New Roman" panose="02020603050405020304" pitchFamily="18" charset="0"/>
+              <a:cs typeface="Times New Roman" panose="02020603050405020304" pitchFamily="18" charset="0"/>
             </a:endParaRPr>
           </a:p>
         </p:txBody>
       </p:sp>
       <p:sp>
         <p:nvSpPr>
-          <p:cNvPr id="5" name="TextBox 4"/>
+          <p:cNvPr id="9" name="TextBox 8"/>
           <p:cNvSpPr txBox="1"/>
           <p:nvPr/>
         </p:nvSpPr>
         <p:spPr>
           <a:xfrm>
-            <a:off x="0" y="2286001"/>
-            <a:ext cx="12192000" cy="4572000"/>
+            <a:off x="0" y="4195482"/>
+            <a:ext cx="12192000" cy="2289235"/>
           </a:xfrm>
           <a:prstGeom prst="rect">
             <a:avLst/>
           </a:prstGeom>
           <a:solidFill>
-            <a:srgbClr val="322D5D"/>
+            <a:srgbClr val="000000">
+              <a:alpha val="69804"/>
+            </a:srgbClr>
           </a:solidFill>
         </p:spPr>
         <p:txBody>
@@ -7149,125 +7271,113 @@
           </a:bodyPr>
           <a:lstStyle/>
           <a:p>
-            <a:endParaRPr lang="en-US" sz="10000" b="1" dirty="0" smtClean="0">
-              <a:latin typeface="Cambria" panose="02040503050406030204" pitchFamily="18" charset="0"/>
+            <a:pPr algn="ctr">
+              <a:spcBef>
+                <a:spcPts val="1200"/>
+              </a:spcBef>
+              <a:spcAft>
+                <a:spcPts val="600"/>
+              </a:spcAft>
+            </a:pPr>
+            <a:r>
+              <a:rPr lang="en-US" sz="4000" b="1" dirty="0" smtClean="0">
+                <a:solidFill>
+                  <a:schemeClr val="accent2">
+                    <a:lumMod val="20000"/>
+                    <a:lumOff val="80000"/>
+                  </a:schemeClr>
+                </a:solidFill>
+                <a:latin typeface="Consolas" panose="020B0609020204030204" pitchFamily="49" charset="0"/>
+                <a:cs typeface="Consolas" panose="020B0609020204030204" pitchFamily="49" charset="0"/>
+              </a:rPr>
+              <a:t>github.com</a:t>
+            </a:r>
+            <a:r>
+              <a:rPr lang="en-US" sz="4000" b="1" dirty="0" smtClean="0">
+                <a:solidFill>
+                  <a:schemeClr val="accent2">
+                    <a:lumMod val="60000"/>
+                    <a:lumOff val="40000"/>
+                  </a:schemeClr>
+                </a:solidFill>
+                <a:latin typeface="Consolas" panose="020B0609020204030204" pitchFamily="49" charset="0"/>
+                <a:cs typeface="Consolas" panose="020B0609020204030204" pitchFamily="49" charset="0"/>
+              </a:rPr>
+              <a:t>/</a:t>
+            </a:r>
+            <a:r>
+              <a:rPr lang="en-US" sz="4000" b="1" dirty="0" err="1" smtClean="0">
+                <a:solidFill>
+                  <a:schemeClr val="accent2">
+                    <a:lumMod val="60000"/>
+                    <a:lumOff val="40000"/>
+                  </a:schemeClr>
+                </a:solidFill>
+                <a:latin typeface="Consolas" panose="020B0609020204030204" pitchFamily="49" charset="0"/>
+                <a:cs typeface="Consolas" panose="020B0609020204030204" pitchFamily="49" charset="0"/>
+              </a:rPr>
+              <a:t>joeldevlearning</a:t>
+            </a:r>
+            <a:endParaRPr lang="en-US" sz="4000" b="1" dirty="0">
+              <a:solidFill>
+                <a:schemeClr val="accent2">
+                  <a:lumMod val="60000"/>
+                  <a:lumOff val="40000"/>
+                </a:schemeClr>
+              </a:solidFill>
+              <a:latin typeface="Consolas" panose="020B0609020204030204" pitchFamily="49" charset="0"/>
+              <a:cs typeface="Consolas" panose="020B0609020204030204" pitchFamily="49" charset="0"/>
             </a:endParaRPr>
           </a:p>
-        </p:txBody>
-      </p:sp>
-      <p:sp>
-        <p:nvSpPr>
-          <p:cNvPr id="6" name="TextBox 5"/>
-          <p:cNvSpPr txBox="1"/>
-          <p:nvPr/>
-        </p:nvSpPr>
-        <p:spPr>
-          <a:xfrm>
-            <a:off x="403411" y="1344706"/>
-            <a:ext cx="11385177" cy="779929"/>
-          </a:xfrm>
-          <a:prstGeom prst="rect">
-            <a:avLst/>
-          </a:prstGeom>
-          <a:noFill/>
-        </p:spPr>
-        <p:txBody>
-          <a:bodyPr wrap="square" rtlCol="0">
-            <a:noAutofit/>
-          </a:bodyPr>
-          <a:lstStyle/>
-          <a:p>
-            <a:r>
-              <a:rPr lang="it-IT" sz="4000" b="1" dirty="0" smtClean="0">
+          <a:p>
+            <a:pPr algn="ctr">
+              <a:spcBef>
+                <a:spcPts val="1200"/>
+              </a:spcBef>
+              <a:spcAft>
+                <a:spcPts val="600"/>
+              </a:spcAft>
+            </a:pPr>
+            <a:r>
+              <a:rPr lang="en-US" sz="4000" b="1" dirty="0">
                 <a:solidFill>
                   <a:schemeClr val="accent4">
                     <a:lumMod val="60000"/>
                     <a:lumOff val="40000"/>
                   </a:schemeClr>
                 </a:solidFill>
-                <a:effectLst>
-                  <a:outerShdw blurRad="38100" dist="38100" dir="2700000" algn="tl">
-                    <a:srgbClr val="000000">
-                      <a:alpha val="43137"/>
-                    </a:srgbClr>
-                  </a:outerShdw>
-                </a:effectLst>
-                <a:latin typeface="Times New Roman" panose="02020603050405020304" pitchFamily="18" charset="0"/>
-                <a:cs typeface="Times New Roman" panose="02020603050405020304" pitchFamily="18" charset="0"/>
-              </a:rPr>
-              <a:t>TODO</a:t>
-            </a:r>
-            <a:r>
-              <a:rPr lang="it-IT" sz="4000" dirty="0" smtClean="0">
+                <a:latin typeface="Consolas" panose="020B0609020204030204" pitchFamily="49" charset="0"/>
+                <a:cs typeface="Consolas" panose="020B0609020204030204" pitchFamily="49" charset="0"/>
+              </a:rPr>
+              <a:t>/</a:t>
+            </a:r>
+            <a:r>
+              <a:rPr lang="en-US" sz="4000" b="1" dirty="0" smtClean="0">
                 <a:solidFill>
                   <a:schemeClr val="accent4">
                     <a:lumMod val="60000"/>
                     <a:lumOff val="40000"/>
                   </a:schemeClr>
                 </a:solidFill>
-                <a:effectLst>
-                  <a:outerShdw blurRad="38100" dist="38100" dir="2700000" algn="tl">
-                    <a:srgbClr val="000000">
-                      <a:alpha val="43137"/>
-                    </a:srgbClr>
-                  </a:outerShdw>
-                </a:effectLst>
-                <a:latin typeface="Times New Roman" panose="02020603050405020304" pitchFamily="18" charset="0"/>
-                <a:cs typeface="Times New Roman" panose="02020603050405020304" pitchFamily="18" charset="0"/>
-              </a:rPr>
-              <a:t>:</a:t>
-            </a:r>
-            <a:r>
-              <a:rPr lang="it-IT" sz="4000" dirty="0" smtClean="0">
-                <a:solidFill>
-                  <a:schemeClr val="bg1"/>
-                </a:solidFill>
-                <a:effectLst>
-                  <a:outerShdw blurRad="38100" dist="38100" dir="2700000" algn="tl">
-                    <a:srgbClr val="000000">
-                      <a:alpha val="43137"/>
-                    </a:srgbClr>
-                  </a:outerShdw>
-                </a:effectLst>
-                <a:latin typeface="Times New Roman" panose="02020603050405020304" pitchFamily="18" charset="0"/>
-                <a:cs typeface="Times New Roman" panose="02020603050405020304" pitchFamily="18" charset="0"/>
-              </a:rPr>
-              <a:t> </a:t>
-            </a:r>
-            <a:r>
-              <a:rPr lang="en-US" sz="4000" dirty="0" smtClean="0">
-                <a:solidFill>
-                  <a:schemeClr val="bg1"/>
-                </a:solidFill>
-                <a:effectLst>
-                  <a:outerShdw blurRad="38100" dist="38100" dir="2700000" algn="tl">
-                    <a:srgbClr val="000000">
-                      <a:alpha val="43137"/>
-                    </a:srgbClr>
-                  </a:outerShdw>
-                </a:effectLst>
-                <a:latin typeface="Times New Roman" panose="02020603050405020304" pitchFamily="18" charset="0"/>
-                <a:cs typeface="Times New Roman" panose="02020603050405020304" pitchFamily="18" charset="0"/>
-              </a:rPr>
-              <a:t>create a basic templating function</a:t>
-            </a:r>
-            <a:endParaRPr lang="en-US" sz="4000" dirty="0" smtClean="0">
+                <a:latin typeface="Consolas" panose="020B0609020204030204" pitchFamily="49" charset="0"/>
+                <a:cs typeface="Consolas" panose="020B0609020204030204" pitchFamily="49" charset="0"/>
+              </a:rPr>
+              <a:t>javascript-3/exercise-1</a:t>
+            </a:r>
+            <a:endParaRPr lang="en-US" sz="4000" b="1" dirty="0">
               <a:solidFill>
-                <a:schemeClr val="bg1"/>
+                <a:schemeClr val="accent4">
+                  <a:lumMod val="60000"/>
+                  <a:lumOff val="40000"/>
+                </a:schemeClr>
               </a:solidFill>
-              <a:effectLst>
-                <a:outerShdw blurRad="38100" dist="38100" dir="2700000" algn="tl">
-                  <a:srgbClr val="000000">
-                    <a:alpha val="43137"/>
-                  </a:srgbClr>
-                </a:outerShdw>
-              </a:effectLst>
-              <a:latin typeface="Times New Roman" panose="02020603050405020304" pitchFamily="18" charset="0"/>
-              <a:cs typeface="Times New Roman" panose="02020603050405020304" pitchFamily="18" charset="0"/>
+              <a:latin typeface="Consolas" panose="020B0609020204030204" pitchFamily="49" charset="0"/>
+              <a:cs typeface="Consolas" panose="020B0609020204030204" pitchFamily="49" charset="0"/>
             </a:endParaRPr>
           </a:p>
           <a:p>
-            <a:endParaRPr lang="en-US" sz="4000" dirty="0" smtClean="0">
+            <a:pPr algn="ctr"/>
+            <a:endParaRPr lang="en-US" sz="4700" b="1" dirty="0" smtClean="0">
               <a:solidFill>
                 <a:schemeClr val="bg1"/>
               </a:solidFill>
@@ -7277,125 +7387,10 @@
           </a:p>
         </p:txBody>
       </p:sp>
-      <p:sp>
-        <p:nvSpPr>
-          <p:cNvPr id="7" name="TextBox 6"/>
-          <p:cNvSpPr txBox="1"/>
-          <p:nvPr/>
-        </p:nvSpPr>
-        <p:spPr>
-          <a:xfrm>
-            <a:off x="304799" y="2427195"/>
-            <a:ext cx="11385177" cy="3966883"/>
-          </a:xfrm>
-          <a:prstGeom prst="rect">
-            <a:avLst/>
-          </a:prstGeom>
-          <a:noFill/>
-        </p:spPr>
-        <p:txBody>
-          <a:bodyPr wrap="square" rtlCol="0">
-            <a:noAutofit/>
-          </a:bodyPr>
-          <a:lstStyle/>
-          <a:p>
-            <a:pPr marL="685800" indent="-685800">
-              <a:spcBef>
-                <a:spcPts val="600"/>
-              </a:spcBef>
-              <a:buFont typeface="Arial" panose="020B0604020202020204" pitchFamily="34" charset="0"/>
-              <a:buChar char="•"/>
-            </a:pPr>
-            <a:r>
-              <a:rPr lang="en-US" sz="5000" dirty="0">
-                <a:solidFill>
-                  <a:schemeClr val="bg1"/>
-                </a:solidFill>
-                <a:latin typeface="Times New Roman" panose="02020603050405020304" pitchFamily="18" charset="0"/>
-                <a:cs typeface="Times New Roman" panose="02020603050405020304" pitchFamily="18" charset="0"/>
-              </a:rPr>
-              <a:t>remember how </a:t>
-            </a:r>
-            <a:r>
-              <a:rPr lang="en-US" sz="5000" dirty="0" smtClean="0">
-                <a:solidFill>
-                  <a:schemeClr val="bg1"/>
-                </a:solidFill>
-                <a:latin typeface="Times New Roman" panose="02020603050405020304" pitchFamily="18" charset="0"/>
-                <a:cs typeface="Times New Roman" panose="02020603050405020304" pitchFamily="18" charset="0"/>
-              </a:rPr>
-              <a:t>to pass data to a function? easy stuff…</a:t>
-            </a:r>
-            <a:endParaRPr lang="en-US" sz="5000" dirty="0">
-              <a:solidFill>
-                <a:schemeClr val="bg1"/>
-              </a:solidFill>
-              <a:latin typeface="Times New Roman" panose="02020603050405020304" pitchFamily="18" charset="0"/>
-              <a:cs typeface="Times New Roman" panose="02020603050405020304" pitchFamily="18" charset="0"/>
-            </a:endParaRPr>
-          </a:p>
-          <a:p>
-            <a:pPr marL="685800" indent="-685800">
-              <a:spcBef>
-                <a:spcPts val="600"/>
-              </a:spcBef>
-              <a:buFont typeface="Arial" panose="020B0604020202020204" pitchFamily="34" charset="0"/>
-              <a:buChar char="•"/>
-            </a:pPr>
-            <a:r>
-              <a:rPr lang="en-US" sz="5000" dirty="0" smtClean="0">
-                <a:solidFill>
-                  <a:schemeClr val="bg1"/>
-                </a:solidFill>
-                <a:latin typeface="Times New Roman" panose="02020603050405020304" pitchFamily="18" charset="0"/>
-                <a:cs typeface="Times New Roman" panose="02020603050405020304" pitchFamily="18" charset="0"/>
-              </a:rPr>
-              <a:t>let’s </a:t>
-            </a:r>
-            <a:r>
-              <a:rPr lang="en-US" sz="5000" dirty="0" smtClean="0">
-                <a:solidFill>
-                  <a:schemeClr val="accent2">
-                    <a:lumMod val="60000"/>
-                    <a:lumOff val="40000"/>
-                  </a:schemeClr>
-                </a:solidFill>
-                <a:latin typeface="Times New Roman" panose="02020603050405020304" pitchFamily="18" charset="0"/>
-                <a:cs typeface="Times New Roman" panose="02020603050405020304" pitchFamily="18" charset="0"/>
-              </a:rPr>
-              <a:t>create a function that returns our HTML dynamically</a:t>
-            </a:r>
-            <a:r>
-              <a:rPr lang="en-US" sz="5000" dirty="0" smtClean="0">
-                <a:solidFill>
-                  <a:schemeClr val="bg1"/>
-                </a:solidFill>
-                <a:latin typeface="Times New Roman" panose="02020603050405020304" pitchFamily="18" charset="0"/>
-                <a:cs typeface="Times New Roman" panose="02020603050405020304" pitchFamily="18" charset="0"/>
-              </a:rPr>
-              <a:t>, instead of hardcoding it</a:t>
-            </a:r>
-            <a:endParaRPr lang="en-US" sz="5000" dirty="0">
-              <a:solidFill>
-                <a:schemeClr val="bg1"/>
-              </a:solidFill>
-              <a:effectLst>
-                <a:outerShdw blurRad="38100" dist="38100" dir="2700000" algn="tl">
-                  <a:srgbClr val="000000">
-                    <a:alpha val="43137"/>
-                  </a:srgbClr>
-                </a:outerShdw>
-              </a:effectLst>
-              <a:latin typeface="Times New Roman" panose="02020603050405020304" pitchFamily="18" charset="0"/>
-              <a:cs typeface="Times New Roman" panose="02020603050405020304" pitchFamily="18" charset="0"/>
-            </a:endParaRPr>
-          </a:p>
-        </p:txBody>
-      </p:sp>
     </p:spTree>
     <p:extLst>
       <p:ext uri="{BB962C8B-B14F-4D97-AF65-F5344CB8AC3E}">
-        <p14:creationId xmlns:p14="http://schemas.microsoft.com/office/powerpoint/2010/main" val="3196842250"/>
+        <p14:creationId xmlns:p14="http://schemas.microsoft.com/office/powerpoint/2010/main" val="1316204068"/>
       </p:ext>
     </p:extLst>
   </p:cSld>
@@ -7437,7 +7432,7 @@
             <a:avLst/>
           </a:prstGeom>
           <a:solidFill>
-            <a:srgbClr val="322D5D"/>
+            <a:srgbClr val="004376"/>
           </a:solidFill>
         </p:spPr>
         <p:txBody>
@@ -7452,47 +7447,70 @@
           </a:p>
         </p:txBody>
       </p:sp>
-      <p:pic>
-        <p:nvPicPr>
-          <p:cNvPr id="6148" name="Picture 4" descr="Drop that Red Pill, Weâre Going Back Into THE MATRIX!"/>
-          <p:cNvPicPr>
-            <a:picLocks noChangeAspect="1" noChangeArrowheads="1"/>
-          </p:cNvPicPr>
+      <p:sp>
+        <p:nvSpPr>
+          <p:cNvPr id="8" name="TextBox 7"/>
+          <p:cNvSpPr txBox="1"/>
           <p:nvPr/>
-        </p:nvPicPr>
-        <p:blipFill>
-          <a:blip r:embed="rId2">
-            <a:extLst>
-              <a:ext uri="{28A0092B-C50C-407E-A947-70E740481C1C}">
-                <a14:useLocalDpi xmlns:a14="http://schemas.microsoft.com/office/drawing/2010/main" val="0"/>
-              </a:ext>
-            </a:extLst>
-          </a:blip>
-          <a:srcRect/>
-          <a:stretch>
-            <a:fillRect/>
-          </a:stretch>
-        </p:blipFill>
-        <p:spPr bwMode="auto">
-          <a:xfrm>
-            <a:off x="62753" y="-1"/>
-            <a:ext cx="12005950" cy="6632477"/>
+        </p:nvSpPr>
+        <p:spPr>
+          <a:xfrm>
+            <a:off x="643887" y="107576"/>
+            <a:ext cx="5649337" cy="1837765"/>
           </a:xfrm>
           <a:prstGeom prst="rect">
             <a:avLst/>
           </a:prstGeom>
           <a:noFill/>
-          <a:extLst>
-            <a:ext uri="{909E8E84-426E-40DD-AFC4-6F175D3DCCD1}">
-              <a14:hiddenFill xmlns:a14="http://schemas.microsoft.com/office/drawing/2010/main">
-                <a:solidFill>
-                  <a:srgbClr val="FFFFFF"/>
-                </a:solidFill>
-              </a14:hiddenFill>
-            </a:ext>
-          </a:extLst>
-        </p:spPr>
-      </p:pic>
+        </p:spPr>
+        <p:txBody>
+          <a:bodyPr wrap="square" rtlCol="0">
+            <a:noAutofit/>
+          </a:bodyPr>
+          <a:lstStyle/>
+          <a:p>
+            <a:r>
+              <a:rPr lang="en-US" sz="7000" b="1" dirty="0" smtClean="0">
+                <a:solidFill>
+                  <a:schemeClr val="bg1"/>
+                </a:solidFill>
+                <a:latin typeface="Cambria" panose="02040503050406030204" pitchFamily="18" charset="0"/>
+              </a:rPr>
+              <a:t>Exercise #2 </a:t>
+            </a:r>
+          </a:p>
+        </p:txBody>
+      </p:sp>
+      <p:sp>
+        <p:nvSpPr>
+          <p:cNvPr id="5" name="TextBox 4"/>
+          <p:cNvSpPr txBox="1"/>
+          <p:nvPr/>
+        </p:nvSpPr>
+        <p:spPr>
+          <a:xfrm>
+            <a:off x="0" y="2286001"/>
+            <a:ext cx="12192000" cy="4572000"/>
+          </a:xfrm>
+          <a:prstGeom prst="rect">
+            <a:avLst/>
+          </a:prstGeom>
+          <a:solidFill>
+            <a:srgbClr val="322D5D"/>
+          </a:solidFill>
+        </p:spPr>
+        <p:txBody>
+          <a:bodyPr wrap="square" rtlCol="0">
+            <a:noAutofit/>
+          </a:bodyPr>
+          <a:lstStyle/>
+          <a:p>
+            <a:endParaRPr lang="en-US" sz="10000" b="1" dirty="0" smtClean="0">
+              <a:latin typeface="Cambria" panose="02040503050406030204" pitchFamily="18" charset="0"/>
+            </a:endParaRPr>
+          </a:p>
+        </p:txBody>
+      </p:sp>
       <p:sp>
         <p:nvSpPr>
           <p:cNvPr id="6" name="TextBox 5"/>
@@ -7501,8 +7519,8 @@
         </p:nvSpPr>
         <p:spPr>
           <a:xfrm>
-            <a:off x="1068507" y="1317811"/>
-            <a:ext cx="3847801" cy="779929"/>
+            <a:off x="403411" y="1344706"/>
+            <a:ext cx="11385177" cy="779929"/>
           </a:xfrm>
           <a:prstGeom prst="rect">
             <a:avLst/>
@@ -7516,16 +7534,82 @@
           <a:lstStyle/>
           <a:p>
             <a:r>
-              <a:rPr lang="en-US" sz="4700" b="1" dirty="0" smtClean="0">
-                <a:solidFill>
-                  <a:schemeClr val="bg1"/>
-                </a:solidFill>
+              <a:rPr lang="it-IT" sz="4000" b="1" dirty="0" smtClean="0">
+                <a:solidFill>
+                  <a:schemeClr val="accent4">
+                    <a:lumMod val="60000"/>
+                    <a:lumOff val="40000"/>
+                  </a:schemeClr>
+                </a:solidFill>
+                <a:effectLst>
+                  <a:outerShdw blurRad="38100" dist="38100" dir="2700000" algn="tl">
+                    <a:srgbClr val="000000">
+                      <a:alpha val="43137"/>
+                    </a:srgbClr>
+                  </a:outerShdw>
+                </a:effectLst>
                 <a:latin typeface="Times New Roman" panose="02020603050405020304" pitchFamily="18" charset="0"/>
                 <a:cs typeface="Times New Roman" panose="02020603050405020304" pitchFamily="18" charset="0"/>
               </a:rPr>
-              <a:t>Into the repo!</a:t>
-            </a:r>
-            <a:endParaRPr lang="en-US" sz="4700" b="1" dirty="0" smtClean="0">
+              <a:t>TODO</a:t>
+            </a:r>
+            <a:r>
+              <a:rPr lang="it-IT" sz="4000" dirty="0" smtClean="0">
+                <a:solidFill>
+                  <a:schemeClr val="accent4">
+                    <a:lumMod val="60000"/>
+                    <a:lumOff val="40000"/>
+                  </a:schemeClr>
+                </a:solidFill>
+                <a:effectLst>
+                  <a:outerShdw blurRad="38100" dist="38100" dir="2700000" algn="tl">
+                    <a:srgbClr val="000000">
+                      <a:alpha val="43137"/>
+                    </a:srgbClr>
+                  </a:outerShdw>
+                </a:effectLst>
+                <a:latin typeface="Times New Roman" panose="02020603050405020304" pitchFamily="18" charset="0"/>
+                <a:cs typeface="Times New Roman" panose="02020603050405020304" pitchFamily="18" charset="0"/>
+              </a:rPr>
+              <a:t>:</a:t>
+            </a:r>
+            <a:r>
+              <a:rPr lang="it-IT" sz="4000" dirty="0" smtClean="0">
+                <a:solidFill>
+                  <a:schemeClr val="bg1"/>
+                </a:solidFill>
+                <a:effectLst>
+                  <a:outerShdw blurRad="38100" dist="38100" dir="2700000" algn="tl">
+                    <a:srgbClr val="000000">
+                      <a:alpha val="43137"/>
+                    </a:srgbClr>
+                  </a:outerShdw>
+                </a:effectLst>
+                <a:latin typeface="Times New Roman" panose="02020603050405020304" pitchFamily="18" charset="0"/>
+                <a:cs typeface="Times New Roman" panose="02020603050405020304" pitchFamily="18" charset="0"/>
+              </a:rPr>
+              <a:t> </a:t>
+            </a:r>
+            <a:r>
+              <a:rPr lang="en-US" sz="4000" dirty="0" smtClean="0">
+                <a:solidFill>
+                  <a:schemeClr val="bg1"/>
+                </a:solidFill>
+                <a:effectLst>
+                  <a:outerShdw blurRad="38100" dist="38100" dir="2700000" algn="tl">
+                    <a:srgbClr val="000000">
+                      <a:alpha val="43137"/>
+                    </a:srgbClr>
+                  </a:outerShdw>
+                </a:effectLst>
+                <a:latin typeface="Times New Roman" panose="02020603050405020304" pitchFamily="18" charset="0"/>
+                <a:cs typeface="Times New Roman" panose="02020603050405020304" pitchFamily="18" charset="0"/>
+              </a:rPr>
+              <a:t>create a basic templating function</a:t>
+            </a:r>
+          </a:p>
+          <a:p>
+            <a:endParaRPr lang="en-US" sz="4000" dirty="0" smtClean="0">
               <a:solidFill>
                 <a:schemeClr val="bg1"/>
               </a:solidFill>
@@ -7533,8 +7617,58 @@
               <a:cs typeface="Times New Roman" panose="02020603050405020304" pitchFamily="18" charset="0"/>
             </a:endParaRPr>
           </a:p>
-          <a:p>
-            <a:endParaRPr lang="en-US" sz="4700" b="1" dirty="0" smtClean="0">
+        </p:txBody>
+      </p:sp>
+      <p:sp>
+        <p:nvSpPr>
+          <p:cNvPr id="7" name="TextBox 6"/>
+          <p:cNvSpPr txBox="1"/>
+          <p:nvPr/>
+        </p:nvSpPr>
+        <p:spPr>
+          <a:xfrm>
+            <a:off x="304799" y="2427195"/>
+            <a:ext cx="11385177" cy="3966883"/>
+          </a:xfrm>
+          <a:prstGeom prst="rect">
+            <a:avLst/>
+          </a:prstGeom>
+          <a:noFill/>
+        </p:spPr>
+        <p:txBody>
+          <a:bodyPr wrap="square" rtlCol="0">
+            <a:noAutofit/>
+          </a:bodyPr>
+          <a:lstStyle/>
+          <a:p>
+            <a:pPr marL="685800" indent="-685800">
+              <a:spcBef>
+                <a:spcPts val="600"/>
+              </a:spcBef>
+              <a:buFont typeface="Arial" panose="020B0604020202020204" pitchFamily="34" charset="0"/>
+              <a:buChar char="•"/>
+            </a:pPr>
+            <a:r>
+              <a:rPr lang="en-US" sz="5000" dirty="0">
+                <a:solidFill>
+                  <a:schemeClr val="bg1"/>
+                </a:solidFill>
+                <a:latin typeface="Times New Roman" panose="02020603050405020304" pitchFamily="18" charset="0"/>
+                <a:cs typeface="Times New Roman" panose="02020603050405020304" pitchFamily="18" charset="0"/>
+              </a:rPr>
+              <a:t>remember how </a:t>
+            </a:r>
+            <a:r>
+              <a:rPr lang="en-US" sz="5000" dirty="0" smtClean="0">
+                <a:solidFill>
+                  <a:schemeClr val="bg1"/>
+                </a:solidFill>
+                <a:latin typeface="Times New Roman" panose="02020603050405020304" pitchFamily="18" charset="0"/>
+                <a:cs typeface="Times New Roman" panose="02020603050405020304" pitchFamily="18" charset="0"/>
+              </a:rPr>
+              <a:t>to pass data to a function? easy stuff…</a:t>
+            </a:r>
+            <a:endParaRPr lang="en-US" sz="5000" dirty="0">
               <a:solidFill>
                 <a:schemeClr val="bg1"/>
               </a:solidFill>
@@ -7542,131 +7676,58 @@
               <a:cs typeface="Times New Roman" panose="02020603050405020304" pitchFamily="18" charset="0"/>
             </a:endParaRPr>
           </a:p>
-        </p:txBody>
-      </p:sp>
-      <p:sp>
-        <p:nvSpPr>
-          <p:cNvPr id="9" name="TextBox 8"/>
-          <p:cNvSpPr txBox="1"/>
-          <p:nvPr/>
-        </p:nvSpPr>
-        <p:spPr>
-          <a:xfrm>
-            <a:off x="0" y="4195482"/>
-            <a:ext cx="12192000" cy="2289235"/>
-          </a:xfrm>
-          <a:prstGeom prst="rect">
-            <a:avLst/>
-          </a:prstGeom>
-          <a:solidFill>
-            <a:srgbClr val="000000">
-              <a:alpha val="69804"/>
-            </a:srgbClr>
-          </a:solidFill>
-        </p:spPr>
-        <p:txBody>
-          <a:bodyPr wrap="square" rtlCol="0">
-            <a:noAutofit/>
-          </a:bodyPr>
-          <a:lstStyle/>
-          <a:p>
-            <a:pPr algn="ctr">
+          <a:p>
+            <a:pPr marL="685800" indent="-685800">
               <a:spcBef>
-                <a:spcPts val="1200"/>
+                <a:spcPts val="600"/>
               </a:spcBef>
-              <a:spcAft>
-                <a:spcPts val="600"/>
-              </a:spcAft>
+              <a:buFont typeface="Arial" panose="020B0604020202020204" pitchFamily="34" charset="0"/>
+              <a:buChar char="•"/>
             </a:pPr>
             <a:r>
-              <a:rPr lang="en-US" sz="4000" b="1" dirty="0" smtClean="0">
-                <a:solidFill>
-                  <a:schemeClr val="accent2">
-                    <a:lumMod val="20000"/>
-                    <a:lumOff val="80000"/>
-                  </a:schemeClr>
-                </a:solidFill>
-                <a:latin typeface="Consolas" panose="020B0609020204030204" pitchFamily="49" charset="0"/>
-                <a:cs typeface="Consolas" panose="020B0609020204030204" pitchFamily="49" charset="0"/>
-              </a:rPr>
-              <a:t>github.com</a:t>
-            </a:r>
-            <a:r>
-              <a:rPr lang="en-US" sz="4000" b="1" dirty="0" smtClean="0">
+              <a:rPr lang="en-US" sz="5000" dirty="0" smtClean="0">
+                <a:solidFill>
+                  <a:schemeClr val="bg1"/>
+                </a:solidFill>
+                <a:latin typeface="Times New Roman" panose="02020603050405020304" pitchFamily="18" charset="0"/>
+                <a:cs typeface="Times New Roman" panose="02020603050405020304" pitchFamily="18" charset="0"/>
+              </a:rPr>
+              <a:t>let’s </a:t>
+            </a:r>
+            <a:r>
+              <a:rPr lang="en-US" sz="5000" dirty="0" smtClean="0">
                 <a:solidFill>
                   <a:schemeClr val="accent2">
                     <a:lumMod val="60000"/>
                     <a:lumOff val="40000"/>
                   </a:schemeClr>
                 </a:solidFill>
-                <a:latin typeface="Consolas" panose="020B0609020204030204" pitchFamily="49" charset="0"/>
-                <a:cs typeface="Consolas" panose="020B0609020204030204" pitchFamily="49" charset="0"/>
-              </a:rPr>
-              <a:t>/</a:t>
-            </a:r>
-            <a:r>
-              <a:rPr lang="en-US" sz="4000" b="1" dirty="0" err="1" smtClean="0">
-                <a:solidFill>
-                  <a:schemeClr val="accent2">
-                    <a:lumMod val="60000"/>
-                    <a:lumOff val="40000"/>
-                  </a:schemeClr>
-                </a:solidFill>
-                <a:latin typeface="Consolas" panose="020B0609020204030204" pitchFamily="49" charset="0"/>
-                <a:cs typeface="Consolas" panose="020B0609020204030204" pitchFamily="49" charset="0"/>
-              </a:rPr>
-              <a:t>joeldevlearning</a:t>
-            </a:r>
-            <a:endParaRPr lang="en-US" sz="4000" b="1" dirty="0" smtClean="0">
-              <a:solidFill>
-                <a:schemeClr val="accent2">
-                  <a:lumMod val="60000"/>
-                  <a:lumOff val="40000"/>
-                </a:schemeClr>
-              </a:solidFill>
-              <a:latin typeface="Consolas" panose="020B0609020204030204" pitchFamily="49" charset="0"/>
-              <a:cs typeface="Consolas" panose="020B0609020204030204" pitchFamily="49" charset="0"/>
-            </a:endParaRPr>
-          </a:p>
-          <a:p>
-            <a:pPr algn="ctr">
-              <a:spcBef>
-                <a:spcPts val="1200"/>
-              </a:spcBef>
-              <a:spcAft>
-                <a:spcPts val="600"/>
-              </a:spcAft>
-            </a:pPr>
-            <a:r>
-              <a:rPr lang="en-US" sz="4000" b="1" dirty="0" smtClean="0">
-                <a:solidFill>
-                  <a:schemeClr val="accent4">
-                    <a:lumMod val="60000"/>
-                    <a:lumOff val="40000"/>
-                  </a:schemeClr>
-                </a:solidFill>
-                <a:latin typeface="Consolas" panose="020B0609020204030204" pitchFamily="49" charset="0"/>
-                <a:cs typeface="Consolas" panose="020B0609020204030204" pitchFamily="49" charset="0"/>
-              </a:rPr>
-              <a:t>/javascript-3/exercise-2</a:t>
-            </a:r>
-            <a:endParaRPr lang="en-US" sz="4000" b="1" dirty="0" smtClean="0">
-              <a:solidFill>
-                <a:schemeClr val="accent4">
-                  <a:lumMod val="60000"/>
-                  <a:lumOff val="40000"/>
-                </a:schemeClr>
-              </a:solidFill>
-              <a:latin typeface="Consolas" panose="020B0609020204030204" pitchFamily="49" charset="0"/>
-              <a:cs typeface="Consolas" panose="020B0609020204030204" pitchFamily="49" charset="0"/>
-            </a:endParaRPr>
-          </a:p>
-          <a:p>
-            <a:pPr algn="ctr"/>
-            <a:endParaRPr lang="en-US" sz="4700" b="1" dirty="0" smtClean="0">
+                <a:latin typeface="Times New Roman" panose="02020603050405020304" pitchFamily="18" charset="0"/>
+                <a:cs typeface="Times New Roman" panose="02020603050405020304" pitchFamily="18" charset="0"/>
+              </a:rPr>
+              <a:t>create a function that returns our HTML dynamically</a:t>
+            </a:r>
+            <a:r>
+              <a:rPr lang="en-US" sz="5000" dirty="0" smtClean="0">
+                <a:solidFill>
+                  <a:schemeClr val="bg1"/>
+                </a:solidFill>
+                <a:latin typeface="Times New Roman" panose="02020603050405020304" pitchFamily="18" charset="0"/>
+                <a:cs typeface="Times New Roman" panose="02020603050405020304" pitchFamily="18" charset="0"/>
+              </a:rPr>
+              <a:t>, instead of hardcoding it</a:t>
+            </a:r>
+            <a:endParaRPr lang="en-US" sz="5000" dirty="0">
               <a:solidFill>
                 <a:schemeClr val="bg1"/>
               </a:solidFill>
+              <a:effectLst>
+                <a:outerShdw blurRad="38100" dist="38100" dir="2700000" algn="tl">
+                  <a:srgbClr val="000000">
+                    <a:alpha val="43137"/>
+                  </a:srgbClr>
+                </a:outerShdw>
+              </a:effectLst>
               <a:latin typeface="Times New Roman" panose="02020603050405020304" pitchFamily="18" charset="0"/>
               <a:cs typeface="Times New Roman" panose="02020603050405020304" pitchFamily="18" charset="0"/>
             </a:endParaRPr>
@@ -7676,7 +7737,7 @@
     </p:spTree>
     <p:extLst>
       <p:ext uri="{BB962C8B-B14F-4D97-AF65-F5344CB8AC3E}">
-        <p14:creationId xmlns:p14="http://schemas.microsoft.com/office/powerpoint/2010/main" val="2178011311"/>
+        <p14:creationId xmlns:p14="http://schemas.microsoft.com/office/powerpoint/2010/main" val="3196842250"/>
       </p:ext>
     </p:extLst>
   </p:cSld>
